--- a/Presentation.pptx
+++ b/Presentation.pptx
@@ -5,7 +5,7 @@
     <p:sldMasterId id="2147483648" r:id="rId1"/>
   </p:sldMasterIdLst>
   <p:notesMasterIdLst>
-    <p:notesMasterId r:id="rId17"/>
+    <p:notesMasterId r:id="rId18"/>
   </p:notesMasterIdLst>
   <p:sldIdLst>
     <p:sldId id="256" r:id="rId2"/>
@@ -18,11 +18,12 @@
     <p:sldId id="261" r:id="rId9"/>
     <p:sldId id="266" r:id="rId10"/>
     <p:sldId id="258" r:id="rId11"/>
-    <p:sldId id="257" r:id="rId12"/>
-    <p:sldId id="259" r:id="rId13"/>
-    <p:sldId id="260" r:id="rId14"/>
-    <p:sldId id="267" r:id="rId15"/>
-    <p:sldId id="269" r:id="rId16"/>
+    <p:sldId id="271" r:id="rId12"/>
+    <p:sldId id="257" r:id="rId13"/>
+    <p:sldId id="259" r:id="rId14"/>
+    <p:sldId id="260" r:id="rId15"/>
+    <p:sldId id="267" r:id="rId16"/>
+    <p:sldId id="269" r:id="rId17"/>
   </p:sldIdLst>
   <p:sldSz cx="12192000" cy="6858000"/>
   <p:notesSz cx="6858000" cy="9144000"/>
@@ -121,6 +122,11 @@
       </a:defRPr>
     </a:lvl9pPr>
   </p:defaultTextStyle>
+  <p:extLst>
+    <p:ext uri="{EFAFB233-063F-42B5-8137-9DF3F51BA10A}">
+      <p15:sldGuideLst xmlns:p15="http://schemas.microsoft.com/office/powerpoint/2012/main"/>
+    </p:ext>
+  </p:extLst>
 </p:presentation>
 </file>
 
@@ -519,7 +525,7 @@
           <a:p>
             <a:r>
               <a:rPr lang="en-US" dirty="0"/>
-              <a:t>https://www.barracuda.com/support/glossary/intrusion-detection-system#:~:text=An%20intrusion%20detection%20system%20(IDS,information%20and%20event%20management%20system.</a:t>
+              <a:t>https://www.barracuda.com/support/glossary/intrusion-detection-system#:~:text=An%20intrusion%20detection%20system%20(IDS,information%20and%20event%20management%20system</a:t>
             </a:r>
           </a:p>
           <a:p>
@@ -528,7 +534,7 @@
           <a:p>
             <a:r>
               <a:rPr lang="en-US" dirty="0"/>
-              <a:t>https://csrc.nist.gov/glossary/term/industrial_control_system#:~:text=Industrial%20control%20systems%20include%20supervisory,controllers%20to%20control%20localized%20processes.</a:t>
+              <a:t>https://csrc.nist.gov/glossary/term/industrial_control_system#:~:text=Industrial%20control%20systems%20include%20supervisory,controllers%20to%20control%20localized%20processes</a:t>
             </a:r>
           </a:p>
           <a:p>
@@ -4011,8 +4017,8 @@
         </p:blipFill>
         <p:spPr>
           <a:xfrm>
-            <a:off x="1955837" y="923925"/>
-            <a:ext cx="8280326" cy="4559050"/>
+            <a:off x="1692293" y="584775"/>
+            <a:ext cx="8807413" cy="4849258"/>
           </a:xfrm>
           <a:prstGeom prst="rect">
             <a:avLst/>
@@ -4098,48 +4104,12 @@
           <a:chExt cx="0" cy="0"/>
         </a:xfrm>
       </p:grpSpPr>
-      <p:pic>
-        <p:nvPicPr>
-          <p:cNvPr id="9" name="Picture 8" descr="A graph of a number of people&#10;&#10;Description automatically generated">
-            <a:extLst>
-              <a:ext uri="{FF2B5EF4-FFF2-40B4-BE49-F238E27FC236}">
-                <a16:creationId xmlns:a16="http://schemas.microsoft.com/office/drawing/2014/main" id="{ECDF3599-9922-4F6B-6420-804F98475DAC}"/>
-              </a:ext>
-            </a:extLst>
-          </p:cNvPr>
-          <p:cNvPicPr>
-            <a:picLocks noChangeAspect="1"/>
-          </p:cNvPicPr>
-          <p:nvPr/>
-        </p:nvPicPr>
-        <p:blipFill>
-          <a:blip r:embed="rId3">
-            <a:extLst>
-              <a:ext uri="{28A0092B-C50C-407E-A947-70E740481C1C}">
-                <a14:useLocalDpi xmlns:a14="http://schemas.microsoft.com/office/drawing/2010/main" val="0"/>
-              </a:ext>
-            </a:extLst>
-          </a:blip>
-          <a:stretch>
-            <a:fillRect/>
-          </a:stretch>
-        </p:blipFill>
-        <p:spPr>
-          <a:xfrm>
-            <a:off x="2127496" y="1108211"/>
-            <a:ext cx="7937008" cy="4279400"/>
-          </a:xfrm>
-          <a:prstGeom prst="rect">
-            <a:avLst/>
-          </a:prstGeom>
-        </p:spPr>
-      </p:pic>
-      <p:sp>
-        <p:nvSpPr>
-          <p:cNvPr id="10" name="TextBox 9">
-            <a:extLst>
-              <a:ext uri="{FF2B5EF4-FFF2-40B4-BE49-F238E27FC236}">
-                <a16:creationId xmlns:a16="http://schemas.microsoft.com/office/drawing/2014/main" id="{9E13141A-741B-7438-5901-6334A090B175}"/>
+      <p:sp>
+        <p:nvSpPr>
+          <p:cNvPr id="4" name="TextBox 3">
+            <a:extLst>
+              <a:ext uri="{FF2B5EF4-FFF2-40B4-BE49-F238E27FC236}">
+                <a16:creationId xmlns:a16="http://schemas.microsoft.com/office/drawing/2014/main" id="{A12B2E20-FC2A-4256-EB50-C49C2B2C74C2}"/>
               </a:ext>
             </a:extLst>
           </p:cNvPr>
@@ -4162,18 +4132,83 @@
           </a:bodyPr>
           <a:lstStyle/>
           <a:p>
-            <a:pPr algn="r"/>
-            <a:r>
-              <a:rPr lang="en-US" sz="3200" dirty="0"/>
-              <a:t>Connection States</a:t>
-            </a:r>
-          </a:p>
-        </p:txBody>
-      </p:sp>
+            <a:pPr marL="0" marR="0" lvl="0" indent="0" algn="r" defTabSz="914400" rtl="0" eaLnBrk="1" fontAlgn="auto" latinLnBrk="0" hangingPunct="1">
+              <a:lnSpc>
+                <a:spcPct val="100000"/>
+              </a:lnSpc>
+              <a:spcBef>
+                <a:spcPts val="0"/>
+              </a:spcBef>
+              <a:spcAft>
+                <a:spcPts val="0"/>
+              </a:spcAft>
+              <a:buClrTx/>
+              <a:buSzTx/>
+              <a:buFontTx/>
+              <a:buNone/>
+              <a:tabLst/>
+              <a:defRPr/>
+            </a:pPr>
+            <a:r>
+              <a:rPr kumimoji="0" lang="en-US" sz="3200" b="0" i="0" u="none" strike="noStrike" kern="1200" cap="none" spc="0" normalizeH="0" baseline="0" noProof="0" dirty="0">
+                <a:ln>
+                  <a:noFill/>
+                </a:ln>
+                <a:solidFill>
+                  <a:prstClr val="black"/>
+                </a:solidFill>
+                <a:effectLst/>
+                <a:uLnTx/>
+                <a:uFillTx/>
+                <a:latin typeface="Aptos" panose="02110004020202020204"/>
+                <a:ea typeface="+mn-ea"/>
+                <a:cs typeface="+mn-cs"/>
+              </a:rPr>
+              <a:t>IP of 13 Hour Event</a:t>
+            </a:r>
+          </a:p>
+        </p:txBody>
+      </p:sp>
+      <p:pic>
+        <p:nvPicPr>
+          <p:cNvPr id="5" name="Picture 4" descr="A screen shot of a graph">
+            <a:extLst>
+              <a:ext uri="{FF2B5EF4-FFF2-40B4-BE49-F238E27FC236}">
+                <a16:creationId xmlns:a16="http://schemas.microsoft.com/office/drawing/2014/main" id="{6CFB35BC-DB86-1BF0-21FF-A77E7B6498B7}"/>
+              </a:ext>
+            </a:extLst>
+          </p:cNvPr>
+          <p:cNvPicPr>
+            <a:picLocks noChangeAspect="1"/>
+          </p:cNvPicPr>
+          <p:nvPr/>
+        </p:nvPicPr>
+        <p:blipFill>
+          <a:blip r:embed="rId3">
+            <a:extLst>
+              <a:ext uri="{28A0092B-C50C-407E-A947-70E740481C1C}">
+                <a14:useLocalDpi xmlns:a14="http://schemas.microsoft.com/office/drawing/2010/main" val="0"/>
+              </a:ext>
+            </a:extLst>
+          </a:blip>
+          <a:stretch>
+            <a:fillRect/>
+          </a:stretch>
+        </p:blipFill>
+        <p:spPr>
+          <a:xfrm>
+            <a:off x="1592839" y="584775"/>
+            <a:ext cx="9006322" cy="4958775"/>
+          </a:xfrm>
+          <a:prstGeom prst="rect">
+            <a:avLst/>
+          </a:prstGeom>
+        </p:spPr>
+      </p:pic>
     </p:spTree>
     <p:extLst>
       <p:ext uri="{BB962C8B-B14F-4D97-AF65-F5344CB8AC3E}">
-        <p14:creationId xmlns:p14="http://schemas.microsoft.com/office/powerpoint/2010/main" val="4093397396"/>
+        <p14:creationId xmlns:p14="http://schemas.microsoft.com/office/powerpoint/2010/main" val="230164717"/>
       </p:ext>
     </p:extLst>
   </p:cSld>
@@ -4215,10 +4250,10 @@
       </p:grpSpPr>
       <p:pic>
         <p:nvPicPr>
-          <p:cNvPr id="9" name="Picture 8" descr="A screen shot of a graph&#10;&#10;Description automatically generated">
-            <a:extLst>
-              <a:ext uri="{FF2B5EF4-FFF2-40B4-BE49-F238E27FC236}">
-                <a16:creationId xmlns:a16="http://schemas.microsoft.com/office/drawing/2014/main" id="{12FBFF7E-9285-254D-06A0-1473404786C2}"/>
+          <p:cNvPr id="9" name="Picture 8" descr="A graph of a number of people&#10;&#10;Description automatically generated">
+            <a:extLst>
+              <a:ext uri="{FF2B5EF4-FFF2-40B4-BE49-F238E27FC236}">
+                <a16:creationId xmlns:a16="http://schemas.microsoft.com/office/drawing/2014/main" id="{ECDF3599-9922-4F6B-6420-804F98475DAC}"/>
               </a:ext>
             </a:extLst>
           </p:cNvPr>
@@ -4241,7 +4276,7 @@
         </p:blipFill>
         <p:spPr>
           <a:xfrm>
-            <a:off x="2127496" y="1289300"/>
+            <a:off x="2127496" y="1108211"/>
             <a:ext cx="7937008" cy="4279400"/>
           </a:xfrm>
           <a:prstGeom prst="rect">
@@ -4254,7 +4289,7 @@
           <p:cNvPr id="10" name="TextBox 9">
             <a:extLst>
               <a:ext uri="{FF2B5EF4-FFF2-40B4-BE49-F238E27FC236}">
-                <a16:creationId xmlns:a16="http://schemas.microsoft.com/office/drawing/2014/main" id="{9006C6B3-9430-70CB-F7FD-E05698FD41AB}"/>
+                <a16:creationId xmlns:a16="http://schemas.microsoft.com/office/drawing/2014/main" id="{9E13141A-741B-7438-5901-6334A090B175}"/>
               </a:ext>
             </a:extLst>
           </p:cNvPr>
@@ -4280,7 +4315,7 @@
             <a:pPr algn="r"/>
             <a:r>
               <a:rPr lang="en-US" sz="3200" dirty="0"/>
-              <a:t>Amount of Data from Origin</a:t>
+              <a:t>Connection States</a:t>
             </a:r>
           </a:p>
         </p:txBody>
@@ -4288,7 +4323,7 @@
     </p:spTree>
     <p:extLst>
       <p:ext uri="{BB962C8B-B14F-4D97-AF65-F5344CB8AC3E}">
-        <p14:creationId xmlns:p14="http://schemas.microsoft.com/office/powerpoint/2010/main" val="1625971353"/>
+        <p14:creationId xmlns:p14="http://schemas.microsoft.com/office/powerpoint/2010/main" val="4093397396"/>
       </p:ext>
     </p:extLst>
   </p:cSld>
@@ -4330,10 +4365,10 @@
       </p:grpSpPr>
       <p:pic>
         <p:nvPicPr>
-          <p:cNvPr id="3" name="Picture 2" descr="A screen shot of a graph&#10;&#10;Description automatically generated">
-            <a:extLst>
-              <a:ext uri="{FF2B5EF4-FFF2-40B4-BE49-F238E27FC236}">
-                <a16:creationId xmlns:a16="http://schemas.microsoft.com/office/drawing/2014/main" id="{DDD7EEFD-1122-97D8-B7D8-D920D5917250}"/>
+          <p:cNvPr id="9" name="Picture 8" descr="A screen shot of a graph&#10;&#10;Description automatically generated">
+            <a:extLst>
+              <a:ext uri="{FF2B5EF4-FFF2-40B4-BE49-F238E27FC236}">
+                <a16:creationId xmlns:a16="http://schemas.microsoft.com/office/drawing/2014/main" id="{12FBFF7E-9285-254D-06A0-1473404786C2}"/>
               </a:ext>
             </a:extLst>
           </p:cNvPr>
@@ -4356,8 +4391,8 @@
         </p:blipFill>
         <p:spPr>
           <a:xfrm>
-            <a:off x="2186932" y="1289300"/>
-            <a:ext cx="7818136" cy="4279400"/>
+            <a:off x="2127496" y="1289300"/>
+            <a:ext cx="7937008" cy="4279400"/>
           </a:xfrm>
           <a:prstGeom prst="rect">
             <a:avLst/>
@@ -4366,10 +4401,10 @@
       </p:pic>
       <p:sp>
         <p:nvSpPr>
-          <p:cNvPr id="4" name="TextBox 3">
-            <a:extLst>
-              <a:ext uri="{FF2B5EF4-FFF2-40B4-BE49-F238E27FC236}">
-                <a16:creationId xmlns:a16="http://schemas.microsoft.com/office/drawing/2014/main" id="{FC5E9211-37FD-FDB4-5D18-F8F5F04399B6}"/>
+          <p:cNvPr id="10" name="TextBox 9">
+            <a:extLst>
+              <a:ext uri="{FF2B5EF4-FFF2-40B4-BE49-F238E27FC236}">
+                <a16:creationId xmlns:a16="http://schemas.microsoft.com/office/drawing/2014/main" id="{9006C6B3-9430-70CB-F7FD-E05698FD41AB}"/>
               </a:ext>
             </a:extLst>
           </p:cNvPr>
@@ -4395,7 +4430,42 @@
             <a:pPr algn="r"/>
             <a:r>
               <a:rPr lang="en-US" sz="3200" dirty="0"/>
-              <a:t>Data Sent</a:t>
+              <a:t>Amount of Data from Origin</a:t>
+            </a:r>
+          </a:p>
+        </p:txBody>
+      </p:sp>
+      <p:sp>
+        <p:nvSpPr>
+          <p:cNvPr id="2" name="TextBox 1">
+            <a:extLst>
+              <a:ext uri="{FF2B5EF4-FFF2-40B4-BE49-F238E27FC236}">
+                <a16:creationId xmlns:a16="http://schemas.microsoft.com/office/drawing/2014/main" id="{47432CE9-D12A-56F0-6A60-36D79314D529}"/>
+              </a:ext>
+            </a:extLst>
+          </p:cNvPr>
+          <p:cNvSpPr txBox="1"/>
+          <p:nvPr/>
+        </p:nvSpPr>
+        <p:spPr>
+          <a:xfrm>
+            <a:off x="1200150" y="5568700"/>
+            <a:ext cx="9791700" cy="369332"/>
+          </a:xfrm>
+          <a:prstGeom prst="rect">
+            <a:avLst/>
+          </a:prstGeom>
+          <a:noFill/>
+        </p:spPr>
+        <p:txBody>
+          <a:bodyPr wrap="square" rtlCol="0">
+            <a:spAutoFit/>
+          </a:bodyPr>
+          <a:lstStyle/>
+          <a:p>
+            <a:r>
+              <a:rPr lang="en-US" dirty="0"/>
+              <a:t>The 72.05 MB event is targeting IP 74.91.117.248 and is the only time this IP is seen in the IDS data.</a:t>
             </a:r>
           </a:p>
         </p:txBody>
@@ -4403,7 +4473,7 @@
     </p:spTree>
     <p:extLst>
       <p:ext uri="{BB962C8B-B14F-4D97-AF65-F5344CB8AC3E}">
-        <p14:creationId xmlns:p14="http://schemas.microsoft.com/office/powerpoint/2010/main" val="4238325430"/>
+        <p14:creationId xmlns:p14="http://schemas.microsoft.com/office/powerpoint/2010/main" val="1625971353"/>
       </p:ext>
     </p:extLst>
   </p:cSld>
@@ -4445,6 +4515,121 @@
       </p:grpSpPr>
       <p:pic>
         <p:nvPicPr>
+          <p:cNvPr id="3" name="Picture 2" descr="A screen shot of a graph&#10;&#10;Description automatically generated">
+            <a:extLst>
+              <a:ext uri="{FF2B5EF4-FFF2-40B4-BE49-F238E27FC236}">
+                <a16:creationId xmlns:a16="http://schemas.microsoft.com/office/drawing/2014/main" id="{DDD7EEFD-1122-97D8-B7D8-D920D5917250}"/>
+              </a:ext>
+            </a:extLst>
+          </p:cNvPr>
+          <p:cNvPicPr>
+            <a:picLocks noChangeAspect="1"/>
+          </p:cNvPicPr>
+          <p:nvPr/>
+        </p:nvPicPr>
+        <p:blipFill>
+          <a:blip r:embed="rId3">
+            <a:extLst>
+              <a:ext uri="{28A0092B-C50C-407E-A947-70E740481C1C}">
+                <a14:useLocalDpi xmlns:a14="http://schemas.microsoft.com/office/drawing/2010/main" val="0"/>
+              </a:ext>
+            </a:extLst>
+          </a:blip>
+          <a:stretch>
+            <a:fillRect/>
+          </a:stretch>
+        </p:blipFill>
+        <p:spPr>
+          <a:xfrm>
+            <a:off x="2093591" y="584775"/>
+            <a:ext cx="8004818" cy="4381584"/>
+          </a:xfrm>
+          <a:prstGeom prst="rect">
+            <a:avLst/>
+          </a:prstGeom>
+        </p:spPr>
+      </p:pic>
+      <p:sp>
+        <p:nvSpPr>
+          <p:cNvPr id="4" name="TextBox 3">
+            <a:extLst>
+              <a:ext uri="{FF2B5EF4-FFF2-40B4-BE49-F238E27FC236}">
+                <a16:creationId xmlns:a16="http://schemas.microsoft.com/office/drawing/2014/main" id="{FC5E9211-37FD-FDB4-5D18-F8F5F04399B6}"/>
+              </a:ext>
+            </a:extLst>
+          </p:cNvPr>
+          <p:cNvSpPr txBox="1"/>
+          <p:nvPr/>
+        </p:nvSpPr>
+        <p:spPr>
+          <a:xfrm>
+            <a:off x="0" y="0"/>
+            <a:ext cx="12079224" cy="584775"/>
+          </a:xfrm>
+          <a:prstGeom prst="rect">
+            <a:avLst/>
+          </a:prstGeom>
+          <a:noFill/>
+        </p:spPr>
+        <p:txBody>
+          <a:bodyPr wrap="square" rtlCol="0">
+            <a:spAutoFit/>
+          </a:bodyPr>
+          <a:lstStyle/>
+          <a:p>
+            <a:pPr algn="r"/>
+            <a:r>
+              <a:rPr lang="en-US" sz="3200" dirty="0"/>
+              <a:t>Data Sent</a:t>
+            </a:r>
+          </a:p>
+        </p:txBody>
+      </p:sp>
+    </p:spTree>
+    <p:extLst>
+      <p:ext uri="{BB962C8B-B14F-4D97-AF65-F5344CB8AC3E}">
+        <p14:creationId xmlns:p14="http://schemas.microsoft.com/office/powerpoint/2010/main" val="4238325430"/>
+      </p:ext>
+    </p:extLst>
+  </p:cSld>
+  <p:clrMapOvr>
+    <a:masterClrMapping/>
+  </p:clrMapOvr>
+</p:sld>
+</file>
+
+<file path=ppt/slides/slide15.xml><?xml version="1.0" encoding="utf-8"?>
+<p:sld xmlns:a="http://schemas.openxmlformats.org/drawingml/2006/main" xmlns:r="http://schemas.openxmlformats.org/officeDocument/2006/relationships" xmlns:p="http://schemas.openxmlformats.org/presentationml/2006/main" show="0">
+  <p:cSld>
+    <p:bg>
+      <p:bgPr>
+        <a:blipFill dpi="0" rotWithShape="1">
+          <a:blip r:embed="rId2">
+            <a:alphaModFix amt="60000"/>
+            <a:lum/>
+          </a:blip>
+          <a:srcRect/>
+          <a:tile tx="0" ty="0" sx="100000" sy="100000" flip="none" algn="bl"/>
+        </a:blipFill>
+        <a:effectLst/>
+      </p:bgPr>
+    </p:bg>
+    <p:spTree>
+      <p:nvGrpSpPr>
+        <p:cNvPr id="1" name=""/>
+        <p:cNvGrpSpPr/>
+        <p:nvPr/>
+      </p:nvGrpSpPr>
+      <p:grpSpPr>
+        <a:xfrm>
+          <a:off x="0" y="0"/>
+          <a:ext cx="0" cy="0"/>
+          <a:chOff x="0" y="0"/>
+          <a:chExt cx="0" cy="0"/>
+        </a:xfrm>
+      </p:grpSpPr>
+      <p:pic>
+        <p:nvPicPr>
           <p:cNvPr id="3" name="Picture 2" descr="A blue and red triangle with black text&#10;&#10;Description automatically generated">
             <a:extLst>
               <a:ext uri="{FF2B5EF4-FFF2-40B4-BE49-F238E27FC236}">
@@ -4528,7 +4713,7 @@
 </p:sld>
 </file>
 
-<file path=ppt/slides/slide15.xml><?xml version="1.0" encoding="utf-8"?>
+<file path=ppt/slides/slide16.xml><?xml version="1.0" encoding="utf-8"?>
 <p:sld xmlns:a="http://schemas.openxmlformats.org/drawingml/2006/main" xmlns:r="http://schemas.openxmlformats.org/officeDocument/2006/relationships" xmlns:p="http://schemas.openxmlformats.org/presentationml/2006/main">
   <p:cSld>
     <p:bg>
@@ -4589,7 +4774,42 @@
             <a:pPr algn="r"/>
             <a:r>
               <a:rPr lang="en-US" sz="3200" dirty="0"/>
-              <a:t>IDS Network Traffic</a:t>
+              <a:t>Recommendations</a:t>
+            </a:r>
+          </a:p>
+        </p:txBody>
+      </p:sp>
+      <p:sp>
+        <p:nvSpPr>
+          <p:cNvPr id="3" name="TextBox 2">
+            <a:extLst>
+              <a:ext uri="{FF2B5EF4-FFF2-40B4-BE49-F238E27FC236}">
+                <a16:creationId xmlns:a16="http://schemas.microsoft.com/office/drawing/2014/main" id="{5A9224B9-598F-E26E-8158-779456797605}"/>
+              </a:ext>
+            </a:extLst>
+          </p:cNvPr>
+          <p:cNvSpPr txBox="1"/>
+          <p:nvPr/>
+        </p:nvSpPr>
+        <p:spPr>
+          <a:xfrm>
+            <a:off x="228600" y="485775"/>
+            <a:ext cx="10668000" cy="369332"/>
+          </a:xfrm>
+          <a:prstGeom prst="rect">
+            <a:avLst/>
+          </a:prstGeom>
+          <a:noFill/>
+        </p:spPr>
+        <p:txBody>
+          <a:bodyPr wrap="square" rtlCol="0">
+            <a:spAutoFit/>
+          </a:bodyPr>
+          <a:lstStyle/>
+          <a:p>
+            <a:r>
+              <a:rPr lang="en-US" dirty="0"/>
+              <a:t>Your IDS sucks</a:t>
             </a:r>
           </a:p>
         </p:txBody>
@@ -4673,14 +4893,6 @@
             <a:endParaRPr lang="en-US" sz="2000" dirty="0"/>
           </a:p>
           <a:p>
-            <a:pPr>
-              <a:lnSpc>
-                <a:spcPct val="150000"/>
-              </a:lnSpc>
-            </a:pPr>
-            <a:endParaRPr lang="en-US" sz="2000" dirty="0"/>
-          </a:p>
-          <a:p>
             <a:pPr marL="285750" indent="-285750">
               <a:lnSpc>
                 <a:spcPct val="150000"/>
@@ -4690,7 +4902,7 @@
             </a:pPr>
             <a:r>
               <a:rPr lang="en-US" sz="2000" dirty="0"/>
-              <a:t>Intrusion Detection System (IDS) Breakdown</a:t>
+              <a:t>IDS/ICS Breakdown</a:t>
             </a:r>
           </a:p>
           <a:p>
@@ -4703,7 +4915,7 @@
             </a:pPr>
             <a:r>
               <a:rPr lang="en-US" sz="2000" dirty="0"/>
-              <a:t>Malicious vs Benign Traffic</a:t>
+              <a:t>Protocol Use</a:t>
             </a:r>
           </a:p>
           <a:p>
@@ -4716,7 +4928,7 @@
             </a:pPr>
             <a:r>
               <a:rPr lang="en-US" sz="2000" dirty="0"/>
-              <a:t>Protocols Used</a:t>
+              <a:t>Data Flow</a:t>
             </a:r>
           </a:p>
           <a:p>
@@ -4729,7 +4941,7 @@
             </a:pPr>
             <a:r>
               <a:rPr lang="en-US" sz="2000" dirty="0"/>
-              <a:t>Malicious Traffic - Time on Network</a:t>
+              <a:t>Targeted IP Addresses</a:t>
             </a:r>
           </a:p>
           <a:p>
@@ -4742,7 +4954,7 @@
             </a:pPr>
             <a:r>
               <a:rPr lang="en-US" sz="2000" dirty="0"/>
-              <a:t>Malicious Connection States</a:t>
+              <a:t>Malicious Traffic - Time on Network</a:t>
             </a:r>
           </a:p>
           <a:p>
@@ -4755,7 +4967,7 @@
             </a:pPr>
             <a:r>
               <a:rPr lang="en-US" sz="2000" dirty="0"/>
-              <a:t>Amount of Data Transferred</a:t>
+              <a:t>Malicious Connection States</a:t>
             </a:r>
           </a:p>
           <a:p>
@@ -4768,7 +4980,7 @@
             </a:pPr>
             <a:r>
               <a:rPr lang="en-US" sz="2000" dirty="0"/>
-              <a:t>Targeted IP Addresses</a:t>
+              <a:t>Amount of Data Transferred</a:t>
             </a:r>
           </a:p>
           <a:p>
@@ -4779,7 +4991,23 @@
               <a:buFont typeface="Arial" panose="020B0604020202020204" pitchFamily="34" charset="0"/>
               <a:buChar char="•"/>
             </a:pPr>
-            <a:endParaRPr lang="en-US" sz="2000" dirty="0"/>
+            <a:r>
+              <a:rPr lang="en-US" sz="2000" dirty="0"/>
+              <a:t>Implications and Recommendations</a:t>
+            </a:r>
+          </a:p>
+          <a:p>
+            <a:pPr marL="285750" indent="-285750">
+              <a:lnSpc>
+                <a:spcPct val="150000"/>
+              </a:lnSpc>
+              <a:buFont typeface="Arial" panose="020B0604020202020204" pitchFamily="34" charset="0"/>
+              <a:buChar char="•"/>
+            </a:pPr>
+            <a:r>
+              <a:rPr lang="en-US" sz="2000" dirty="0"/>
+              <a:t>Sources</a:t>
+            </a:r>
           </a:p>
           <a:p>
             <a:pPr marL="285750" indent="-285750">
@@ -6051,42 +6279,6 @@
           <a:chExt cx="0" cy="0"/>
         </a:xfrm>
       </p:grpSpPr>
-      <p:pic>
-        <p:nvPicPr>
-          <p:cNvPr id="3" name="Picture 2" descr="A graph of a bar graph&#10;&#10;Description automatically generated with medium confidence">
-            <a:extLst>
-              <a:ext uri="{FF2B5EF4-FFF2-40B4-BE49-F238E27FC236}">
-                <a16:creationId xmlns:a16="http://schemas.microsoft.com/office/drawing/2014/main" id="{399C2AE8-AD4D-90F7-432A-93324C0F2A69}"/>
-              </a:ext>
-            </a:extLst>
-          </p:cNvPr>
-          <p:cNvPicPr>
-            <a:picLocks noChangeAspect="1"/>
-          </p:cNvPicPr>
-          <p:nvPr/>
-        </p:nvPicPr>
-        <p:blipFill>
-          <a:blip r:embed="rId3">
-            <a:extLst>
-              <a:ext uri="{28A0092B-C50C-407E-A947-70E740481C1C}">
-                <a14:useLocalDpi xmlns:a14="http://schemas.microsoft.com/office/drawing/2010/main" val="0"/>
-              </a:ext>
-            </a:extLst>
-          </a:blip>
-          <a:stretch>
-            <a:fillRect/>
-          </a:stretch>
-        </p:blipFill>
-        <p:spPr>
-          <a:xfrm>
-            <a:off x="2127496" y="950971"/>
-            <a:ext cx="7937008" cy="4956058"/>
-          </a:xfrm>
-          <a:prstGeom prst="rect">
-            <a:avLst/>
-          </a:prstGeom>
-        </p:spPr>
-      </p:pic>
       <p:sp>
         <p:nvSpPr>
           <p:cNvPr id="4" name="TextBox 3">
@@ -6123,6 +6315,42 @@
           </a:p>
         </p:txBody>
       </p:sp>
+      <p:pic>
+        <p:nvPicPr>
+          <p:cNvPr id="5" name="Picture 4" descr="A graph with numbers and a bar">
+            <a:extLst>
+              <a:ext uri="{FF2B5EF4-FFF2-40B4-BE49-F238E27FC236}">
+                <a16:creationId xmlns:a16="http://schemas.microsoft.com/office/drawing/2014/main" id="{58DC8854-B5A1-67D7-8235-71D2CBFD270C}"/>
+              </a:ext>
+            </a:extLst>
+          </p:cNvPr>
+          <p:cNvPicPr>
+            <a:picLocks noChangeAspect="1"/>
+          </p:cNvPicPr>
+          <p:nvPr/>
+        </p:nvPicPr>
+        <p:blipFill>
+          <a:blip r:embed="rId3">
+            <a:extLst>
+              <a:ext uri="{28A0092B-C50C-407E-A947-70E740481C1C}">
+                <a14:useLocalDpi xmlns:a14="http://schemas.microsoft.com/office/drawing/2010/main" val="0"/>
+              </a:ext>
+            </a:extLst>
+          </a:blip>
+          <a:stretch>
+            <a:fillRect/>
+          </a:stretch>
+        </p:blipFill>
+        <p:spPr>
+          <a:xfrm>
+            <a:off x="1834269" y="584775"/>
+            <a:ext cx="8523462" cy="5322254"/>
+          </a:xfrm>
+          <a:prstGeom prst="rect">
+            <a:avLst/>
+          </a:prstGeom>
+        </p:spPr>
+      </p:pic>
     </p:spTree>
     <p:extLst>
       <p:ext uri="{BB962C8B-B14F-4D97-AF65-F5344CB8AC3E}">

--- a/Presentation.pptx
+++ b/Presentation.pptx
@@ -5,25 +5,27 @@
     <p:sldMasterId id="2147483648" r:id="rId1"/>
   </p:sldMasterIdLst>
   <p:notesMasterIdLst>
-    <p:notesMasterId r:id="rId18"/>
+    <p:notesMasterId r:id="rId20"/>
   </p:notesMasterIdLst>
   <p:sldIdLst>
     <p:sldId id="256" r:id="rId2"/>
     <p:sldId id="268" r:id="rId3"/>
-    <p:sldId id="270" r:id="rId4"/>
-    <p:sldId id="264" r:id="rId5"/>
-    <p:sldId id="263" r:id="rId6"/>
-    <p:sldId id="265" r:id="rId7"/>
-    <p:sldId id="262" r:id="rId8"/>
-    <p:sldId id="261" r:id="rId9"/>
-    <p:sldId id="266" r:id="rId10"/>
-    <p:sldId id="258" r:id="rId11"/>
-    <p:sldId id="271" r:id="rId12"/>
-    <p:sldId id="257" r:id="rId13"/>
-    <p:sldId id="259" r:id="rId14"/>
-    <p:sldId id="260" r:id="rId15"/>
-    <p:sldId id="267" r:id="rId16"/>
-    <p:sldId id="269" r:id="rId17"/>
+    <p:sldId id="272" r:id="rId4"/>
+    <p:sldId id="270" r:id="rId5"/>
+    <p:sldId id="264" r:id="rId6"/>
+    <p:sldId id="263" r:id="rId7"/>
+    <p:sldId id="265" r:id="rId8"/>
+    <p:sldId id="262" r:id="rId9"/>
+    <p:sldId id="261" r:id="rId10"/>
+    <p:sldId id="266" r:id="rId11"/>
+    <p:sldId id="258" r:id="rId12"/>
+    <p:sldId id="271" r:id="rId13"/>
+    <p:sldId id="257" r:id="rId14"/>
+    <p:sldId id="259" r:id="rId15"/>
+    <p:sldId id="260" r:id="rId16"/>
+    <p:sldId id="267" r:id="rId17"/>
+    <p:sldId id="269" r:id="rId18"/>
+    <p:sldId id="273" r:id="rId19"/>
   </p:sldIdLst>
   <p:sldSz cx="12192000" cy="6858000"/>
   <p:notesSz cx="6858000" cy="9144000"/>
@@ -212,7 +214,7 @@
           <a:p>
             <a:fld id="{A556E5F6-862D-486D-91D7-F9B5447548F0}" type="datetimeFigureOut">
               <a:rPr lang="en-US" smtClean="0"/>
-              <a:t>6/21/2024</a:t>
+              <a:t>6/24/2024</a:t>
             </a:fld>
             <a:endParaRPr lang="en-US"/>
           </a:p>
@@ -637,7 +639,7 @@
           <a:p>
             <a:fld id="{E654787E-1EBB-4822-9E85-33763F9BC005}" type="slidenum">
               <a:rPr lang="en-US" smtClean="0"/>
-              <a:t>3</a:t>
+              <a:t>4</a:t>
             </a:fld>
             <a:endParaRPr lang="en-US"/>
           </a:p>
@@ -803,7 +805,7 @@
           <a:p>
             <a:fld id="{168191D1-F4B2-4952-8844-FA3221D210DB}" type="datetimeFigureOut">
               <a:rPr lang="en-US" smtClean="0"/>
-              <a:t>6/21/2024</a:t>
+              <a:t>6/24/2024</a:t>
             </a:fld>
             <a:endParaRPr lang="en-US"/>
           </a:p>
@@ -1001,7 +1003,7 @@
           <a:p>
             <a:fld id="{168191D1-F4B2-4952-8844-FA3221D210DB}" type="datetimeFigureOut">
               <a:rPr lang="en-US" smtClean="0"/>
-              <a:t>6/21/2024</a:t>
+              <a:t>6/24/2024</a:t>
             </a:fld>
             <a:endParaRPr lang="en-US"/>
           </a:p>
@@ -1209,7 +1211,7 @@
           <a:p>
             <a:fld id="{168191D1-F4B2-4952-8844-FA3221D210DB}" type="datetimeFigureOut">
               <a:rPr lang="en-US" smtClean="0"/>
-              <a:t>6/21/2024</a:t>
+              <a:t>6/24/2024</a:t>
             </a:fld>
             <a:endParaRPr lang="en-US"/>
           </a:p>
@@ -1407,7 +1409,7 @@
           <a:p>
             <a:fld id="{168191D1-F4B2-4952-8844-FA3221D210DB}" type="datetimeFigureOut">
               <a:rPr lang="en-US" smtClean="0"/>
-              <a:t>6/21/2024</a:t>
+              <a:t>6/24/2024</a:t>
             </a:fld>
             <a:endParaRPr lang="en-US"/>
           </a:p>
@@ -1682,7 +1684,7 @@
           <a:p>
             <a:fld id="{168191D1-F4B2-4952-8844-FA3221D210DB}" type="datetimeFigureOut">
               <a:rPr lang="en-US" smtClean="0"/>
-              <a:t>6/21/2024</a:t>
+              <a:t>6/24/2024</a:t>
             </a:fld>
             <a:endParaRPr lang="en-US"/>
           </a:p>
@@ -1947,7 +1949,7 @@
           <a:p>
             <a:fld id="{168191D1-F4B2-4952-8844-FA3221D210DB}" type="datetimeFigureOut">
               <a:rPr lang="en-US" smtClean="0"/>
-              <a:t>6/21/2024</a:t>
+              <a:t>6/24/2024</a:t>
             </a:fld>
             <a:endParaRPr lang="en-US"/>
           </a:p>
@@ -2359,7 +2361,7 @@
           <a:p>
             <a:fld id="{168191D1-F4B2-4952-8844-FA3221D210DB}" type="datetimeFigureOut">
               <a:rPr lang="en-US" smtClean="0"/>
-              <a:t>6/21/2024</a:t>
+              <a:t>6/24/2024</a:t>
             </a:fld>
             <a:endParaRPr lang="en-US"/>
           </a:p>
@@ -2500,7 +2502,7 @@
           <a:p>
             <a:fld id="{168191D1-F4B2-4952-8844-FA3221D210DB}" type="datetimeFigureOut">
               <a:rPr lang="en-US" smtClean="0"/>
-              <a:t>6/21/2024</a:t>
+              <a:t>6/24/2024</a:t>
             </a:fld>
             <a:endParaRPr lang="en-US"/>
           </a:p>
@@ -2613,7 +2615,7 @@
           <a:p>
             <a:fld id="{168191D1-F4B2-4952-8844-FA3221D210DB}" type="datetimeFigureOut">
               <a:rPr lang="en-US" smtClean="0"/>
-              <a:t>6/21/2024</a:t>
+              <a:t>6/24/2024</a:t>
             </a:fld>
             <a:endParaRPr lang="en-US"/>
           </a:p>
@@ -2924,7 +2926,7 @@
           <a:p>
             <a:fld id="{168191D1-F4B2-4952-8844-FA3221D210DB}" type="datetimeFigureOut">
               <a:rPr lang="en-US" smtClean="0"/>
-              <a:t>6/21/2024</a:t>
+              <a:t>6/24/2024</a:t>
             </a:fld>
             <a:endParaRPr lang="en-US"/>
           </a:p>
@@ -3212,7 +3214,7 @@
           <a:p>
             <a:fld id="{168191D1-F4B2-4952-8844-FA3221D210DB}" type="datetimeFigureOut">
               <a:rPr lang="en-US" smtClean="0"/>
-              <a:t>6/21/2024</a:t>
+              <a:t>6/24/2024</a:t>
             </a:fld>
             <a:endParaRPr lang="en-US"/>
           </a:p>
@@ -3453,7 +3455,7 @@
           <a:p>
             <a:fld id="{168191D1-F4B2-4952-8844-FA3221D210DB}" type="datetimeFigureOut">
               <a:rPr lang="en-US" smtClean="0"/>
-              <a:t>6/21/2024</a:t>
+              <a:t>6/24/2024</a:t>
             </a:fld>
             <a:endParaRPr lang="en-US"/>
           </a:p>
@@ -3941,7 +3943,7 @@
           <a:p>
             <a:r>
               <a:rPr lang="en-US" dirty="0"/>
-              <a:t>A Data-Driven Analysis of an Industrial Control System (ICS)</a:t>
+              <a:t>A Data-Driven Analysis of Cybersecurity Measures</a:t>
             </a:r>
           </a:p>
         </p:txBody>
@@ -3989,48 +3991,12 @@
           <a:chExt cx="0" cy="0"/>
         </a:xfrm>
       </p:grpSpPr>
-      <p:pic>
-        <p:nvPicPr>
-          <p:cNvPr id="11" name="Picture 10" descr="A screen shot of a graph&#10;&#10;Description automatically generated">
-            <a:extLst>
-              <a:ext uri="{FF2B5EF4-FFF2-40B4-BE49-F238E27FC236}">
-                <a16:creationId xmlns:a16="http://schemas.microsoft.com/office/drawing/2014/main" id="{3EF94B1B-AE61-D475-45C7-C999BD101ECC}"/>
-              </a:ext>
-            </a:extLst>
-          </p:cNvPr>
-          <p:cNvPicPr>
-            <a:picLocks noChangeAspect="1"/>
-          </p:cNvPicPr>
-          <p:nvPr/>
-        </p:nvPicPr>
-        <p:blipFill>
-          <a:blip r:embed="rId3">
-            <a:extLst>
-              <a:ext uri="{28A0092B-C50C-407E-A947-70E740481C1C}">
-                <a14:useLocalDpi xmlns:a14="http://schemas.microsoft.com/office/drawing/2010/main" val="0"/>
-              </a:ext>
-            </a:extLst>
-          </a:blip>
-          <a:stretch>
-            <a:fillRect/>
-          </a:stretch>
-        </p:blipFill>
-        <p:spPr>
-          <a:xfrm>
-            <a:off x="1692293" y="584775"/>
-            <a:ext cx="8807413" cy="4849258"/>
-          </a:xfrm>
-          <a:prstGeom prst="rect">
-            <a:avLst/>
-          </a:prstGeom>
-        </p:spPr>
-      </p:pic>
-      <p:sp>
-        <p:nvSpPr>
-          <p:cNvPr id="12" name="TextBox 11">
-            <a:extLst>
-              <a:ext uri="{FF2B5EF4-FFF2-40B4-BE49-F238E27FC236}">
-                <a16:creationId xmlns:a16="http://schemas.microsoft.com/office/drawing/2014/main" id="{E4C1EA69-5187-11FE-7413-A1D24A036776}"/>
+      <p:sp>
+        <p:nvSpPr>
+          <p:cNvPr id="4" name="TextBox 3">
+            <a:extLst>
+              <a:ext uri="{FF2B5EF4-FFF2-40B4-BE49-F238E27FC236}">
+                <a16:creationId xmlns:a16="http://schemas.microsoft.com/office/drawing/2014/main" id="{0789D89C-CDB4-0E3A-9157-97647D99869B}"/>
               </a:ext>
             </a:extLst>
           </p:cNvPr>
@@ -4056,15 +4022,51 @@
             <a:pPr algn="r"/>
             <a:r>
               <a:rPr lang="en-US" sz="3200" dirty="0"/>
-              <a:t>Time on Network per Event</a:t>
-            </a:r>
-          </a:p>
-        </p:txBody>
-      </p:sp>
+              <a:t>Targeted IP Addresses</a:t>
+            </a:r>
+          </a:p>
+        </p:txBody>
+      </p:sp>
+      <p:pic>
+        <p:nvPicPr>
+          <p:cNvPr id="5" name="Picture 4" descr="A graph with numbers and a bar">
+            <a:extLst>
+              <a:ext uri="{FF2B5EF4-FFF2-40B4-BE49-F238E27FC236}">
+                <a16:creationId xmlns:a16="http://schemas.microsoft.com/office/drawing/2014/main" id="{58DC8854-B5A1-67D7-8235-71D2CBFD270C}"/>
+              </a:ext>
+            </a:extLst>
+          </p:cNvPr>
+          <p:cNvPicPr>
+            <a:picLocks noChangeAspect="1"/>
+          </p:cNvPicPr>
+          <p:nvPr/>
+        </p:nvPicPr>
+        <p:blipFill>
+          <a:blip r:embed="rId3">
+            <a:extLst>
+              <a:ext uri="{28A0092B-C50C-407E-A947-70E740481C1C}">
+                <a14:useLocalDpi xmlns:a14="http://schemas.microsoft.com/office/drawing/2010/main" val="0"/>
+              </a:ext>
+            </a:extLst>
+          </a:blip>
+          <a:stretch>
+            <a:fillRect/>
+          </a:stretch>
+        </p:blipFill>
+        <p:spPr>
+          <a:xfrm>
+            <a:off x="1834269" y="584775"/>
+            <a:ext cx="8523462" cy="5322254"/>
+          </a:xfrm>
+          <a:prstGeom prst="rect">
+            <a:avLst/>
+          </a:prstGeom>
+        </p:spPr>
+      </p:pic>
     </p:spTree>
     <p:extLst>
       <p:ext uri="{BB962C8B-B14F-4D97-AF65-F5344CB8AC3E}">
-        <p14:creationId xmlns:p14="http://schemas.microsoft.com/office/powerpoint/2010/main" val="4292689424"/>
+        <p14:creationId xmlns:p14="http://schemas.microsoft.com/office/powerpoint/2010/main" val="1146859810"/>
       </p:ext>
     </p:extLst>
   </p:cSld>
@@ -4104,12 +4106,48 @@
           <a:chExt cx="0" cy="0"/>
         </a:xfrm>
       </p:grpSpPr>
-      <p:sp>
-        <p:nvSpPr>
-          <p:cNvPr id="4" name="TextBox 3">
-            <a:extLst>
-              <a:ext uri="{FF2B5EF4-FFF2-40B4-BE49-F238E27FC236}">
-                <a16:creationId xmlns:a16="http://schemas.microsoft.com/office/drawing/2014/main" id="{A12B2E20-FC2A-4256-EB50-C49C2B2C74C2}"/>
+      <p:pic>
+        <p:nvPicPr>
+          <p:cNvPr id="11" name="Picture 10" descr="A screen shot of a graph&#10;&#10;Description automatically generated">
+            <a:extLst>
+              <a:ext uri="{FF2B5EF4-FFF2-40B4-BE49-F238E27FC236}">
+                <a16:creationId xmlns:a16="http://schemas.microsoft.com/office/drawing/2014/main" id="{3EF94B1B-AE61-D475-45C7-C999BD101ECC}"/>
+              </a:ext>
+            </a:extLst>
+          </p:cNvPr>
+          <p:cNvPicPr>
+            <a:picLocks noChangeAspect="1"/>
+          </p:cNvPicPr>
+          <p:nvPr/>
+        </p:nvPicPr>
+        <p:blipFill>
+          <a:blip r:embed="rId3">
+            <a:extLst>
+              <a:ext uri="{28A0092B-C50C-407E-A947-70E740481C1C}">
+                <a14:useLocalDpi xmlns:a14="http://schemas.microsoft.com/office/drawing/2010/main" val="0"/>
+              </a:ext>
+            </a:extLst>
+          </a:blip>
+          <a:stretch>
+            <a:fillRect/>
+          </a:stretch>
+        </p:blipFill>
+        <p:spPr>
+          <a:xfrm>
+            <a:off x="1692293" y="584775"/>
+            <a:ext cx="8807413" cy="4849258"/>
+          </a:xfrm>
+          <a:prstGeom prst="rect">
+            <a:avLst/>
+          </a:prstGeom>
+        </p:spPr>
+      </p:pic>
+      <p:sp>
+        <p:nvSpPr>
+          <p:cNvPr id="12" name="TextBox 11">
+            <a:extLst>
+              <a:ext uri="{FF2B5EF4-FFF2-40B4-BE49-F238E27FC236}">
+                <a16:creationId xmlns:a16="http://schemas.microsoft.com/office/drawing/2014/main" id="{E4C1EA69-5187-11FE-7413-A1D24A036776}"/>
               </a:ext>
             </a:extLst>
           </p:cNvPr>
@@ -4132,83 +4170,18 @@
           </a:bodyPr>
           <a:lstStyle/>
           <a:p>
-            <a:pPr marL="0" marR="0" lvl="0" indent="0" algn="r" defTabSz="914400" rtl="0" eaLnBrk="1" fontAlgn="auto" latinLnBrk="0" hangingPunct="1">
-              <a:lnSpc>
-                <a:spcPct val="100000"/>
-              </a:lnSpc>
-              <a:spcBef>
-                <a:spcPts val="0"/>
-              </a:spcBef>
-              <a:spcAft>
-                <a:spcPts val="0"/>
-              </a:spcAft>
-              <a:buClrTx/>
-              <a:buSzTx/>
-              <a:buFontTx/>
-              <a:buNone/>
-              <a:tabLst/>
-              <a:defRPr/>
-            </a:pPr>
-            <a:r>
-              <a:rPr kumimoji="0" lang="en-US" sz="3200" b="0" i="0" u="none" strike="noStrike" kern="1200" cap="none" spc="0" normalizeH="0" baseline="0" noProof="0" dirty="0">
-                <a:ln>
-                  <a:noFill/>
-                </a:ln>
-                <a:solidFill>
-                  <a:prstClr val="black"/>
-                </a:solidFill>
-                <a:effectLst/>
-                <a:uLnTx/>
-                <a:uFillTx/>
-                <a:latin typeface="Aptos" panose="02110004020202020204"/>
-                <a:ea typeface="+mn-ea"/>
-                <a:cs typeface="+mn-cs"/>
-              </a:rPr>
-              <a:t>IP of 13 Hour Event</a:t>
-            </a:r>
-          </a:p>
-        </p:txBody>
-      </p:sp>
-      <p:pic>
-        <p:nvPicPr>
-          <p:cNvPr id="5" name="Picture 4" descr="A screen shot of a graph">
-            <a:extLst>
-              <a:ext uri="{FF2B5EF4-FFF2-40B4-BE49-F238E27FC236}">
-                <a16:creationId xmlns:a16="http://schemas.microsoft.com/office/drawing/2014/main" id="{6CFB35BC-DB86-1BF0-21FF-A77E7B6498B7}"/>
-              </a:ext>
-            </a:extLst>
-          </p:cNvPr>
-          <p:cNvPicPr>
-            <a:picLocks noChangeAspect="1"/>
-          </p:cNvPicPr>
-          <p:nvPr/>
-        </p:nvPicPr>
-        <p:blipFill>
-          <a:blip r:embed="rId3">
-            <a:extLst>
-              <a:ext uri="{28A0092B-C50C-407E-A947-70E740481C1C}">
-                <a14:useLocalDpi xmlns:a14="http://schemas.microsoft.com/office/drawing/2010/main" val="0"/>
-              </a:ext>
-            </a:extLst>
-          </a:blip>
-          <a:stretch>
-            <a:fillRect/>
-          </a:stretch>
-        </p:blipFill>
-        <p:spPr>
-          <a:xfrm>
-            <a:off x="1592839" y="584775"/>
-            <a:ext cx="9006322" cy="4958775"/>
-          </a:xfrm>
-          <a:prstGeom prst="rect">
-            <a:avLst/>
-          </a:prstGeom>
-        </p:spPr>
-      </p:pic>
+            <a:pPr algn="r"/>
+            <a:r>
+              <a:rPr lang="en-US" sz="3200" dirty="0"/>
+              <a:t>Time on Network per Event</a:t>
+            </a:r>
+          </a:p>
+        </p:txBody>
+      </p:sp>
     </p:spTree>
     <p:extLst>
       <p:ext uri="{BB962C8B-B14F-4D97-AF65-F5344CB8AC3E}">
-        <p14:creationId xmlns:p14="http://schemas.microsoft.com/office/powerpoint/2010/main" val="230164717"/>
+        <p14:creationId xmlns:p14="http://schemas.microsoft.com/office/powerpoint/2010/main" val="4292689424"/>
       </p:ext>
     </p:extLst>
   </p:cSld>
@@ -4248,48 +4221,12 @@
           <a:chExt cx="0" cy="0"/>
         </a:xfrm>
       </p:grpSpPr>
-      <p:pic>
-        <p:nvPicPr>
-          <p:cNvPr id="9" name="Picture 8" descr="A graph of a number of people&#10;&#10;Description automatically generated">
-            <a:extLst>
-              <a:ext uri="{FF2B5EF4-FFF2-40B4-BE49-F238E27FC236}">
-                <a16:creationId xmlns:a16="http://schemas.microsoft.com/office/drawing/2014/main" id="{ECDF3599-9922-4F6B-6420-804F98475DAC}"/>
-              </a:ext>
-            </a:extLst>
-          </p:cNvPr>
-          <p:cNvPicPr>
-            <a:picLocks noChangeAspect="1"/>
-          </p:cNvPicPr>
-          <p:nvPr/>
-        </p:nvPicPr>
-        <p:blipFill>
-          <a:blip r:embed="rId3">
-            <a:extLst>
-              <a:ext uri="{28A0092B-C50C-407E-A947-70E740481C1C}">
-                <a14:useLocalDpi xmlns:a14="http://schemas.microsoft.com/office/drawing/2010/main" val="0"/>
-              </a:ext>
-            </a:extLst>
-          </a:blip>
-          <a:stretch>
-            <a:fillRect/>
-          </a:stretch>
-        </p:blipFill>
-        <p:spPr>
-          <a:xfrm>
-            <a:off x="2127496" y="1108211"/>
-            <a:ext cx="7937008" cy="4279400"/>
-          </a:xfrm>
-          <a:prstGeom prst="rect">
-            <a:avLst/>
-          </a:prstGeom>
-        </p:spPr>
-      </p:pic>
-      <p:sp>
-        <p:nvSpPr>
-          <p:cNvPr id="10" name="TextBox 9">
-            <a:extLst>
-              <a:ext uri="{FF2B5EF4-FFF2-40B4-BE49-F238E27FC236}">
-                <a16:creationId xmlns:a16="http://schemas.microsoft.com/office/drawing/2014/main" id="{9E13141A-741B-7438-5901-6334A090B175}"/>
+      <p:sp>
+        <p:nvSpPr>
+          <p:cNvPr id="4" name="TextBox 3">
+            <a:extLst>
+              <a:ext uri="{FF2B5EF4-FFF2-40B4-BE49-F238E27FC236}">
+                <a16:creationId xmlns:a16="http://schemas.microsoft.com/office/drawing/2014/main" id="{A12B2E20-FC2A-4256-EB50-C49C2B2C74C2}"/>
               </a:ext>
             </a:extLst>
           </p:cNvPr>
@@ -4312,18 +4249,83 @@
           </a:bodyPr>
           <a:lstStyle/>
           <a:p>
-            <a:pPr algn="r"/>
-            <a:r>
-              <a:rPr lang="en-US" sz="3200" dirty="0"/>
-              <a:t>Connection States</a:t>
-            </a:r>
-          </a:p>
-        </p:txBody>
-      </p:sp>
+            <a:pPr marL="0" marR="0" lvl="0" indent="0" algn="r" defTabSz="914400" rtl="0" eaLnBrk="1" fontAlgn="auto" latinLnBrk="0" hangingPunct="1">
+              <a:lnSpc>
+                <a:spcPct val="100000"/>
+              </a:lnSpc>
+              <a:spcBef>
+                <a:spcPts val="0"/>
+              </a:spcBef>
+              <a:spcAft>
+                <a:spcPts val="0"/>
+              </a:spcAft>
+              <a:buClrTx/>
+              <a:buSzTx/>
+              <a:buFontTx/>
+              <a:buNone/>
+              <a:tabLst/>
+              <a:defRPr/>
+            </a:pPr>
+            <a:r>
+              <a:rPr kumimoji="0" lang="en-US" sz="3200" b="0" i="0" u="none" strike="noStrike" kern="1200" cap="none" spc="0" normalizeH="0" baseline="0" noProof="0" dirty="0">
+                <a:ln>
+                  <a:noFill/>
+                </a:ln>
+                <a:solidFill>
+                  <a:prstClr val="black"/>
+                </a:solidFill>
+                <a:effectLst/>
+                <a:uLnTx/>
+                <a:uFillTx/>
+                <a:latin typeface="Aptos" panose="02110004020202020204"/>
+                <a:ea typeface="+mn-ea"/>
+                <a:cs typeface="+mn-cs"/>
+              </a:rPr>
+              <a:t>IP of 13 Hour Event</a:t>
+            </a:r>
+          </a:p>
+        </p:txBody>
+      </p:sp>
+      <p:pic>
+        <p:nvPicPr>
+          <p:cNvPr id="5" name="Picture 4" descr="A screen shot of a graph">
+            <a:extLst>
+              <a:ext uri="{FF2B5EF4-FFF2-40B4-BE49-F238E27FC236}">
+                <a16:creationId xmlns:a16="http://schemas.microsoft.com/office/drawing/2014/main" id="{6CFB35BC-DB86-1BF0-21FF-A77E7B6498B7}"/>
+              </a:ext>
+            </a:extLst>
+          </p:cNvPr>
+          <p:cNvPicPr>
+            <a:picLocks noChangeAspect="1"/>
+          </p:cNvPicPr>
+          <p:nvPr/>
+        </p:nvPicPr>
+        <p:blipFill>
+          <a:blip r:embed="rId3">
+            <a:extLst>
+              <a:ext uri="{28A0092B-C50C-407E-A947-70E740481C1C}">
+                <a14:useLocalDpi xmlns:a14="http://schemas.microsoft.com/office/drawing/2010/main" val="0"/>
+              </a:ext>
+            </a:extLst>
+          </a:blip>
+          <a:stretch>
+            <a:fillRect/>
+          </a:stretch>
+        </p:blipFill>
+        <p:spPr>
+          <a:xfrm>
+            <a:off x="1592839" y="584775"/>
+            <a:ext cx="9006322" cy="4958775"/>
+          </a:xfrm>
+          <a:prstGeom prst="rect">
+            <a:avLst/>
+          </a:prstGeom>
+        </p:spPr>
+      </p:pic>
     </p:spTree>
     <p:extLst>
       <p:ext uri="{BB962C8B-B14F-4D97-AF65-F5344CB8AC3E}">
-        <p14:creationId xmlns:p14="http://schemas.microsoft.com/office/powerpoint/2010/main" val="4093397396"/>
+        <p14:creationId xmlns:p14="http://schemas.microsoft.com/office/powerpoint/2010/main" val="230164717"/>
       </p:ext>
     </p:extLst>
   </p:cSld>
@@ -4365,10 +4367,10 @@
       </p:grpSpPr>
       <p:pic>
         <p:nvPicPr>
-          <p:cNvPr id="9" name="Picture 8" descr="A screen shot of a graph&#10;&#10;Description automatically generated">
-            <a:extLst>
-              <a:ext uri="{FF2B5EF4-FFF2-40B4-BE49-F238E27FC236}">
-                <a16:creationId xmlns:a16="http://schemas.microsoft.com/office/drawing/2014/main" id="{12FBFF7E-9285-254D-06A0-1473404786C2}"/>
+          <p:cNvPr id="9" name="Picture 8" descr="A graph of a number of people&#10;&#10;Description automatically generated">
+            <a:extLst>
+              <a:ext uri="{FF2B5EF4-FFF2-40B4-BE49-F238E27FC236}">
+                <a16:creationId xmlns:a16="http://schemas.microsoft.com/office/drawing/2014/main" id="{ECDF3599-9922-4F6B-6420-804F98475DAC}"/>
               </a:ext>
             </a:extLst>
           </p:cNvPr>
@@ -4391,7 +4393,7 @@
         </p:blipFill>
         <p:spPr>
           <a:xfrm>
-            <a:off x="2127496" y="1289300"/>
+            <a:off x="2127496" y="1108211"/>
             <a:ext cx="7937008" cy="4279400"/>
           </a:xfrm>
           <a:prstGeom prst="rect">
@@ -4404,7 +4406,7 @@
           <p:cNvPr id="10" name="TextBox 9">
             <a:extLst>
               <a:ext uri="{FF2B5EF4-FFF2-40B4-BE49-F238E27FC236}">
-                <a16:creationId xmlns:a16="http://schemas.microsoft.com/office/drawing/2014/main" id="{9006C6B3-9430-70CB-F7FD-E05698FD41AB}"/>
+                <a16:creationId xmlns:a16="http://schemas.microsoft.com/office/drawing/2014/main" id="{9E13141A-741B-7438-5901-6334A090B175}"/>
               </a:ext>
             </a:extLst>
           </p:cNvPr>
@@ -4430,42 +4432,7 @@
             <a:pPr algn="r"/>
             <a:r>
               <a:rPr lang="en-US" sz="3200" dirty="0"/>
-              <a:t>Amount of Data from Origin</a:t>
-            </a:r>
-          </a:p>
-        </p:txBody>
-      </p:sp>
-      <p:sp>
-        <p:nvSpPr>
-          <p:cNvPr id="2" name="TextBox 1">
-            <a:extLst>
-              <a:ext uri="{FF2B5EF4-FFF2-40B4-BE49-F238E27FC236}">
-                <a16:creationId xmlns:a16="http://schemas.microsoft.com/office/drawing/2014/main" id="{47432CE9-D12A-56F0-6A60-36D79314D529}"/>
-              </a:ext>
-            </a:extLst>
-          </p:cNvPr>
-          <p:cNvSpPr txBox="1"/>
-          <p:nvPr/>
-        </p:nvSpPr>
-        <p:spPr>
-          <a:xfrm>
-            <a:off x="1200150" y="5568700"/>
-            <a:ext cx="9791700" cy="369332"/>
-          </a:xfrm>
-          <a:prstGeom prst="rect">
-            <a:avLst/>
-          </a:prstGeom>
-          <a:noFill/>
-        </p:spPr>
-        <p:txBody>
-          <a:bodyPr wrap="square" rtlCol="0">
-            <a:spAutoFit/>
-          </a:bodyPr>
-          <a:lstStyle/>
-          <a:p>
-            <a:r>
-              <a:rPr lang="en-US" dirty="0"/>
-              <a:t>The 72.05 MB event is targeting IP 74.91.117.248 and is the only time this IP is seen in the IDS data.</a:t>
+              <a:t>Connection States</a:t>
             </a:r>
           </a:p>
         </p:txBody>
@@ -4473,7 +4440,7 @@
     </p:spTree>
     <p:extLst>
       <p:ext uri="{BB962C8B-B14F-4D97-AF65-F5344CB8AC3E}">
-        <p14:creationId xmlns:p14="http://schemas.microsoft.com/office/powerpoint/2010/main" val="1625971353"/>
+        <p14:creationId xmlns:p14="http://schemas.microsoft.com/office/powerpoint/2010/main" val="4093397396"/>
       </p:ext>
     </p:extLst>
   </p:cSld>
@@ -4515,6 +4482,156 @@
       </p:grpSpPr>
       <p:pic>
         <p:nvPicPr>
+          <p:cNvPr id="9" name="Picture 8" descr="A screen shot of a graph&#10;&#10;Description automatically generated">
+            <a:extLst>
+              <a:ext uri="{FF2B5EF4-FFF2-40B4-BE49-F238E27FC236}">
+                <a16:creationId xmlns:a16="http://schemas.microsoft.com/office/drawing/2014/main" id="{12FBFF7E-9285-254D-06A0-1473404786C2}"/>
+              </a:ext>
+            </a:extLst>
+          </p:cNvPr>
+          <p:cNvPicPr>
+            <a:picLocks noChangeAspect="1"/>
+          </p:cNvPicPr>
+          <p:nvPr/>
+        </p:nvPicPr>
+        <p:blipFill>
+          <a:blip r:embed="rId3">
+            <a:extLst>
+              <a:ext uri="{28A0092B-C50C-407E-A947-70E740481C1C}">
+                <a14:useLocalDpi xmlns:a14="http://schemas.microsoft.com/office/drawing/2010/main" val="0"/>
+              </a:ext>
+            </a:extLst>
+          </a:blip>
+          <a:stretch>
+            <a:fillRect/>
+          </a:stretch>
+        </p:blipFill>
+        <p:spPr>
+          <a:xfrm>
+            <a:off x="2127496" y="1289300"/>
+            <a:ext cx="7937008" cy="4279400"/>
+          </a:xfrm>
+          <a:prstGeom prst="rect">
+            <a:avLst/>
+          </a:prstGeom>
+        </p:spPr>
+      </p:pic>
+      <p:sp>
+        <p:nvSpPr>
+          <p:cNvPr id="10" name="TextBox 9">
+            <a:extLst>
+              <a:ext uri="{FF2B5EF4-FFF2-40B4-BE49-F238E27FC236}">
+                <a16:creationId xmlns:a16="http://schemas.microsoft.com/office/drawing/2014/main" id="{9006C6B3-9430-70CB-F7FD-E05698FD41AB}"/>
+              </a:ext>
+            </a:extLst>
+          </p:cNvPr>
+          <p:cNvSpPr txBox="1"/>
+          <p:nvPr/>
+        </p:nvSpPr>
+        <p:spPr>
+          <a:xfrm>
+            <a:off x="0" y="0"/>
+            <a:ext cx="12079224" cy="584775"/>
+          </a:xfrm>
+          <a:prstGeom prst="rect">
+            <a:avLst/>
+          </a:prstGeom>
+          <a:noFill/>
+        </p:spPr>
+        <p:txBody>
+          <a:bodyPr wrap="square" rtlCol="0">
+            <a:spAutoFit/>
+          </a:bodyPr>
+          <a:lstStyle/>
+          <a:p>
+            <a:pPr algn="r"/>
+            <a:r>
+              <a:rPr lang="en-US" sz="3200" dirty="0"/>
+              <a:t>Amount of Data from Origin</a:t>
+            </a:r>
+          </a:p>
+        </p:txBody>
+      </p:sp>
+      <p:sp>
+        <p:nvSpPr>
+          <p:cNvPr id="2" name="TextBox 1">
+            <a:extLst>
+              <a:ext uri="{FF2B5EF4-FFF2-40B4-BE49-F238E27FC236}">
+                <a16:creationId xmlns:a16="http://schemas.microsoft.com/office/drawing/2014/main" id="{47432CE9-D12A-56F0-6A60-36D79314D529}"/>
+              </a:ext>
+            </a:extLst>
+          </p:cNvPr>
+          <p:cNvSpPr txBox="1"/>
+          <p:nvPr/>
+        </p:nvSpPr>
+        <p:spPr>
+          <a:xfrm>
+            <a:off x="1200150" y="5568700"/>
+            <a:ext cx="9791700" cy="369332"/>
+          </a:xfrm>
+          <a:prstGeom prst="rect">
+            <a:avLst/>
+          </a:prstGeom>
+          <a:noFill/>
+        </p:spPr>
+        <p:txBody>
+          <a:bodyPr wrap="square" rtlCol="0">
+            <a:spAutoFit/>
+          </a:bodyPr>
+          <a:lstStyle/>
+          <a:p>
+            <a:r>
+              <a:rPr lang="en-US" dirty="0"/>
+              <a:t>The 72.05 MB event is targeting IP 74.91.117.248 and is the only time this IP is seen in the IDS data.</a:t>
+            </a:r>
+          </a:p>
+        </p:txBody>
+      </p:sp>
+    </p:spTree>
+    <p:extLst>
+      <p:ext uri="{BB962C8B-B14F-4D97-AF65-F5344CB8AC3E}">
+        <p14:creationId xmlns:p14="http://schemas.microsoft.com/office/powerpoint/2010/main" val="1625971353"/>
+      </p:ext>
+    </p:extLst>
+  </p:cSld>
+  <p:clrMapOvr>
+    <a:masterClrMapping/>
+  </p:clrMapOvr>
+</p:sld>
+</file>
+
+<file path=ppt/slides/slide15.xml><?xml version="1.0" encoding="utf-8"?>
+<p:sld xmlns:a="http://schemas.openxmlformats.org/drawingml/2006/main" xmlns:r="http://schemas.openxmlformats.org/officeDocument/2006/relationships" xmlns:p="http://schemas.openxmlformats.org/presentationml/2006/main">
+  <p:cSld>
+    <p:bg>
+      <p:bgPr>
+        <a:blipFill dpi="0" rotWithShape="1">
+          <a:blip r:embed="rId2">
+            <a:alphaModFix amt="60000"/>
+            <a:lum/>
+          </a:blip>
+          <a:srcRect/>
+          <a:tile tx="0" ty="0" sx="100000" sy="100000" flip="none" algn="bl"/>
+        </a:blipFill>
+        <a:effectLst/>
+      </p:bgPr>
+    </p:bg>
+    <p:spTree>
+      <p:nvGrpSpPr>
+        <p:cNvPr id="1" name=""/>
+        <p:cNvGrpSpPr/>
+        <p:nvPr/>
+      </p:nvGrpSpPr>
+      <p:grpSpPr>
+        <a:xfrm>
+          <a:off x="0" y="0"/>
+          <a:ext cx="0" cy="0"/>
+          <a:chOff x="0" y="0"/>
+          <a:chExt cx="0" cy="0"/>
+        </a:xfrm>
+      </p:grpSpPr>
+      <p:pic>
+        <p:nvPicPr>
           <p:cNvPr id="3" name="Picture 2" descr="A screen shot of a graph&#10;&#10;Description automatically generated">
             <a:extLst>
               <a:ext uri="{FF2B5EF4-FFF2-40B4-BE49-F238E27FC236}">
@@ -4598,7 +4715,7 @@
 </p:sld>
 </file>
 
-<file path=ppt/slides/slide15.xml><?xml version="1.0" encoding="utf-8"?>
+<file path=ppt/slides/slide16.xml><?xml version="1.0" encoding="utf-8"?>
 <p:sld xmlns:a="http://schemas.openxmlformats.org/drawingml/2006/main" xmlns:r="http://schemas.openxmlformats.org/officeDocument/2006/relationships" xmlns:p="http://schemas.openxmlformats.org/presentationml/2006/main" show="0">
   <p:cSld>
     <p:bg>
@@ -4713,7 +4830,7 @@
 </p:sld>
 </file>
 
-<file path=ppt/slides/slide16.xml><?xml version="1.0" encoding="utf-8"?>
+<file path=ppt/slides/slide17.xml><?xml version="1.0" encoding="utf-8"?>
 <p:sld xmlns:a="http://schemas.openxmlformats.org/drawingml/2006/main" xmlns:r="http://schemas.openxmlformats.org/officeDocument/2006/relationships" xmlns:p="http://schemas.openxmlformats.org/presentationml/2006/main">
   <p:cSld>
     <p:bg>
@@ -4794,7 +4911,7 @@
         <p:spPr>
           <a:xfrm>
             <a:off x="228600" y="485775"/>
-            <a:ext cx="10668000" cy="369332"/>
+            <a:ext cx="10668000" cy="6601807"/>
           </a:xfrm>
           <a:prstGeom prst="rect">
             <a:avLst/>
@@ -4807,10 +4924,196 @@
           </a:bodyPr>
           <a:lstStyle/>
           <a:p>
+            <a:pPr>
+              <a:lnSpc>
+                <a:spcPct val="150000"/>
+              </a:lnSpc>
+            </a:pPr>
+            <a:r>
+              <a:rPr lang="en-US" b="1" dirty="0"/>
+              <a:t>IDS Sensors</a:t>
+            </a:r>
+          </a:p>
+          <a:p>
+            <a:pPr marL="742950" lvl="1" indent="-285750">
+              <a:lnSpc>
+                <a:spcPct val="150000"/>
+              </a:lnSpc>
+              <a:buFont typeface="Arial" panose="020B0604020202020204" pitchFamily="34" charset="0"/>
+              <a:buChar char="•"/>
+            </a:pPr>
             <a:r>
               <a:rPr lang="en-US" dirty="0"/>
-              <a:t>Your IDS sucks</a:t>
-            </a:r>
+              <a:t>Deploy both internally (at subnet boundaries) and externally (at the perimeter)</a:t>
+            </a:r>
+          </a:p>
+          <a:p>
+            <a:pPr marL="742950" lvl="1" indent="-285750">
+              <a:lnSpc>
+                <a:spcPct val="150000"/>
+              </a:lnSpc>
+              <a:buFont typeface="Arial" panose="020B0604020202020204" pitchFamily="34" charset="0"/>
+              <a:buChar char="•"/>
+            </a:pPr>
+            <a:r>
+              <a:rPr lang="en-US" dirty="0"/>
+              <a:t>Monitor network segments at key points within the network</a:t>
+            </a:r>
+          </a:p>
+          <a:p>
+            <a:pPr marL="1200150" lvl="2" indent="-285750">
+              <a:lnSpc>
+                <a:spcPct val="150000"/>
+              </a:lnSpc>
+              <a:buFont typeface="Arial" panose="020B0604020202020204" pitchFamily="34" charset="0"/>
+              <a:buChar char="•"/>
+            </a:pPr>
+            <a:r>
+              <a:rPr lang="en-US" dirty="0"/>
+              <a:t>Critical servers or subnet boundaries</a:t>
+            </a:r>
+          </a:p>
+          <a:p>
+            <a:pPr>
+              <a:lnSpc>
+                <a:spcPct val="150000"/>
+              </a:lnSpc>
+            </a:pPr>
+            <a:r>
+              <a:rPr lang="en-US" b="1" dirty="0"/>
+              <a:t>Logging</a:t>
+            </a:r>
+          </a:p>
+          <a:p>
+            <a:pPr marL="742950" lvl="1" indent="-285750">
+              <a:lnSpc>
+                <a:spcPct val="150000"/>
+              </a:lnSpc>
+              <a:buFont typeface="Arial" panose="020B0604020202020204" pitchFamily="34" charset="0"/>
+              <a:buChar char="•"/>
+            </a:pPr>
+            <a:r>
+              <a:rPr lang="en-US" dirty="0"/>
+              <a:t>Correlate alerts with internal logs (firewall logs) that contain original IP address information</a:t>
+            </a:r>
+          </a:p>
+          <a:p>
+            <a:pPr marL="742950" lvl="1" indent="-285750">
+              <a:lnSpc>
+                <a:spcPct val="150000"/>
+              </a:lnSpc>
+              <a:buFont typeface="Arial" panose="020B0604020202020204" pitchFamily="34" charset="0"/>
+              <a:buChar char="•"/>
+            </a:pPr>
+            <a:r>
+              <a:rPr lang="en-US" dirty="0"/>
+              <a:t>Integrate IDS with a Security Information and Event Management (SIEM) system </a:t>
+            </a:r>
+          </a:p>
+          <a:p>
+            <a:pPr marL="1200150" lvl="2" indent="-285750">
+              <a:lnSpc>
+                <a:spcPct val="150000"/>
+              </a:lnSpc>
+              <a:buFont typeface="Arial" panose="020B0604020202020204" pitchFamily="34" charset="0"/>
+              <a:buChar char="•"/>
+            </a:pPr>
+            <a:r>
+              <a:rPr lang="en-US" dirty="0"/>
+              <a:t>Will aggregate and correlate data from multiple sources</a:t>
+            </a:r>
+          </a:p>
+          <a:p>
+            <a:pPr marL="742950" lvl="1" indent="-285750">
+              <a:lnSpc>
+                <a:spcPct val="150000"/>
+              </a:lnSpc>
+              <a:buFont typeface="Arial" panose="020B0604020202020204" pitchFamily="34" charset="0"/>
+              <a:buChar char="•"/>
+            </a:pPr>
+            <a:r>
+              <a:rPr lang="en-US" dirty="0"/>
+              <a:t>Configure NAT devices to log detailed translation information</a:t>
+            </a:r>
+          </a:p>
+          <a:p>
+            <a:pPr marL="1200150" lvl="2" indent="-285750">
+              <a:lnSpc>
+                <a:spcPct val="150000"/>
+              </a:lnSpc>
+              <a:buFont typeface="Arial" panose="020B0604020202020204" pitchFamily="34" charset="0"/>
+              <a:buChar char="•"/>
+            </a:pPr>
+            <a:r>
+              <a:rPr lang="en-US" dirty="0"/>
+              <a:t>Include internal-to-external IP mappings </a:t>
+            </a:r>
+          </a:p>
+          <a:p>
+            <a:pPr marL="1200150" lvl="2" indent="-285750">
+              <a:lnSpc>
+                <a:spcPct val="150000"/>
+              </a:lnSpc>
+              <a:buFont typeface="Arial" panose="020B0604020202020204" pitchFamily="34" charset="0"/>
+              <a:buChar char="•"/>
+            </a:pPr>
+            <a:r>
+              <a:rPr lang="en-US" dirty="0"/>
+              <a:t>Can be used to trace back the internal source of traffic</a:t>
+            </a:r>
+          </a:p>
+          <a:p>
+            <a:pPr>
+              <a:lnSpc>
+                <a:spcPct val="150000"/>
+              </a:lnSpc>
+            </a:pPr>
+            <a:r>
+              <a:rPr lang="en-US" b="1" dirty="0"/>
+              <a:t>Future Analysis</a:t>
+            </a:r>
+          </a:p>
+          <a:p>
+            <a:pPr marL="742950" lvl="1" indent="-285750">
+              <a:lnSpc>
+                <a:spcPct val="150000"/>
+              </a:lnSpc>
+              <a:buFont typeface="Arial" panose="020B0604020202020204" pitchFamily="34" charset="0"/>
+              <a:buChar char="•"/>
+            </a:pPr>
+            <a:r>
+              <a:rPr lang="en-US" dirty="0"/>
+              <a:t>The above recommendations will offer a more in-depth opportunity for future analysis</a:t>
+            </a:r>
+          </a:p>
+          <a:p>
+            <a:pPr marL="742950" lvl="1" indent="-285750">
+              <a:lnSpc>
+                <a:spcPct val="150000"/>
+              </a:lnSpc>
+              <a:buFont typeface="Arial" panose="020B0604020202020204" pitchFamily="34" charset="0"/>
+              <a:buChar char="•"/>
+            </a:pPr>
+            <a:r>
+              <a:rPr lang="en-US" dirty="0"/>
+              <a:t>The original dataset shows how necessary it is to configure your IDS</a:t>
+            </a:r>
+          </a:p>
+          <a:p>
+            <a:pPr marL="742950" lvl="1" indent="-285750">
+              <a:lnSpc>
+                <a:spcPct val="150000"/>
+              </a:lnSpc>
+              <a:buFont typeface="Arial" panose="020B0604020202020204" pitchFamily="34" charset="0"/>
+              <a:buChar char="•"/>
+            </a:pPr>
+            <a:r>
+              <a:rPr lang="en-US" dirty="0"/>
+              <a:t>Analysis on a properly configured dataset may prove invaluable</a:t>
+            </a:r>
+          </a:p>
+          <a:p>
+            <a:endParaRPr lang="en-US" dirty="0"/>
           </a:p>
         </p:txBody>
       </p:sp>
@@ -4818,6 +5121,351 @@
     <p:extLst>
       <p:ext uri="{BB962C8B-B14F-4D97-AF65-F5344CB8AC3E}">
         <p14:creationId xmlns:p14="http://schemas.microsoft.com/office/powerpoint/2010/main" val="1065983344"/>
+      </p:ext>
+    </p:extLst>
+  </p:cSld>
+  <p:clrMapOvr>
+    <a:masterClrMapping/>
+  </p:clrMapOvr>
+</p:sld>
+</file>
+
+<file path=ppt/slides/slide18.xml><?xml version="1.0" encoding="utf-8"?>
+<p:sld xmlns:a="http://schemas.openxmlformats.org/drawingml/2006/main" xmlns:r="http://schemas.openxmlformats.org/officeDocument/2006/relationships" xmlns:p="http://schemas.openxmlformats.org/presentationml/2006/main">
+  <p:cSld>
+    <p:bg>
+      <p:bgPr>
+        <a:blipFill dpi="0" rotWithShape="1">
+          <a:blip r:embed="rId2">
+            <a:alphaModFix amt="60000"/>
+            <a:lum/>
+          </a:blip>
+          <a:srcRect/>
+          <a:tile tx="0" ty="0" sx="100000" sy="100000" flip="none" algn="bl"/>
+        </a:blipFill>
+        <a:effectLst/>
+      </p:bgPr>
+    </p:bg>
+    <p:spTree>
+      <p:nvGrpSpPr>
+        <p:cNvPr id="1" name=""/>
+        <p:cNvGrpSpPr/>
+        <p:nvPr/>
+      </p:nvGrpSpPr>
+      <p:grpSpPr>
+        <a:xfrm>
+          <a:off x="0" y="0"/>
+          <a:ext cx="0" cy="0"/>
+          <a:chOff x="0" y="0"/>
+          <a:chExt cx="0" cy="0"/>
+        </a:xfrm>
+      </p:grpSpPr>
+      <p:sp>
+        <p:nvSpPr>
+          <p:cNvPr id="2" name="TextBox 1">
+            <a:extLst>
+              <a:ext uri="{FF2B5EF4-FFF2-40B4-BE49-F238E27FC236}">
+                <a16:creationId xmlns:a16="http://schemas.microsoft.com/office/drawing/2014/main" id="{AD25E25B-1B54-20D4-2B95-FCB6B8FDFA59}"/>
+              </a:ext>
+            </a:extLst>
+          </p:cNvPr>
+          <p:cNvSpPr txBox="1"/>
+          <p:nvPr/>
+        </p:nvSpPr>
+        <p:spPr>
+          <a:xfrm>
+            <a:off x="0" y="0"/>
+            <a:ext cx="12079224" cy="584775"/>
+          </a:xfrm>
+          <a:prstGeom prst="rect">
+            <a:avLst/>
+          </a:prstGeom>
+          <a:noFill/>
+        </p:spPr>
+        <p:txBody>
+          <a:bodyPr wrap="square" rtlCol="0">
+            <a:spAutoFit/>
+          </a:bodyPr>
+          <a:lstStyle/>
+          <a:p>
+            <a:pPr marL="0" marR="0" lvl="0" indent="0" algn="r" defTabSz="914400" rtl="0" eaLnBrk="1" fontAlgn="auto" latinLnBrk="0" hangingPunct="1">
+              <a:lnSpc>
+                <a:spcPct val="100000"/>
+              </a:lnSpc>
+              <a:spcBef>
+                <a:spcPts val="0"/>
+              </a:spcBef>
+              <a:spcAft>
+                <a:spcPts val="0"/>
+              </a:spcAft>
+              <a:buClrTx/>
+              <a:buSzTx/>
+              <a:buFontTx/>
+              <a:buNone/>
+              <a:tabLst/>
+              <a:defRPr/>
+            </a:pPr>
+            <a:r>
+              <a:rPr lang="en-US" sz="3200" dirty="0">
+                <a:solidFill>
+                  <a:prstClr val="black"/>
+                </a:solidFill>
+                <a:latin typeface="Aptos" panose="02110004020202020204"/>
+              </a:rPr>
+              <a:t>Sources and Contact Information</a:t>
+            </a:r>
+            <a:endParaRPr kumimoji="0" lang="en-US" sz="3200" b="0" i="0" u="none" strike="noStrike" kern="1200" cap="none" spc="0" normalizeH="0" baseline="0" noProof="0" dirty="0">
+              <a:ln>
+                <a:noFill/>
+              </a:ln>
+              <a:solidFill>
+                <a:prstClr val="black"/>
+              </a:solidFill>
+              <a:effectLst/>
+              <a:uLnTx/>
+              <a:uFillTx/>
+              <a:latin typeface="Aptos" panose="02110004020202020204"/>
+              <a:ea typeface="+mn-ea"/>
+              <a:cs typeface="+mn-cs"/>
+            </a:endParaRPr>
+          </a:p>
+        </p:txBody>
+      </p:sp>
+      <p:sp>
+        <p:nvSpPr>
+          <p:cNvPr id="4" name="TextBox 3">
+            <a:extLst>
+              <a:ext uri="{FF2B5EF4-FFF2-40B4-BE49-F238E27FC236}">
+                <a16:creationId xmlns:a16="http://schemas.microsoft.com/office/drawing/2014/main" id="{7EFE929B-76E0-E019-7EDB-255B9E840683}"/>
+              </a:ext>
+            </a:extLst>
+          </p:cNvPr>
+          <p:cNvSpPr txBox="1"/>
+          <p:nvPr/>
+        </p:nvSpPr>
+        <p:spPr>
+          <a:xfrm>
+            <a:off x="112776" y="428625"/>
+            <a:ext cx="11966448" cy="3416320"/>
+          </a:xfrm>
+          <a:prstGeom prst="rect">
+            <a:avLst/>
+          </a:prstGeom>
+          <a:noFill/>
+        </p:spPr>
+        <p:txBody>
+          <a:bodyPr wrap="square" rtlCol="0">
+            <a:spAutoFit/>
+          </a:bodyPr>
+          <a:lstStyle/>
+          <a:p>
+            <a:r>
+              <a:rPr lang="en-US" dirty="0"/>
+              <a:t>https://docs.zeek.org/en/current/scripts/base/protocols/conn/main.zeek.html</a:t>
+            </a:r>
+          </a:p>
+          <a:p>
+            <a:endParaRPr lang="en-US" dirty="0"/>
+          </a:p>
+          <a:p>
+            <a:r>
+              <a:rPr lang="en-US" dirty="0"/>
+              <a:t>ipinfo.io</a:t>
+            </a:r>
+          </a:p>
+          <a:p>
+            <a:endParaRPr lang="en-US" dirty="0"/>
+          </a:p>
+          <a:p>
+            <a:r>
+              <a:rPr lang="en-US" dirty="0"/>
+              <a:t>https://www.barracuda.com/support/glossary/intrusion-detection-system#:~:text=An%20intrusion%20detection%20system%20(IDS,information%20and%20event%20management%20system</a:t>
+            </a:r>
+          </a:p>
+          <a:p>
+            <a:endParaRPr lang="en-US" dirty="0"/>
+          </a:p>
+          <a:p>
+            <a:r>
+              <a:rPr lang="en-US" dirty="0"/>
+              <a:t>https://csrc.nist.gov/glossary/term/industrial_control_system#:~:text=Industrial%20control%20systems%20include%20supervisory,controllers%20to%20control%20localized%20processes</a:t>
+            </a:r>
+          </a:p>
+          <a:p>
+            <a:endParaRPr lang="en-US" dirty="0"/>
+          </a:p>
+          <a:p>
+            <a:endParaRPr lang="en-US" dirty="0"/>
+          </a:p>
+        </p:txBody>
+      </p:sp>
+      <p:sp>
+        <p:nvSpPr>
+          <p:cNvPr id="5" name="TextBox 4">
+            <a:extLst>
+              <a:ext uri="{FF2B5EF4-FFF2-40B4-BE49-F238E27FC236}">
+                <a16:creationId xmlns:a16="http://schemas.microsoft.com/office/drawing/2014/main" id="{55118F18-20FD-4E96-BB19-31D7813399EE}"/>
+              </a:ext>
+            </a:extLst>
+          </p:cNvPr>
+          <p:cNvSpPr txBox="1"/>
+          <p:nvPr/>
+        </p:nvSpPr>
+        <p:spPr>
+          <a:xfrm>
+            <a:off x="112776" y="3609975"/>
+            <a:ext cx="11564874" cy="3139321"/>
+          </a:xfrm>
+          <a:prstGeom prst="rect">
+            <a:avLst/>
+          </a:prstGeom>
+          <a:noFill/>
+        </p:spPr>
+        <p:txBody>
+          <a:bodyPr wrap="square" rtlCol="0">
+            <a:spAutoFit/>
+          </a:bodyPr>
+          <a:lstStyle/>
+          <a:p>
+            <a:r>
+              <a:rPr lang="en-US" b="1" dirty="0"/>
+              <a:t>Libraries:</a:t>
+            </a:r>
+            <a:br>
+              <a:rPr lang="en-US" dirty="0"/>
+            </a:br>
+            <a:endParaRPr lang="en-US" dirty="0"/>
+          </a:p>
+          <a:p>
+            <a:r>
+              <a:rPr lang="en-US" dirty="0"/>
+              <a:t>Pandas</a:t>
+            </a:r>
+          </a:p>
+          <a:p>
+            <a:r>
+              <a:rPr lang="en-US" dirty="0" err="1"/>
+              <a:t>Numpy</a:t>
+            </a:r>
+            <a:endParaRPr lang="en-US" dirty="0"/>
+          </a:p>
+          <a:p>
+            <a:r>
+              <a:rPr lang="en-US" dirty="0"/>
+              <a:t>Matplotlib</a:t>
+            </a:r>
+          </a:p>
+          <a:p>
+            <a:r>
+              <a:rPr lang="en-US" dirty="0"/>
+              <a:t>seaborn</a:t>
+            </a:r>
+          </a:p>
+          <a:p>
+            <a:r>
+              <a:rPr lang="en-US" dirty="0" err="1"/>
+              <a:t>sklearn</a:t>
+            </a:r>
+            <a:br>
+              <a:rPr lang="en-US" dirty="0"/>
+            </a:br>
+            <a:r>
+              <a:rPr lang="en-US" dirty="0"/>
+              <a:t>network</a:t>
+            </a:r>
+          </a:p>
+          <a:p>
+            <a:r>
+              <a:rPr lang="en-US" dirty="0" err="1"/>
+              <a:t>Ipinfo</a:t>
+            </a:r>
+            <a:endParaRPr lang="en-US" dirty="0"/>
+          </a:p>
+          <a:p>
+            <a:endParaRPr lang="en-US" dirty="0"/>
+          </a:p>
+          <a:p>
+            <a:r>
+              <a:rPr lang="en-US" dirty="0" err="1"/>
+              <a:t>Github</a:t>
+            </a:r>
+            <a:r>
+              <a:rPr lang="en-US" dirty="0"/>
+              <a:t> Repository: https://github.com/sdave777/Internet-of-Things_IDS_Data</a:t>
+            </a:r>
+          </a:p>
+        </p:txBody>
+      </p:sp>
+      <p:sp>
+        <p:nvSpPr>
+          <p:cNvPr id="6" name="TextBox 5">
+            <a:extLst>
+              <a:ext uri="{FF2B5EF4-FFF2-40B4-BE49-F238E27FC236}">
+                <a16:creationId xmlns:a16="http://schemas.microsoft.com/office/drawing/2014/main" id="{771F8499-0DEE-AE39-10EB-B93AE93501DB}"/>
+              </a:ext>
+            </a:extLst>
+          </p:cNvPr>
+          <p:cNvSpPr txBox="1"/>
+          <p:nvPr/>
+        </p:nvSpPr>
+        <p:spPr>
+          <a:xfrm>
+            <a:off x="6039612" y="3608398"/>
+            <a:ext cx="5286375" cy="2031325"/>
+          </a:xfrm>
+          <a:prstGeom prst="rect">
+            <a:avLst/>
+          </a:prstGeom>
+          <a:noFill/>
+        </p:spPr>
+        <p:txBody>
+          <a:bodyPr wrap="square" rtlCol="0">
+            <a:spAutoFit/>
+          </a:bodyPr>
+          <a:lstStyle/>
+          <a:p>
+            <a:r>
+              <a:rPr lang="en-US" b="1" dirty="0"/>
+              <a:t>Contact:</a:t>
+            </a:r>
+          </a:p>
+          <a:p>
+            <a:endParaRPr lang="en-US" b="1" dirty="0"/>
+          </a:p>
+          <a:p>
+            <a:r>
+              <a:rPr lang="en-US" dirty="0"/>
+              <a:t>david.scott.98@spaceforce.mil</a:t>
+            </a:r>
+          </a:p>
+          <a:p>
+            <a:endParaRPr lang="en-US" dirty="0"/>
+          </a:p>
+          <a:p>
+            <a:r>
+              <a:rPr lang="en-US" dirty="0"/>
+              <a:t>SPC4 Scott, David</a:t>
+            </a:r>
+          </a:p>
+          <a:p>
+            <a:r>
+              <a:rPr lang="en-US" dirty="0"/>
+              <a:t>Cyber Intelligence Analyst, USSF</a:t>
+            </a:r>
+            <a:br>
+              <a:rPr lang="en-US" dirty="0"/>
+            </a:br>
+            <a:r>
+              <a:rPr lang="en-US" dirty="0"/>
+              <a:t>71 ISRS Detachment 6</a:t>
+            </a:r>
+          </a:p>
+        </p:txBody>
+      </p:sp>
+    </p:spTree>
+    <p:extLst>
+      <p:ext uri="{BB962C8B-B14F-4D97-AF65-F5344CB8AC3E}">
+        <p14:creationId xmlns:p14="http://schemas.microsoft.com/office/powerpoint/2010/main" val="3757070864"/>
       </p:ext>
     </p:extLst>
   </p:cSld>
@@ -4885,12 +5533,17 @@
           </a:bodyPr>
           <a:lstStyle/>
           <a:p>
-            <a:pPr>
+            <a:pPr marL="342900" indent="-342900">
               <a:lnSpc>
                 <a:spcPct val="150000"/>
               </a:lnSpc>
+              <a:buFont typeface="Arial" panose="020B0604020202020204" pitchFamily="34" charset="0"/>
+              <a:buChar char="•"/>
             </a:pPr>
-            <a:endParaRPr lang="en-US" sz="2000" dirty="0"/>
+            <a:r>
+              <a:rPr lang="en-US" sz="2000" dirty="0"/>
+              <a:t>The Data and the Goal</a:t>
+            </a:r>
           </a:p>
           <a:p>
             <a:pPr marL="285750" indent="-285750">
@@ -5087,6 +5740,466 @@
 </file>
 
 <file path=ppt/slides/slide3.xml><?xml version="1.0" encoding="utf-8"?>
+<p:sld xmlns:a="http://schemas.openxmlformats.org/drawingml/2006/main" xmlns:r="http://schemas.openxmlformats.org/officeDocument/2006/relationships" xmlns:p="http://schemas.openxmlformats.org/presentationml/2006/main">
+  <p:cSld>
+    <p:bg>
+      <p:bgPr>
+        <a:blipFill dpi="0" rotWithShape="1">
+          <a:blip r:embed="rId2">
+            <a:alphaModFix amt="60000"/>
+            <a:lum/>
+          </a:blip>
+          <a:srcRect/>
+          <a:tile tx="0" ty="0" sx="100000" sy="100000" flip="none" algn="bl"/>
+        </a:blipFill>
+        <a:effectLst/>
+      </p:bgPr>
+    </p:bg>
+    <p:spTree>
+      <p:nvGrpSpPr>
+        <p:cNvPr id="1" name=""/>
+        <p:cNvGrpSpPr/>
+        <p:nvPr/>
+      </p:nvGrpSpPr>
+      <p:grpSpPr>
+        <a:xfrm>
+          <a:off x="0" y="0"/>
+          <a:ext cx="0" cy="0"/>
+          <a:chOff x="0" y="0"/>
+          <a:chExt cx="0" cy="0"/>
+        </a:xfrm>
+      </p:grpSpPr>
+      <p:sp>
+        <p:nvSpPr>
+          <p:cNvPr id="2" name="TextBox 1">
+            <a:extLst>
+              <a:ext uri="{FF2B5EF4-FFF2-40B4-BE49-F238E27FC236}">
+                <a16:creationId xmlns:a16="http://schemas.microsoft.com/office/drawing/2014/main" id="{55324DFE-7275-9419-E7A6-23466406BEB6}"/>
+              </a:ext>
+            </a:extLst>
+          </p:cNvPr>
+          <p:cNvSpPr txBox="1"/>
+          <p:nvPr/>
+        </p:nvSpPr>
+        <p:spPr>
+          <a:xfrm>
+            <a:off x="178273" y="814244"/>
+            <a:ext cx="11665527" cy="5126275"/>
+          </a:xfrm>
+          <a:prstGeom prst="rect">
+            <a:avLst/>
+          </a:prstGeom>
+          <a:noFill/>
+        </p:spPr>
+        <p:txBody>
+          <a:bodyPr wrap="square" rtlCol="0">
+            <a:spAutoFit/>
+          </a:bodyPr>
+          <a:lstStyle/>
+          <a:p>
+            <a:pPr>
+              <a:lnSpc>
+                <a:spcPct val="150000"/>
+              </a:lnSpc>
+            </a:pPr>
+            <a:r>
+              <a:rPr lang="en-US" sz="2000" b="1" dirty="0">
+                <a:solidFill>
+                  <a:prstClr val="black"/>
+                </a:solidFill>
+                <a:latin typeface="Aptos" panose="02110004020202020204"/>
+              </a:rPr>
+              <a:t>Data and Methodology</a:t>
+            </a:r>
+          </a:p>
+          <a:p>
+            <a:pPr marL="342900" marR="0" lvl="0" indent="-342900" algn="l" defTabSz="914400" rtl="0" eaLnBrk="1" fontAlgn="auto" latinLnBrk="0" hangingPunct="1">
+              <a:lnSpc>
+                <a:spcPct val="150000"/>
+              </a:lnSpc>
+              <a:spcBef>
+                <a:spcPts val="0"/>
+              </a:spcBef>
+              <a:spcAft>
+                <a:spcPts val="0"/>
+              </a:spcAft>
+              <a:buClrTx/>
+              <a:buSzTx/>
+              <a:buFont typeface="Arial" panose="020B0604020202020204" pitchFamily="34" charset="0"/>
+              <a:buChar char="•"/>
+              <a:tabLst/>
+              <a:defRPr/>
+            </a:pPr>
+            <a:r>
+              <a:rPr lang="en-US" sz="2000" dirty="0">
+                <a:solidFill>
+                  <a:prstClr val="black"/>
+                </a:solidFill>
+                <a:latin typeface="Aptos" panose="02110004020202020204"/>
+              </a:rPr>
+              <a:t>Includes captures of both malicious and benign traffic on IoT devices</a:t>
+            </a:r>
+          </a:p>
+          <a:p>
+            <a:pPr marL="342900" marR="0" lvl="0" indent="-342900" algn="l" defTabSz="914400" rtl="0" eaLnBrk="1" fontAlgn="auto" latinLnBrk="0" hangingPunct="1">
+              <a:lnSpc>
+                <a:spcPct val="150000"/>
+              </a:lnSpc>
+              <a:spcBef>
+                <a:spcPts val="0"/>
+              </a:spcBef>
+              <a:spcAft>
+                <a:spcPts val="0"/>
+              </a:spcAft>
+              <a:buClrTx/>
+              <a:buSzTx/>
+              <a:buFont typeface="Arial" panose="020B0604020202020204" pitchFamily="34" charset="0"/>
+              <a:buChar char="•"/>
+              <a:tabLst/>
+              <a:defRPr/>
+            </a:pPr>
+            <a:r>
+              <a:rPr lang="en-US" sz="2000" dirty="0">
+                <a:solidFill>
+                  <a:prstClr val="black"/>
+                </a:solidFill>
+                <a:latin typeface="Aptos" panose="02110004020202020204"/>
+              </a:rPr>
+              <a:t>Retrieved from Kaggle: https://www.kaggle.com/datasets/wittigenz/hydras</a:t>
+            </a:r>
+          </a:p>
+          <a:p>
+            <a:pPr marL="342900" marR="0" lvl="0" indent="-342900" algn="l" defTabSz="914400" rtl="0" eaLnBrk="1" fontAlgn="auto" latinLnBrk="0" hangingPunct="1">
+              <a:lnSpc>
+                <a:spcPct val="150000"/>
+              </a:lnSpc>
+              <a:spcBef>
+                <a:spcPts val="0"/>
+              </a:spcBef>
+              <a:spcAft>
+                <a:spcPts val="0"/>
+              </a:spcAft>
+              <a:buClrTx/>
+              <a:buSzTx/>
+              <a:buFont typeface="Arial" panose="020B0604020202020204" pitchFamily="34" charset="0"/>
+              <a:buChar char="•"/>
+              <a:tabLst/>
+              <a:defRPr/>
+            </a:pPr>
+            <a:r>
+              <a:rPr lang="en-US" sz="2000" dirty="0">
+                <a:solidFill>
+                  <a:prstClr val="black"/>
+                </a:solidFill>
+                <a:latin typeface="Aptos" panose="02110004020202020204"/>
+              </a:rPr>
+              <a:t>Contains more than 23,000 rows, without duplicates</a:t>
+            </a:r>
+          </a:p>
+          <a:p>
+            <a:pPr marL="342900" marR="0" lvl="0" indent="-342900" algn="l" defTabSz="914400" rtl="0" eaLnBrk="1" fontAlgn="auto" latinLnBrk="0" hangingPunct="1">
+              <a:lnSpc>
+                <a:spcPct val="150000"/>
+              </a:lnSpc>
+              <a:spcBef>
+                <a:spcPts val="0"/>
+              </a:spcBef>
+              <a:spcAft>
+                <a:spcPts val="0"/>
+              </a:spcAft>
+              <a:buClrTx/>
+              <a:buSzTx/>
+              <a:buFont typeface="Arial" panose="020B0604020202020204" pitchFamily="34" charset="0"/>
+              <a:buChar char="•"/>
+              <a:tabLst/>
+              <a:defRPr/>
+            </a:pPr>
+            <a:r>
+              <a:rPr lang="en-US" sz="2000" dirty="0">
+                <a:solidFill>
+                  <a:prstClr val="black"/>
+                </a:solidFill>
+                <a:latin typeface="Aptos" panose="02110004020202020204"/>
+              </a:rPr>
+              <a:t>Will need to convert binary string values into integer values “1” and “0”</a:t>
+            </a:r>
+          </a:p>
+          <a:p>
+            <a:pPr marL="342900" marR="0" lvl="0" indent="-342900" algn="l" defTabSz="914400" rtl="0" eaLnBrk="1" fontAlgn="auto" latinLnBrk="0" hangingPunct="1">
+              <a:lnSpc>
+                <a:spcPct val="150000"/>
+              </a:lnSpc>
+              <a:spcBef>
+                <a:spcPts val="0"/>
+              </a:spcBef>
+              <a:spcAft>
+                <a:spcPts val="0"/>
+              </a:spcAft>
+              <a:buClrTx/>
+              <a:buSzTx/>
+              <a:buFont typeface="Arial" panose="020B0604020202020204" pitchFamily="34" charset="0"/>
+              <a:buChar char="•"/>
+              <a:tabLst/>
+              <a:defRPr/>
+            </a:pPr>
+            <a:r>
+              <a:rPr lang="en-US" sz="2000" dirty="0">
+                <a:solidFill>
+                  <a:prstClr val="black"/>
+                </a:solidFill>
+                <a:latin typeface="Aptos" panose="02110004020202020204"/>
+              </a:rPr>
+              <a:t>	For example: Malicious will equal 1 and benign will equal 0</a:t>
+            </a:r>
+          </a:p>
+          <a:p>
+            <a:pPr marL="342900" marR="0" lvl="0" indent="-342900" algn="l" defTabSz="914400" rtl="0" eaLnBrk="1" fontAlgn="auto" latinLnBrk="0" hangingPunct="1">
+              <a:lnSpc>
+                <a:spcPct val="150000"/>
+              </a:lnSpc>
+              <a:spcBef>
+                <a:spcPts val="0"/>
+              </a:spcBef>
+              <a:spcAft>
+                <a:spcPts val="0"/>
+              </a:spcAft>
+              <a:buClrTx/>
+              <a:buSzTx/>
+              <a:buFont typeface="Arial" panose="020B0604020202020204" pitchFamily="34" charset="0"/>
+              <a:buChar char="•"/>
+              <a:tabLst/>
+              <a:defRPr/>
+            </a:pPr>
+            <a:r>
+              <a:rPr lang="en-US" sz="2000" dirty="0">
+                <a:solidFill>
+                  <a:prstClr val="black"/>
+                </a:solidFill>
+                <a:latin typeface="Aptos" panose="02110004020202020204"/>
+              </a:rPr>
+              <a:t>Columns with non-binary string values may be dropped for certain stages of analysis</a:t>
+            </a:r>
+          </a:p>
+          <a:p>
+            <a:pPr marL="0" marR="0" lvl="0" indent="0" algn="l" defTabSz="914400" rtl="0" eaLnBrk="1" fontAlgn="auto" latinLnBrk="0" hangingPunct="1">
+              <a:lnSpc>
+                <a:spcPct val="150000"/>
+              </a:lnSpc>
+              <a:spcBef>
+                <a:spcPts val="0"/>
+              </a:spcBef>
+              <a:spcAft>
+                <a:spcPts val="0"/>
+              </a:spcAft>
+              <a:buClrTx/>
+              <a:buSzTx/>
+              <a:buFontTx/>
+              <a:buNone/>
+              <a:tabLst/>
+              <a:defRPr/>
+            </a:pPr>
+            <a:r>
+              <a:rPr kumimoji="0" lang="en-US" sz="2000" b="1" i="0" u="none" strike="noStrike" kern="1200" cap="none" spc="0" normalizeH="0" baseline="0" noProof="0" dirty="0">
+                <a:ln>
+                  <a:noFill/>
+                </a:ln>
+                <a:solidFill>
+                  <a:prstClr val="black"/>
+                </a:solidFill>
+                <a:effectLst/>
+                <a:uLnTx/>
+                <a:uFillTx/>
+                <a:latin typeface="Aptos" panose="02110004020202020204"/>
+                <a:ea typeface="+mn-ea"/>
+                <a:cs typeface="+mn-cs"/>
+              </a:rPr>
+              <a:t>Research Objective</a:t>
+            </a:r>
+          </a:p>
+          <a:p>
+            <a:pPr marL="342900" marR="0" lvl="0" indent="-342900" algn="l" defTabSz="914400" rtl="0" eaLnBrk="1" fontAlgn="auto" latinLnBrk="0" hangingPunct="1">
+              <a:lnSpc>
+                <a:spcPct val="150000"/>
+              </a:lnSpc>
+              <a:spcBef>
+                <a:spcPts val="0"/>
+              </a:spcBef>
+              <a:spcAft>
+                <a:spcPts val="0"/>
+              </a:spcAft>
+              <a:buClrTx/>
+              <a:buSzTx/>
+              <a:buFont typeface="Arial" panose="020B0604020202020204" pitchFamily="34" charset="0"/>
+              <a:buChar char="•"/>
+              <a:tabLst/>
+              <a:defRPr/>
+            </a:pPr>
+            <a:r>
+              <a:rPr lang="en-US" sz="2000" dirty="0">
+                <a:solidFill>
+                  <a:prstClr val="black"/>
+                </a:solidFill>
+                <a:latin typeface="Aptos" panose="02110004020202020204"/>
+              </a:rPr>
+              <a:t>Will assist in assessing the effectiveness of this IDS on IoT devices</a:t>
+            </a:r>
+          </a:p>
+          <a:p>
+            <a:pPr marL="342900" marR="0" lvl="0" indent="-342900" algn="l" defTabSz="914400" rtl="0" eaLnBrk="1" fontAlgn="auto" latinLnBrk="0" hangingPunct="1">
+              <a:lnSpc>
+                <a:spcPct val="150000"/>
+              </a:lnSpc>
+              <a:spcBef>
+                <a:spcPts val="0"/>
+              </a:spcBef>
+              <a:spcAft>
+                <a:spcPts val="0"/>
+              </a:spcAft>
+              <a:buClrTx/>
+              <a:buSzTx/>
+              <a:buFont typeface="Arial" panose="020B0604020202020204" pitchFamily="34" charset="0"/>
+              <a:buChar char="•"/>
+              <a:tabLst/>
+              <a:defRPr/>
+            </a:pPr>
+            <a:r>
+              <a:rPr lang="en-US" sz="2000" dirty="0">
+                <a:solidFill>
+                  <a:prstClr val="black"/>
+                </a:solidFill>
+                <a:latin typeface="Aptos" panose="02110004020202020204"/>
+              </a:rPr>
+              <a:t>Will be directly applicable to similar data ingest </a:t>
+            </a:r>
+            <a:endParaRPr kumimoji="0" lang="en-US" sz="2000" i="0" u="none" strike="noStrike" kern="1200" cap="none" spc="0" normalizeH="0" baseline="0" noProof="0" dirty="0">
+              <a:ln>
+                <a:noFill/>
+              </a:ln>
+              <a:solidFill>
+                <a:prstClr val="black"/>
+              </a:solidFill>
+              <a:effectLst/>
+              <a:uLnTx/>
+              <a:uFillTx/>
+              <a:latin typeface="Aptos" panose="02110004020202020204"/>
+              <a:ea typeface="+mn-ea"/>
+              <a:cs typeface="+mn-cs"/>
+            </a:endParaRPr>
+          </a:p>
+          <a:p>
+            <a:pPr marL="0" marR="0" lvl="0" indent="0" algn="l" defTabSz="914400" rtl="0" eaLnBrk="1" fontAlgn="auto" latinLnBrk="0" hangingPunct="1">
+              <a:lnSpc>
+                <a:spcPct val="150000"/>
+              </a:lnSpc>
+              <a:spcBef>
+                <a:spcPts val="0"/>
+              </a:spcBef>
+              <a:spcAft>
+                <a:spcPts val="0"/>
+              </a:spcAft>
+              <a:buClrTx/>
+              <a:buSzTx/>
+              <a:buFontTx/>
+              <a:buNone/>
+              <a:tabLst/>
+              <a:defRPr/>
+            </a:pPr>
+            <a:endParaRPr kumimoji="0" lang="en-US" sz="2000" b="0" i="0" u="none" strike="noStrike" kern="1200" cap="none" spc="0" normalizeH="0" baseline="0" noProof="0" dirty="0">
+              <a:ln>
+                <a:noFill/>
+              </a:ln>
+              <a:solidFill>
+                <a:prstClr val="black"/>
+              </a:solidFill>
+              <a:effectLst/>
+              <a:uLnTx/>
+              <a:uFillTx/>
+              <a:latin typeface="Aptos" panose="02110004020202020204"/>
+              <a:ea typeface="+mn-ea"/>
+              <a:cs typeface="+mn-cs"/>
+            </a:endParaRPr>
+          </a:p>
+        </p:txBody>
+      </p:sp>
+      <p:sp>
+        <p:nvSpPr>
+          <p:cNvPr id="3" name="TextBox 2">
+            <a:extLst>
+              <a:ext uri="{FF2B5EF4-FFF2-40B4-BE49-F238E27FC236}">
+                <a16:creationId xmlns:a16="http://schemas.microsoft.com/office/drawing/2014/main" id="{D4F4E95D-9600-3AEA-A762-0EC062DA2E58}"/>
+              </a:ext>
+            </a:extLst>
+          </p:cNvPr>
+          <p:cNvSpPr txBox="1"/>
+          <p:nvPr/>
+        </p:nvSpPr>
+        <p:spPr>
+          <a:xfrm>
+            <a:off x="0" y="0"/>
+            <a:ext cx="12079224" cy="584775"/>
+          </a:xfrm>
+          <a:prstGeom prst="rect">
+            <a:avLst/>
+          </a:prstGeom>
+          <a:noFill/>
+        </p:spPr>
+        <p:txBody>
+          <a:bodyPr wrap="square" rtlCol="0">
+            <a:spAutoFit/>
+          </a:bodyPr>
+          <a:lstStyle/>
+          <a:p>
+            <a:pPr marL="0" marR="0" lvl="0" indent="0" algn="r" defTabSz="914400" rtl="0" eaLnBrk="1" fontAlgn="auto" latinLnBrk="0" hangingPunct="1">
+              <a:lnSpc>
+                <a:spcPct val="100000"/>
+              </a:lnSpc>
+              <a:spcBef>
+                <a:spcPts val="0"/>
+              </a:spcBef>
+              <a:spcAft>
+                <a:spcPts val="0"/>
+              </a:spcAft>
+              <a:buClrTx/>
+              <a:buSzTx/>
+              <a:buFontTx/>
+              <a:buNone/>
+              <a:tabLst/>
+              <a:defRPr/>
+            </a:pPr>
+            <a:r>
+              <a:rPr kumimoji="0" lang="en-US" sz="3200" b="0" i="0" u="none" strike="noStrike" kern="1200" cap="none" spc="0" normalizeH="0" baseline="0" noProof="0" dirty="0">
+                <a:ln>
+                  <a:noFill/>
+                </a:ln>
+                <a:solidFill>
+                  <a:prstClr val="black"/>
+                </a:solidFill>
+                <a:effectLst/>
+                <a:uLnTx/>
+                <a:uFillTx/>
+                <a:latin typeface="Aptos" panose="02110004020202020204"/>
+                <a:ea typeface="+mn-ea"/>
+                <a:cs typeface="+mn-cs"/>
+              </a:rPr>
+              <a:t>The Data and Goal</a:t>
+            </a:r>
+          </a:p>
+        </p:txBody>
+      </p:sp>
+    </p:spTree>
+    <p:extLst>
+      <p:ext uri="{BB962C8B-B14F-4D97-AF65-F5344CB8AC3E}">
+        <p14:creationId xmlns:p14="http://schemas.microsoft.com/office/powerpoint/2010/main" val="1649979723"/>
+      </p:ext>
+    </p:extLst>
+  </p:cSld>
+  <p:clrMapOvr>
+    <a:masterClrMapping/>
+  </p:clrMapOvr>
+</p:sld>
+</file>
+
+<file path=ppt/slides/slide4.xml><?xml version="1.0" encoding="utf-8"?>
 <p:sld xmlns:a="http://schemas.openxmlformats.org/drawingml/2006/main" xmlns:r="http://schemas.openxmlformats.org/officeDocument/2006/relationships" xmlns:p="http://schemas.openxmlformats.org/presentationml/2006/main">
   <p:cSld>
     <p:bg>
@@ -5330,7 +6443,7 @@
                 <a:ea typeface="+mn-ea"/>
                 <a:cs typeface="+mn-cs"/>
               </a:rPr>
-              <a:t>Industrial Control System (ICS) – </a:t>
+              <a:t>Internet of Things (IoT) – </a:t>
             </a:r>
             <a:r>
               <a:rPr kumimoji="0" lang="en-US" sz="1800" u="none" strike="noStrike" kern="1200" cap="none" spc="0" normalizeH="0" baseline="0" noProof="0" dirty="0">
@@ -5345,7 +6458,7 @@
                 <a:ea typeface="+mn-ea"/>
                 <a:cs typeface="+mn-cs"/>
               </a:rPr>
-              <a:t>Control processes for industrial systems such as manufacturing, product handling, production, and distribution</a:t>
+              <a:t>Software and other technologies that connect and exchange data with other devices and systems over the internet or other communications networks.</a:t>
             </a:r>
           </a:p>
           <a:p>
@@ -5370,7 +6483,7 @@
                 <a:ea typeface="+mn-ea"/>
                 <a:cs typeface="+mn-cs"/>
               </a:rPr>
-              <a:t>Electrical, mechanical, hydraulic, pneumatic, </a:t>
+              <a:t>Smart Appliances (Security camera, lights, thermostats, </a:t>
             </a:r>
             <a:r>
               <a:rPr kumimoji="0" lang="en-US" b="1" i="0" u="none" strike="noStrike" kern="1200" cap="none" spc="0" normalizeH="0" baseline="0" noProof="0" dirty="0" err="1">
@@ -5388,45 +6501,6 @@
               </a:rPr>
               <a:t>etc</a:t>
             </a:r>
-            <a:endParaRPr kumimoji="0" lang="en-US" b="1" i="0" u="none" strike="noStrike" kern="1200" cap="none" spc="0" normalizeH="0" baseline="0" noProof="0" dirty="0">
-              <a:ln>
-                <a:noFill/>
-              </a:ln>
-              <a:solidFill>
-                <a:prstClr val="black"/>
-              </a:solidFill>
-              <a:effectLst/>
-              <a:uLnTx/>
-              <a:uFillTx/>
-              <a:ea typeface="+mn-ea"/>
-              <a:cs typeface="+mn-cs"/>
-            </a:endParaRPr>
-          </a:p>
-          <a:p>
-            <a:pPr marL="742950" lvl="1" indent="-285750">
-              <a:lnSpc>
-                <a:spcPct val="150000"/>
-              </a:lnSpc>
-              <a:buFont typeface="Arial" panose="020B0604020202020204" pitchFamily="34" charset="0"/>
-              <a:buChar char="•"/>
-            </a:pPr>
-            <a:r>
-              <a:rPr lang="en-US" b="1" dirty="0">
-                <a:solidFill>
-                  <a:prstClr val="black"/>
-                </a:solidFill>
-              </a:rPr>
-              <a:t>Often uses UDP</a:t>
-            </a:r>
-          </a:p>
-          <a:p>
-            <a:pPr marL="1200150" lvl="2" indent="-285750">
-              <a:lnSpc>
-                <a:spcPct val="150000"/>
-              </a:lnSpc>
-              <a:buFont typeface="Arial" panose="020B0604020202020204" pitchFamily="34" charset="0"/>
-              <a:buChar char="•"/>
-            </a:pPr>
             <a:r>
               <a:rPr kumimoji="0" lang="en-US" b="1" i="0" u="none" strike="noStrike" kern="1200" cap="none" spc="0" normalizeH="0" baseline="0" noProof="0" dirty="0">
                 <a:ln>
@@ -5441,7 +6515,41 @@
                 <a:ea typeface="+mn-ea"/>
                 <a:cs typeface="+mn-cs"/>
               </a:rPr>
-              <a:t>Older, less reliable protocol, but faster than TCP</a:t>
+              <a:t>)</a:t>
+            </a:r>
+          </a:p>
+          <a:p>
+            <a:pPr marL="742950" lvl="1" indent="-285750">
+              <a:lnSpc>
+                <a:spcPct val="150000"/>
+              </a:lnSpc>
+              <a:buFont typeface="Arial" panose="020B0604020202020204" pitchFamily="34" charset="0"/>
+              <a:buChar char="•"/>
+            </a:pPr>
+            <a:r>
+              <a:rPr lang="en-US" b="1" dirty="0">
+                <a:solidFill>
+                  <a:prstClr val="black"/>
+                </a:solidFill>
+              </a:rPr>
+              <a:t>Wearable Devices</a:t>
+            </a:r>
+          </a:p>
+          <a:p>
+            <a:pPr marL="742950" lvl="1" indent="-285750">
+              <a:lnSpc>
+                <a:spcPct val="150000"/>
+              </a:lnSpc>
+              <a:buFont typeface="Arial" panose="020B0604020202020204" pitchFamily="34" charset="0"/>
+              <a:buChar char="•"/>
+            </a:pPr>
+            <a:r>
+              <a:rPr lang="en-US" b="1" dirty="0">
+                <a:solidFill>
+                  <a:prstClr val="black"/>
+                </a:solidFill>
+              </a:rPr>
+              <a:t>Healthcare</a:t>
             </a:r>
           </a:p>
           <a:p>
@@ -5595,156 +6703,6 @@
     <p:extLst>
       <p:ext uri="{BB962C8B-B14F-4D97-AF65-F5344CB8AC3E}">
         <p14:creationId xmlns:p14="http://schemas.microsoft.com/office/powerpoint/2010/main" val="1944069416"/>
-      </p:ext>
-    </p:extLst>
-  </p:cSld>
-  <p:clrMapOvr>
-    <a:masterClrMapping/>
-  </p:clrMapOvr>
-</p:sld>
-</file>
-
-<file path=ppt/slides/slide4.xml><?xml version="1.0" encoding="utf-8"?>
-<p:sld xmlns:a="http://schemas.openxmlformats.org/drawingml/2006/main" xmlns:r="http://schemas.openxmlformats.org/officeDocument/2006/relationships" xmlns:p="http://schemas.openxmlformats.org/presentationml/2006/main">
-  <p:cSld>
-    <p:bg>
-      <p:bgPr>
-        <a:blipFill dpi="0" rotWithShape="1">
-          <a:blip r:embed="rId2">
-            <a:alphaModFix amt="60000"/>
-            <a:lum/>
-          </a:blip>
-          <a:srcRect/>
-          <a:tile tx="0" ty="0" sx="100000" sy="100000" flip="none" algn="bl"/>
-        </a:blipFill>
-        <a:effectLst/>
-      </p:bgPr>
-    </p:bg>
-    <p:spTree>
-      <p:nvGrpSpPr>
-        <p:cNvPr id="1" name=""/>
-        <p:cNvGrpSpPr/>
-        <p:nvPr/>
-      </p:nvGrpSpPr>
-      <p:grpSpPr>
-        <a:xfrm>
-          <a:off x="0" y="0"/>
-          <a:ext cx="0" cy="0"/>
-          <a:chOff x="0" y="0"/>
-          <a:chExt cx="0" cy="0"/>
-        </a:xfrm>
-      </p:grpSpPr>
-      <p:pic>
-        <p:nvPicPr>
-          <p:cNvPr id="3" name="Picture 2" descr="A screenshot of a graph&#10;&#10;Description automatically generated">
-            <a:extLst>
-              <a:ext uri="{FF2B5EF4-FFF2-40B4-BE49-F238E27FC236}">
-                <a16:creationId xmlns:a16="http://schemas.microsoft.com/office/drawing/2014/main" id="{CF38A32D-B412-56B1-15AE-82CD4098A9D2}"/>
-              </a:ext>
-            </a:extLst>
-          </p:cNvPr>
-          <p:cNvPicPr>
-            <a:picLocks noChangeAspect="1"/>
-          </p:cNvPicPr>
-          <p:nvPr/>
-        </p:nvPicPr>
-        <p:blipFill>
-          <a:blip r:embed="rId3">
-            <a:extLst>
-              <a:ext uri="{28A0092B-C50C-407E-A947-70E740481C1C}">
-                <a14:useLocalDpi xmlns:a14="http://schemas.microsoft.com/office/drawing/2010/main" val="0"/>
-              </a:ext>
-            </a:extLst>
-          </a:blip>
-          <a:stretch>
-            <a:fillRect/>
-          </a:stretch>
-        </p:blipFill>
-        <p:spPr>
-          <a:xfrm>
-            <a:off x="1307691" y="698007"/>
-            <a:ext cx="9061505" cy="5042289"/>
-          </a:xfrm>
-          <a:prstGeom prst="rect">
-            <a:avLst/>
-          </a:prstGeom>
-        </p:spPr>
-      </p:pic>
-      <p:sp>
-        <p:nvSpPr>
-          <p:cNvPr id="4" name="TextBox 3">
-            <a:extLst>
-              <a:ext uri="{FF2B5EF4-FFF2-40B4-BE49-F238E27FC236}">
-                <a16:creationId xmlns:a16="http://schemas.microsoft.com/office/drawing/2014/main" id="{A12B2E20-FC2A-4256-EB50-C49C2B2C74C2}"/>
-              </a:ext>
-            </a:extLst>
-          </p:cNvPr>
-          <p:cNvSpPr txBox="1"/>
-          <p:nvPr/>
-        </p:nvSpPr>
-        <p:spPr>
-          <a:xfrm>
-            <a:off x="0" y="0"/>
-            <a:ext cx="12079224" cy="584775"/>
-          </a:xfrm>
-          <a:prstGeom prst="rect">
-            <a:avLst/>
-          </a:prstGeom>
-          <a:noFill/>
-        </p:spPr>
-        <p:txBody>
-          <a:bodyPr wrap="square" rtlCol="0">
-            <a:spAutoFit/>
-          </a:bodyPr>
-          <a:lstStyle/>
-          <a:p>
-            <a:pPr algn="r"/>
-            <a:r>
-              <a:rPr lang="en-US" sz="3200" dirty="0"/>
-              <a:t>All Traffic – Protocol Use</a:t>
-            </a:r>
-          </a:p>
-        </p:txBody>
-      </p:sp>
-      <p:sp>
-        <p:nvSpPr>
-          <p:cNvPr id="6" name="TextBox 5">
-            <a:extLst>
-              <a:ext uri="{FF2B5EF4-FFF2-40B4-BE49-F238E27FC236}">
-                <a16:creationId xmlns:a16="http://schemas.microsoft.com/office/drawing/2014/main" id="{86B1DA74-7043-6A59-40AE-DA2FF8DC0D8D}"/>
-              </a:ext>
-            </a:extLst>
-          </p:cNvPr>
-          <p:cNvSpPr txBox="1"/>
-          <p:nvPr/>
-        </p:nvSpPr>
-        <p:spPr>
-          <a:xfrm>
-            <a:off x="1034796" y="5740296"/>
-            <a:ext cx="11402568" cy="369332"/>
-          </a:xfrm>
-          <a:prstGeom prst="rect">
-            <a:avLst/>
-          </a:prstGeom>
-          <a:noFill/>
-        </p:spPr>
-        <p:txBody>
-          <a:bodyPr wrap="square" rtlCol="0">
-            <a:spAutoFit/>
-          </a:bodyPr>
-          <a:lstStyle/>
-          <a:p>
-            <a:r>
-              <a:rPr lang="en-US" dirty="0"/>
-              <a:t>This network traffic typically uses UDP, while the malicious traffic almost always comes over TCP.</a:t>
-            </a:r>
-          </a:p>
-        </p:txBody>
-      </p:sp>
-    </p:spTree>
-    <p:extLst>
-      <p:ext uri="{BB962C8B-B14F-4D97-AF65-F5344CB8AC3E}">
-        <p14:creationId xmlns:p14="http://schemas.microsoft.com/office/powerpoint/2010/main" val="2057067485"/>
       </p:ext>
     </p:extLst>
   </p:cSld>
@@ -5786,10 +6744,10 @@
       </p:grpSpPr>
       <p:pic>
         <p:nvPicPr>
-          <p:cNvPr id="3" name="Picture 2" descr="A green and blue bar graph&#10;&#10;Description automatically generated">
-            <a:extLst>
-              <a:ext uri="{FF2B5EF4-FFF2-40B4-BE49-F238E27FC236}">
-                <a16:creationId xmlns:a16="http://schemas.microsoft.com/office/drawing/2014/main" id="{522099FF-8098-F4B2-3F36-A248A56E082D}"/>
+          <p:cNvPr id="3" name="Picture 2" descr="A screenshot of a graph&#10;&#10;Description automatically generated">
+            <a:extLst>
+              <a:ext uri="{FF2B5EF4-FFF2-40B4-BE49-F238E27FC236}">
+                <a16:creationId xmlns:a16="http://schemas.microsoft.com/office/drawing/2014/main" id="{CF38A32D-B412-56B1-15AE-82CD4098A9D2}"/>
               </a:ext>
             </a:extLst>
           </p:cNvPr>
@@ -5812,8 +6770,8 @@
         </p:blipFill>
         <p:spPr>
           <a:xfrm>
-            <a:off x="2168644" y="868675"/>
-            <a:ext cx="7854712" cy="5120650"/>
+            <a:off x="1307691" y="698007"/>
+            <a:ext cx="9061505" cy="5042289"/>
           </a:xfrm>
           <a:prstGeom prst="rect">
             <a:avLst/>
@@ -5825,7 +6783,7 @@
           <p:cNvPr id="4" name="TextBox 3">
             <a:extLst>
               <a:ext uri="{FF2B5EF4-FFF2-40B4-BE49-F238E27FC236}">
-                <a16:creationId xmlns:a16="http://schemas.microsoft.com/office/drawing/2014/main" id="{86CE8543-3EA0-424F-4401-8930EF42694E}"/>
+                <a16:creationId xmlns:a16="http://schemas.microsoft.com/office/drawing/2014/main" id="{A12B2E20-FC2A-4256-EB50-C49C2B2C74C2}"/>
               </a:ext>
             </a:extLst>
           </p:cNvPr>
@@ -5851,7 +6809,42 @@
             <a:pPr algn="r"/>
             <a:r>
               <a:rPr lang="en-US" sz="3200" dirty="0"/>
-              <a:t>Benign Traffic - Protocol</a:t>
+              <a:t>All Traffic – Protocol Use</a:t>
+            </a:r>
+          </a:p>
+        </p:txBody>
+      </p:sp>
+      <p:sp>
+        <p:nvSpPr>
+          <p:cNvPr id="6" name="TextBox 5">
+            <a:extLst>
+              <a:ext uri="{FF2B5EF4-FFF2-40B4-BE49-F238E27FC236}">
+                <a16:creationId xmlns:a16="http://schemas.microsoft.com/office/drawing/2014/main" id="{86B1DA74-7043-6A59-40AE-DA2FF8DC0D8D}"/>
+              </a:ext>
+            </a:extLst>
+          </p:cNvPr>
+          <p:cNvSpPr txBox="1"/>
+          <p:nvPr/>
+        </p:nvSpPr>
+        <p:spPr>
+          <a:xfrm>
+            <a:off x="1034796" y="5740296"/>
+            <a:ext cx="11402568" cy="369332"/>
+          </a:xfrm>
+          <a:prstGeom prst="rect">
+            <a:avLst/>
+          </a:prstGeom>
+          <a:noFill/>
+        </p:spPr>
+        <p:txBody>
+          <a:bodyPr wrap="square" rtlCol="0">
+            <a:spAutoFit/>
+          </a:bodyPr>
+          <a:lstStyle/>
+          <a:p>
+            <a:r>
+              <a:rPr lang="en-US" dirty="0"/>
+              <a:t>This network traffic typically uses UDP, while the malicious traffic almost always comes over TCP.</a:t>
             </a:r>
           </a:p>
         </p:txBody>
@@ -5859,7 +6852,7 @@
     </p:spTree>
     <p:extLst>
       <p:ext uri="{BB962C8B-B14F-4D97-AF65-F5344CB8AC3E}">
-        <p14:creationId xmlns:p14="http://schemas.microsoft.com/office/powerpoint/2010/main" val="3926141449"/>
+        <p14:creationId xmlns:p14="http://schemas.microsoft.com/office/powerpoint/2010/main" val="2057067485"/>
       </p:ext>
     </p:extLst>
   </p:cSld>
@@ -5901,10 +6894,10 @@
       </p:grpSpPr>
       <p:pic>
         <p:nvPicPr>
-          <p:cNvPr id="3" name="Picture 2" descr="A blue rectangular graph with text&#10;&#10;Description automatically generated">
-            <a:extLst>
-              <a:ext uri="{FF2B5EF4-FFF2-40B4-BE49-F238E27FC236}">
-                <a16:creationId xmlns:a16="http://schemas.microsoft.com/office/drawing/2014/main" id="{28F99F70-E489-B5AB-D1A4-95D3E8720BB0}"/>
+          <p:cNvPr id="3" name="Picture 2" descr="A green and blue bar graph&#10;&#10;Description automatically generated">
+            <a:extLst>
+              <a:ext uri="{FF2B5EF4-FFF2-40B4-BE49-F238E27FC236}">
+                <a16:creationId xmlns:a16="http://schemas.microsoft.com/office/drawing/2014/main" id="{522099FF-8098-F4B2-3F36-A248A56E082D}"/>
               </a:ext>
             </a:extLst>
           </p:cNvPr>
@@ -5927,8 +6920,8 @@
         </p:blipFill>
         <p:spPr>
           <a:xfrm>
-            <a:off x="2127496" y="868675"/>
-            <a:ext cx="7937008" cy="5120650"/>
+            <a:off x="2168644" y="868675"/>
+            <a:ext cx="7854712" cy="5120650"/>
           </a:xfrm>
           <a:prstGeom prst="rect">
             <a:avLst/>
@@ -5940,7 +6933,7 @@
           <p:cNvPr id="4" name="TextBox 3">
             <a:extLst>
               <a:ext uri="{FF2B5EF4-FFF2-40B4-BE49-F238E27FC236}">
-                <a16:creationId xmlns:a16="http://schemas.microsoft.com/office/drawing/2014/main" id="{966EEFD9-F97B-D703-C7F7-BFC52B695EE8}"/>
+                <a16:creationId xmlns:a16="http://schemas.microsoft.com/office/drawing/2014/main" id="{86CE8543-3EA0-424F-4401-8930EF42694E}"/>
               </a:ext>
             </a:extLst>
           </p:cNvPr>
@@ -5966,7 +6959,7 @@
             <a:pPr algn="r"/>
             <a:r>
               <a:rPr lang="en-US" sz="3200" dirty="0"/>
-              <a:t>Malicious Traffic Protocol</a:t>
+              <a:t>Benign Traffic - Protocol</a:t>
             </a:r>
           </a:p>
         </p:txBody>
@@ -5974,7 +6967,7 @@
     </p:spTree>
     <p:extLst>
       <p:ext uri="{BB962C8B-B14F-4D97-AF65-F5344CB8AC3E}">
-        <p14:creationId xmlns:p14="http://schemas.microsoft.com/office/powerpoint/2010/main" val="3828460752"/>
+        <p14:creationId xmlns:p14="http://schemas.microsoft.com/office/powerpoint/2010/main" val="3926141449"/>
       </p:ext>
     </p:extLst>
   </p:cSld>
@@ -6016,10 +7009,10 @@
       </p:grpSpPr>
       <p:pic>
         <p:nvPicPr>
-          <p:cNvPr id="3" name="Picture 2" descr="A blue circle with black text&#10;&#10;Description automatically generated">
-            <a:extLst>
-              <a:ext uri="{FF2B5EF4-FFF2-40B4-BE49-F238E27FC236}">
-                <a16:creationId xmlns:a16="http://schemas.microsoft.com/office/drawing/2014/main" id="{D68C9B1C-28FB-28C3-6791-6B3692F12D56}"/>
+          <p:cNvPr id="3" name="Picture 2" descr="A blue rectangular graph with text&#10;&#10;Description automatically generated">
+            <a:extLst>
+              <a:ext uri="{FF2B5EF4-FFF2-40B4-BE49-F238E27FC236}">
+                <a16:creationId xmlns:a16="http://schemas.microsoft.com/office/drawing/2014/main" id="{28F99F70-E489-B5AB-D1A4-95D3E8720BB0}"/>
               </a:ext>
             </a:extLst>
           </p:cNvPr>
@@ -6042,8 +7035,8 @@
         </p:blipFill>
         <p:spPr>
           <a:xfrm>
-            <a:off x="2465825" y="1426460"/>
-            <a:ext cx="7260350" cy="4005080"/>
+            <a:off x="2127496" y="868675"/>
+            <a:ext cx="7937008" cy="5120650"/>
           </a:xfrm>
           <a:prstGeom prst="rect">
             <a:avLst/>
@@ -6055,7 +7048,7 @@
           <p:cNvPr id="4" name="TextBox 3">
             <a:extLst>
               <a:ext uri="{FF2B5EF4-FFF2-40B4-BE49-F238E27FC236}">
-                <a16:creationId xmlns:a16="http://schemas.microsoft.com/office/drawing/2014/main" id="{0CD8AB53-C586-0893-4C0F-83AC5E639000}"/>
+                <a16:creationId xmlns:a16="http://schemas.microsoft.com/office/drawing/2014/main" id="{966EEFD9-F97B-D703-C7F7-BFC52B695EE8}"/>
               </a:ext>
             </a:extLst>
           </p:cNvPr>
@@ -6081,42 +7074,7 @@
             <a:pPr algn="r"/>
             <a:r>
               <a:rPr lang="en-US" sz="3200" dirty="0"/>
-              <a:t>All Traffic – Protocol Use</a:t>
-            </a:r>
-          </a:p>
-        </p:txBody>
-      </p:sp>
-      <p:sp>
-        <p:nvSpPr>
-          <p:cNvPr id="5" name="TextBox 4">
-            <a:extLst>
-              <a:ext uri="{FF2B5EF4-FFF2-40B4-BE49-F238E27FC236}">
-                <a16:creationId xmlns:a16="http://schemas.microsoft.com/office/drawing/2014/main" id="{850F1EF8-69BE-4A1F-2D66-D9A30DE2E4B4}"/>
-              </a:ext>
-            </a:extLst>
-          </p:cNvPr>
-          <p:cNvSpPr txBox="1"/>
-          <p:nvPr/>
-        </p:nvSpPr>
-        <p:spPr>
-          <a:xfrm>
-            <a:off x="2417062" y="5431540"/>
-            <a:ext cx="7357876" cy="369332"/>
-          </a:xfrm>
-          <a:prstGeom prst="rect">
-            <a:avLst/>
-          </a:prstGeom>
-          <a:noFill/>
-        </p:spPr>
-        <p:txBody>
-          <a:bodyPr wrap="square" rtlCol="0">
-            <a:spAutoFit/>
-          </a:bodyPr>
-          <a:lstStyle/>
-          <a:p>
-            <a:r>
-              <a:rPr lang="en-US" dirty="0"/>
-              <a:t>May be wise to limit, if not eliminate, TCP traffic for targeted ICS devices.</a:t>
+              <a:t>Malicious Traffic Protocol</a:t>
             </a:r>
           </a:p>
         </p:txBody>
@@ -6124,7 +7082,7 @@
     </p:spTree>
     <p:extLst>
       <p:ext uri="{BB962C8B-B14F-4D97-AF65-F5344CB8AC3E}">
-        <p14:creationId xmlns:p14="http://schemas.microsoft.com/office/powerpoint/2010/main" val="209897682"/>
+        <p14:creationId xmlns:p14="http://schemas.microsoft.com/office/powerpoint/2010/main" val="3828460752"/>
       </p:ext>
     </p:extLst>
   </p:cSld>
@@ -6166,10 +7124,10 @@
       </p:grpSpPr>
       <p:pic>
         <p:nvPicPr>
-          <p:cNvPr id="3" name="Picture 2" descr="A network graph of the origin and responder ips&#10;&#10;Description automatically generated">
-            <a:extLst>
-              <a:ext uri="{FF2B5EF4-FFF2-40B4-BE49-F238E27FC236}">
-                <a16:creationId xmlns:a16="http://schemas.microsoft.com/office/drawing/2014/main" id="{F60955E7-1333-DD69-392F-A2749C6E9EAB}"/>
+          <p:cNvPr id="3" name="Picture 2" descr="A blue circle with black text&#10;&#10;Description automatically generated">
+            <a:extLst>
+              <a:ext uri="{FF2B5EF4-FFF2-40B4-BE49-F238E27FC236}">
+                <a16:creationId xmlns:a16="http://schemas.microsoft.com/office/drawing/2014/main" id="{D68C9B1C-28FB-28C3-6791-6B3692F12D56}"/>
               </a:ext>
             </a:extLst>
           </p:cNvPr>
@@ -6192,8 +7150,8 @@
         </p:blipFill>
         <p:spPr>
           <a:xfrm>
-            <a:off x="1437123" y="960115"/>
-            <a:ext cx="9317754" cy="4937770"/>
+            <a:off x="2465825" y="1426460"/>
+            <a:ext cx="7260350" cy="4005080"/>
           </a:xfrm>
           <a:prstGeom prst="rect">
             <a:avLst/>
@@ -6205,7 +7163,7 @@
           <p:cNvPr id="4" name="TextBox 3">
             <a:extLst>
               <a:ext uri="{FF2B5EF4-FFF2-40B4-BE49-F238E27FC236}">
-                <a16:creationId xmlns:a16="http://schemas.microsoft.com/office/drawing/2014/main" id="{7F3E1B0E-E635-F3D0-168A-74ED8B812BDB}"/>
+                <a16:creationId xmlns:a16="http://schemas.microsoft.com/office/drawing/2014/main" id="{0CD8AB53-C586-0893-4C0F-83AC5E639000}"/>
               </a:ext>
             </a:extLst>
           </p:cNvPr>
@@ -6231,7 +7189,42 @@
             <a:pPr algn="r"/>
             <a:r>
               <a:rPr lang="en-US" sz="3200" dirty="0"/>
-              <a:t>Data Flow</a:t>
+              <a:t>All Traffic – Protocol Use</a:t>
+            </a:r>
+          </a:p>
+        </p:txBody>
+      </p:sp>
+      <p:sp>
+        <p:nvSpPr>
+          <p:cNvPr id="5" name="TextBox 4">
+            <a:extLst>
+              <a:ext uri="{FF2B5EF4-FFF2-40B4-BE49-F238E27FC236}">
+                <a16:creationId xmlns:a16="http://schemas.microsoft.com/office/drawing/2014/main" id="{850F1EF8-69BE-4A1F-2D66-D9A30DE2E4B4}"/>
+              </a:ext>
+            </a:extLst>
+          </p:cNvPr>
+          <p:cNvSpPr txBox="1"/>
+          <p:nvPr/>
+        </p:nvSpPr>
+        <p:spPr>
+          <a:xfrm>
+            <a:off x="2417062" y="5431540"/>
+            <a:ext cx="7357876" cy="369332"/>
+          </a:xfrm>
+          <a:prstGeom prst="rect">
+            <a:avLst/>
+          </a:prstGeom>
+          <a:noFill/>
+        </p:spPr>
+        <p:txBody>
+          <a:bodyPr wrap="square" rtlCol="0">
+            <a:spAutoFit/>
+          </a:bodyPr>
+          <a:lstStyle/>
+          <a:p>
+            <a:r>
+              <a:rPr lang="en-US" dirty="0"/>
+              <a:t>May be wise to limit, if not eliminate, TCP traffic for targeted ICS devices.</a:t>
             </a:r>
           </a:p>
         </p:txBody>
@@ -6239,7 +7232,7 @@
     </p:spTree>
     <p:extLst>
       <p:ext uri="{BB962C8B-B14F-4D97-AF65-F5344CB8AC3E}">
-        <p14:creationId xmlns:p14="http://schemas.microsoft.com/office/powerpoint/2010/main" val="3240801178"/>
+        <p14:creationId xmlns:p14="http://schemas.microsoft.com/office/powerpoint/2010/main" val="209897682"/>
       </p:ext>
     </p:extLst>
   </p:cSld>
@@ -6279,12 +7272,48 @@
           <a:chExt cx="0" cy="0"/>
         </a:xfrm>
       </p:grpSpPr>
+      <p:pic>
+        <p:nvPicPr>
+          <p:cNvPr id="3" name="Picture 2" descr="A network graph of the origin and responder ips&#10;&#10;Description automatically generated">
+            <a:extLst>
+              <a:ext uri="{FF2B5EF4-FFF2-40B4-BE49-F238E27FC236}">
+                <a16:creationId xmlns:a16="http://schemas.microsoft.com/office/drawing/2014/main" id="{F60955E7-1333-DD69-392F-A2749C6E9EAB}"/>
+              </a:ext>
+            </a:extLst>
+          </p:cNvPr>
+          <p:cNvPicPr>
+            <a:picLocks noChangeAspect="1"/>
+          </p:cNvPicPr>
+          <p:nvPr/>
+        </p:nvPicPr>
+        <p:blipFill>
+          <a:blip r:embed="rId3">
+            <a:extLst>
+              <a:ext uri="{28A0092B-C50C-407E-A947-70E740481C1C}">
+                <a14:useLocalDpi xmlns:a14="http://schemas.microsoft.com/office/drawing/2010/main" val="0"/>
+              </a:ext>
+            </a:extLst>
+          </a:blip>
+          <a:stretch>
+            <a:fillRect/>
+          </a:stretch>
+        </p:blipFill>
+        <p:spPr>
+          <a:xfrm>
+            <a:off x="1437123" y="960115"/>
+            <a:ext cx="9317754" cy="4937770"/>
+          </a:xfrm>
+          <a:prstGeom prst="rect">
+            <a:avLst/>
+          </a:prstGeom>
+        </p:spPr>
+      </p:pic>
       <p:sp>
         <p:nvSpPr>
           <p:cNvPr id="4" name="TextBox 3">
             <a:extLst>
               <a:ext uri="{FF2B5EF4-FFF2-40B4-BE49-F238E27FC236}">
-                <a16:creationId xmlns:a16="http://schemas.microsoft.com/office/drawing/2014/main" id="{0789D89C-CDB4-0E3A-9157-97647D99869B}"/>
+                <a16:creationId xmlns:a16="http://schemas.microsoft.com/office/drawing/2014/main" id="{7F3E1B0E-E635-F3D0-168A-74ED8B812BDB}"/>
               </a:ext>
             </a:extLst>
           </p:cNvPr>
@@ -6310,51 +7339,15 @@
             <a:pPr algn="r"/>
             <a:r>
               <a:rPr lang="en-US" sz="3200" dirty="0"/>
-              <a:t>Targeted IP Addresses</a:t>
-            </a:r>
-          </a:p>
-        </p:txBody>
-      </p:sp>
-      <p:pic>
-        <p:nvPicPr>
-          <p:cNvPr id="5" name="Picture 4" descr="A graph with numbers and a bar">
-            <a:extLst>
-              <a:ext uri="{FF2B5EF4-FFF2-40B4-BE49-F238E27FC236}">
-                <a16:creationId xmlns:a16="http://schemas.microsoft.com/office/drawing/2014/main" id="{58DC8854-B5A1-67D7-8235-71D2CBFD270C}"/>
-              </a:ext>
-            </a:extLst>
-          </p:cNvPr>
-          <p:cNvPicPr>
-            <a:picLocks noChangeAspect="1"/>
-          </p:cNvPicPr>
-          <p:nvPr/>
-        </p:nvPicPr>
-        <p:blipFill>
-          <a:blip r:embed="rId3">
-            <a:extLst>
-              <a:ext uri="{28A0092B-C50C-407E-A947-70E740481C1C}">
-                <a14:useLocalDpi xmlns:a14="http://schemas.microsoft.com/office/drawing/2010/main" val="0"/>
-              </a:ext>
-            </a:extLst>
-          </a:blip>
-          <a:stretch>
-            <a:fillRect/>
-          </a:stretch>
-        </p:blipFill>
-        <p:spPr>
-          <a:xfrm>
-            <a:off x="1834269" y="584775"/>
-            <a:ext cx="8523462" cy="5322254"/>
-          </a:xfrm>
-          <a:prstGeom prst="rect">
-            <a:avLst/>
-          </a:prstGeom>
-        </p:spPr>
-      </p:pic>
+              <a:t>Data Flow</a:t>
+            </a:r>
+          </a:p>
+        </p:txBody>
+      </p:sp>
     </p:spTree>
     <p:extLst>
       <p:ext uri="{BB962C8B-B14F-4D97-AF65-F5344CB8AC3E}">
-        <p14:creationId xmlns:p14="http://schemas.microsoft.com/office/powerpoint/2010/main" val="1146859810"/>
+        <p14:creationId xmlns:p14="http://schemas.microsoft.com/office/powerpoint/2010/main" val="3240801178"/>
       </p:ext>
     </p:extLst>
   </p:cSld>

--- a/Presentation.pptx
+++ b/Presentation.pptx
@@ -3862,11 +3862,13 @@
       <p:bgPr>
         <a:blipFill dpi="0" rotWithShape="1">
           <a:blip r:embed="rId2">
-            <a:alphaModFix amt="60000"/>
+            <a:alphaModFix amt="50000"/>
             <a:lum/>
           </a:blip>
           <a:srcRect/>
-          <a:tile tx="0" ty="0" sx="100000" sy="100000" flip="none" algn="bl"/>
+          <a:stretch>
+            <a:fillRect t="-1000" b="-1000"/>
+          </a:stretch>
         </a:blipFill>
         <a:effectLst/>
       </p:bgPr>
@@ -3903,7 +3905,7 @@
         </p:nvSpPr>
         <p:spPr>
           <a:xfrm>
-            <a:off x="1" y="1600199"/>
+            <a:off x="64655" y="2028825"/>
             <a:ext cx="12062690" cy="1909763"/>
           </a:xfrm>
         </p:spPr>
@@ -3936,7 +3938,12 @@
             <p:ph type="subTitle" idx="1"/>
           </p:nvPr>
         </p:nvSpPr>
-        <p:spPr/>
+        <p:spPr>
+          <a:xfrm>
+            <a:off x="1524000" y="3938588"/>
+            <a:ext cx="9144000" cy="1655762"/>
+          </a:xfrm>
+        </p:spPr>
         <p:txBody>
           <a:bodyPr/>
           <a:lstStyle/>
@@ -3968,11 +3975,13 @@
       <p:bgPr>
         <a:blipFill dpi="0" rotWithShape="1">
           <a:blip r:embed="rId2">
-            <a:alphaModFix amt="60000"/>
+            <a:alphaModFix amt="50000"/>
             <a:lum/>
           </a:blip>
           <a:srcRect/>
-          <a:tile tx="0" ty="0" sx="100000" sy="100000" flip="none" algn="bl"/>
+          <a:stretch>
+            <a:fillRect t="-1000" b="-1000"/>
+          </a:stretch>
         </a:blipFill>
         <a:effectLst/>
       </p:bgPr>
@@ -4083,11 +4092,13 @@
       <p:bgPr>
         <a:blipFill dpi="0" rotWithShape="1">
           <a:blip r:embed="rId2">
-            <a:alphaModFix amt="60000"/>
+            <a:alphaModFix amt="50000"/>
             <a:lum/>
           </a:blip>
           <a:srcRect/>
-          <a:tile tx="0" ty="0" sx="100000" sy="100000" flip="none" algn="bl"/>
+          <a:stretch>
+            <a:fillRect t="-1000" b="-1000"/>
+          </a:stretch>
         </a:blipFill>
         <a:effectLst/>
       </p:bgPr>
@@ -4198,11 +4209,13 @@
       <p:bgPr>
         <a:blipFill dpi="0" rotWithShape="1">
           <a:blip r:embed="rId2">
-            <a:alphaModFix amt="60000"/>
+            <a:alphaModFix amt="50000"/>
             <a:lum/>
           </a:blip>
           <a:srcRect/>
-          <a:tile tx="0" ty="0" sx="100000" sy="100000" flip="none" algn="bl"/>
+          <a:stretch>
+            <a:fillRect t="-1000" b="-1000"/>
+          </a:stretch>
         </a:blipFill>
         <a:effectLst/>
       </p:bgPr>
@@ -4342,11 +4355,13 @@
       <p:bgPr>
         <a:blipFill dpi="0" rotWithShape="1">
           <a:blip r:embed="rId2">
-            <a:alphaModFix amt="60000"/>
+            <a:alphaModFix amt="50000"/>
             <a:lum/>
           </a:blip>
           <a:srcRect/>
-          <a:tile tx="0" ty="0" sx="100000" sy="100000" flip="none" algn="bl"/>
+          <a:stretch>
+            <a:fillRect t="-1000" b="-1000"/>
+          </a:stretch>
         </a:blipFill>
         <a:effectLst/>
       </p:bgPr>
@@ -4457,11 +4472,13 @@
       <p:bgPr>
         <a:blipFill dpi="0" rotWithShape="1">
           <a:blip r:embed="rId2">
-            <a:alphaModFix amt="60000"/>
+            <a:alphaModFix amt="50000"/>
             <a:lum/>
           </a:blip>
           <a:srcRect/>
-          <a:tile tx="0" ty="0" sx="100000" sy="100000" flip="none" algn="bl"/>
+          <a:stretch>
+            <a:fillRect t="-1000" b="-1000"/>
+          </a:stretch>
         </a:blipFill>
         <a:effectLst/>
       </p:bgPr>
@@ -4607,11 +4624,13 @@
       <p:bgPr>
         <a:blipFill dpi="0" rotWithShape="1">
           <a:blip r:embed="rId2">
-            <a:alphaModFix amt="60000"/>
+            <a:alphaModFix amt="50000"/>
             <a:lum/>
           </a:blip>
           <a:srcRect/>
-          <a:tile tx="0" ty="0" sx="100000" sy="100000" flip="none" algn="bl"/>
+          <a:stretch>
+            <a:fillRect t="-1000" b="-1000"/>
+          </a:stretch>
         </a:blipFill>
         <a:effectLst/>
       </p:bgPr>
@@ -4722,11 +4741,13 @@
       <p:bgPr>
         <a:blipFill dpi="0" rotWithShape="1">
           <a:blip r:embed="rId2">
-            <a:alphaModFix amt="60000"/>
+            <a:alphaModFix amt="50000"/>
             <a:lum/>
           </a:blip>
           <a:srcRect/>
-          <a:tile tx="0" ty="0" sx="100000" sy="100000" flip="none" algn="bl"/>
+          <a:stretch>
+            <a:fillRect t="-1000" b="-1000"/>
+          </a:stretch>
         </a:blipFill>
         <a:effectLst/>
       </p:bgPr>
@@ -4837,11 +4858,13 @@
       <p:bgPr>
         <a:blipFill dpi="0" rotWithShape="1">
           <a:blip r:embed="rId2">
-            <a:alphaModFix amt="60000"/>
+            <a:alphaModFix amt="50000"/>
             <a:lum/>
           </a:blip>
           <a:srcRect/>
-          <a:tile tx="0" ty="0" sx="100000" sy="100000" flip="none" algn="bl"/>
+          <a:stretch>
+            <a:fillRect t="-1000" b="-1000"/>
+          </a:stretch>
         </a:blipFill>
         <a:effectLst/>
       </p:bgPr>
@@ -5137,11 +5160,13 @@
       <p:bgPr>
         <a:blipFill dpi="0" rotWithShape="1">
           <a:blip r:embed="rId2">
-            <a:alphaModFix amt="60000"/>
+            <a:alphaModFix amt="50000"/>
             <a:lum/>
           </a:blip>
           <a:srcRect/>
-          <a:tile tx="0" ty="0" sx="100000" sy="100000" flip="none" algn="bl"/>
+          <a:stretch>
+            <a:fillRect t="-1000" b="-1000"/>
+          </a:stretch>
         </a:blipFill>
         <a:effectLst/>
       </p:bgPr>
@@ -5410,8 +5435,8 @@
         </p:nvSpPr>
         <p:spPr>
           <a:xfrm>
-            <a:off x="6039612" y="3608398"/>
-            <a:ext cx="5286375" cy="2031325"/>
+            <a:off x="8620887" y="3609975"/>
+            <a:ext cx="3571113" cy="2031325"/>
           </a:xfrm>
           <a:prstGeom prst="rect">
             <a:avLst/>
@@ -5482,11 +5507,13 @@
       <p:bgPr>
         <a:blipFill dpi="0" rotWithShape="1">
           <a:blip r:embed="rId2">
-            <a:alphaModFix amt="60000"/>
+            <a:alphaModFix amt="50000"/>
             <a:lum/>
           </a:blip>
           <a:srcRect/>
-          <a:tile tx="0" ty="0" sx="100000" sy="100000" flip="none" algn="bl"/>
+          <a:stretch>
+            <a:fillRect t="-1000" b="-1000"/>
+          </a:stretch>
         </a:blipFill>
         <a:effectLst/>
       </p:bgPr>
@@ -5746,11 +5773,13 @@
       <p:bgPr>
         <a:blipFill dpi="0" rotWithShape="1">
           <a:blip r:embed="rId2">
-            <a:alphaModFix amt="60000"/>
+            <a:alphaModFix amt="50000"/>
             <a:lum/>
           </a:blip>
           <a:srcRect/>
-          <a:tile tx="0" ty="0" sx="100000" sy="100000" flip="none" algn="bl"/>
+          <a:stretch>
+            <a:fillRect t="-1000" b="-1000"/>
+          </a:stretch>
         </a:blipFill>
         <a:effectLst/>
       </p:bgPr>
@@ -6206,11 +6235,13 @@
       <p:bgPr>
         <a:blipFill dpi="0" rotWithShape="1">
           <a:blip r:embed="rId3">
-            <a:alphaModFix amt="60000"/>
+            <a:alphaModFix amt="50000"/>
             <a:lum/>
           </a:blip>
           <a:srcRect/>
-          <a:tile tx="0" ty="0" sx="100000" sy="100000" flip="none" algn="bl"/>
+          <a:stretch>
+            <a:fillRect t="-1000" b="-1000"/>
+          </a:stretch>
         </a:blipFill>
         <a:effectLst/>
       </p:bgPr>
@@ -6719,11 +6750,13 @@
       <p:bgPr>
         <a:blipFill dpi="0" rotWithShape="1">
           <a:blip r:embed="rId2">
-            <a:alphaModFix amt="60000"/>
+            <a:alphaModFix amt="50000"/>
             <a:lum/>
           </a:blip>
           <a:srcRect/>
-          <a:tile tx="0" ty="0" sx="100000" sy="100000" flip="none" algn="bl"/>
+          <a:stretch>
+            <a:fillRect t="-1000" b="-1000"/>
+          </a:stretch>
         </a:blipFill>
         <a:effectLst/>
       </p:bgPr>
@@ -6869,11 +6902,13 @@
       <p:bgPr>
         <a:blipFill dpi="0" rotWithShape="1">
           <a:blip r:embed="rId2">
-            <a:alphaModFix amt="60000"/>
+            <a:alphaModFix amt="50000"/>
             <a:lum/>
           </a:blip>
           <a:srcRect/>
-          <a:tile tx="0" ty="0" sx="100000" sy="100000" flip="none" algn="bl"/>
+          <a:stretch>
+            <a:fillRect t="-1000" b="-1000"/>
+          </a:stretch>
         </a:blipFill>
         <a:effectLst/>
       </p:bgPr>
@@ -6984,11 +7019,13 @@
       <p:bgPr>
         <a:blipFill dpi="0" rotWithShape="1">
           <a:blip r:embed="rId2">
-            <a:alphaModFix amt="60000"/>
+            <a:alphaModFix amt="50000"/>
             <a:lum/>
           </a:blip>
           <a:srcRect/>
-          <a:tile tx="0" ty="0" sx="100000" sy="100000" flip="none" algn="bl"/>
+          <a:stretch>
+            <a:fillRect t="-1000" b="-1000"/>
+          </a:stretch>
         </a:blipFill>
         <a:effectLst/>
       </p:bgPr>
@@ -7099,11 +7136,13 @@
       <p:bgPr>
         <a:blipFill dpi="0" rotWithShape="1">
           <a:blip r:embed="rId2">
-            <a:alphaModFix amt="60000"/>
+            <a:alphaModFix amt="50000"/>
             <a:lum/>
           </a:blip>
           <a:srcRect/>
-          <a:tile tx="0" ty="0" sx="100000" sy="100000" flip="none" algn="bl"/>
+          <a:stretch>
+            <a:fillRect t="-1000" b="-1000"/>
+          </a:stretch>
         </a:blipFill>
         <a:effectLst/>
       </p:bgPr>
@@ -7224,7 +7263,7 @@
           <a:p>
             <a:r>
               <a:rPr lang="en-US" dirty="0"/>
-              <a:t>May be wise to limit, if not eliminate, TCP traffic for targeted ICS devices.</a:t>
+              <a:t>May be wise to limit, if not eliminate, TCP traffic for targeted IoT devices.</a:t>
             </a:r>
           </a:p>
         </p:txBody>
@@ -7249,11 +7288,13 @@
       <p:bgPr>
         <a:blipFill dpi="0" rotWithShape="1">
           <a:blip r:embed="rId2">
-            <a:alphaModFix amt="60000"/>
+            <a:alphaModFix amt="50000"/>
             <a:lum/>
           </a:blip>
           <a:srcRect/>
-          <a:tile tx="0" ty="0" sx="100000" sy="100000" flip="none" algn="bl"/>
+          <a:stretch>
+            <a:fillRect t="-1000" b="-1000"/>
+          </a:stretch>
         </a:blipFill>
         <a:effectLst/>
       </p:bgPr>

--- a/Presentation.pptx
+++ b/Presentation.pptx
@@ -5573,7 +5573,7 @@
             </a:r>
           </a:p>
           <a:p>
-            <a:pPr marL="285750" indent="-285750">
+            <a:pPr marL="342900" indent="-342900">
               <a:lnSpc>
                 <a:spcPct val="150000"/>
               </a:lnSpc>
@@ -5586,7 +5586,7 @@
             </a:r>
           </a:p>
           <a:p>
-            <a:pPr marL="285750" indent="-285750">
+            <a:pPr marL="342900" indent="-342900">
               <a:lnSpc>
                 <a:spcPct val="150000"/>
               </a:lnSpc>
@@ -5599,7 +5599,7 @@
             </a:r>
           </a:p>
           <a:p>
-            <a:pPr marL="285750" indent="-285750">
+            <a:pPr marL="342900" indent="-342900">
               <a:lnSpc>
                 <a:spcPct val="150000"/>
               </a:lnSpc>
@@ -5612,7 +5612,7 @@
             </a:r>
           </a:p>
           <a:p>
-            <a:pPr marL="285750" indent="-285750">
+            <a:pPr marL="342900" indent="-342900">
               <a:lnSpc>
                 <a:spcPct val="150000"/>
               </a:lnSpc>
@@ -5625,7 +5625,7 @@
             </a:r>
           </a:p>
           <a:p>
-            <a:pPr marL="285750" indent="-285750">
+            <a:pPr marL="342900" indent="-342900">
               <a:lnSpc>
                 <a:spcPct val="150000"/>
               </a:lnSpc>
@@ -5638,7 +5638,7 @@
             </a:r>
           </a:p>
           <a:p>
-            <a:pPr marL="285750" indent="-285750">
+            <a:pPr marL="342900" indent="-342900">
               <a:lnSpc>
                 <a:spcPct val="150000"/>
               </a:lnSpc>
@@ -5651,7 +5651,7 @@
             </a:r>
           </a:p>
           <a:p>
-            <a:pPr marL="285750" indent="-285750">
+            <a:pPr marL="342900" indent="-342900">
               <a:lnSpc>
                 <a:spcPct val="150000"/>
               </a:lnSpc>
@@ -5664,7 +5664,7 @@
             </a:r>
           </a:p>
           <a:p>
-            <a:pPr marL="285750" indent="-285750">
+            <a:pPr marL="342900" indent="-342900">
               <a:lnSpc>
                 <a:spcPct val="150000"/>
               </a:lnSpc>
@@ -5677,7 +5677,7 @@
             </a:r>
           </a:p>
           <a:p>
-            <a:pPr marL="285750" indent="-285750">
+            <a:pPr marL="342900" indent="-342900">
               <a:lnSpc>
                 <a:spcPct val="150000"/>
               </a:lnSpc>

--- a/Presentation.pptx
+++ b/Presentation.pptx
@@ -5954,21 +5954,12 @@
             </a:r>
           </a:p>
           <a:p>
-            <a:pPr marL="342900" marR="0" lvl="0" indent="-342900" algn="l" defTabSz="914400" rtl="0" eaLnBrk="1" fontAlgn="auto" latinLnBrk="0" hangingPunct="1">
+            <a:pPr marL="800100" lvl="1" indent="-342900">
               <a:lnSpc>
                 <a:spcPct val="150000"/>
               </a:lnSpc>
-              <a:spcBef>
-                <a:spcPts val="0"/>
-              </a:spcBef>
-              <a:spcAft>
-                <a:spcPts val="0"/>
-              </a:spcAft>
-              <a:buClrTx/>
-              <a:buSzTx/>
               <a:buFont typeface="Arial" panose="020B0604020202020204" pitchFamily="34" charset="0"/>
               <a:buChar char="•"/>
-              <a:tabLst/>
               <a:defRPr/>
             </a:pPr>
             <a:r>
@@ -5978,7 +5969,7 @@
                 </a:solidFill>
                 <a:latin typeface="Aptos" panose="02110004020202020204"/>
               </a:rPr>
-              <a:t>	For example: Malicious will equal 1 and benign will equal 0</a:t>
+              <a:t>For example: Malicious will equal 1 and benign will equal 0</a:t>
             </a:r>
           </a:p>
           <a:p>

--- a/Presentation.pptx
+++ b/Presentation.pptx
@@ -3862,7 +3862,7 @@
       <p:bgPr>
         <a:blipFill dpi="0" rotWithShape="1">
           <a:blip r:embed="rId2">
-            <a:alphaModFix amt="50000"/>
+            <a:alphaModFix amt="40000"/>
             <a:lum/>
           </a:blip>
           <a:srcRect/>
@@ -3975,7 +3975,7 @@
       <p:bgPr>
         <a:blipFill dpi="0" rotWithShape="1">
           <a:blip r:embed="rId2">
-            <a:alphaModFix amt="50000"/>
+            <a:alphaModFix amt="40000"/>
             <a:lum/>
           </a:blip>
           <a:srcRect/>
@@ -4092,7 +4092,7 @@
       <p:bgPr>
         <a:blipFill dpi="0" rotWithShape="1">
           <a:blip r:embed="rId2">
-            <a:alphaModFix amt="50000"/>
+            <a:alphaModFix amt="40000"/>
             <a:lum/>
           </a:blip>
           <a:srcRect/>
@@ -4209,7 +4209,7 @@
       <p:bgPr>
         <a:blipFill dpi="0" rotWithShape="1">
           <a:blip r:embed="rId2">
-            <a:alphaModFix amt="50000"/>
+            <a:alphaModFix amt="40000"/>
             <a:lum/>
           </a:blip>
           <a:srcRect/>
@@ -4355,7 +4355,7 @@
       <p:bgPr>
         <a:blipFill dpi="0" rotWithShape="1">
           <a:blip r:embed="rId2">
-            <a:alphaModFix amt="50000"/>
+            <a:alphaModFix amt="40000"/>
             <a:lum/>
           </a:blip>
           <a:srcRect/>
@@ -4472,7 +4472,7 @@
       <p:bgPr>
         <a:blipFill dpi="0" rotWithShape="1">
           <a:blip r:embed="rId2">
-            <a:alphaModFix amt="50000"/>
+            <a:alphaModFix amt="40000"/>
             <a:lum/>
           </a:blip>
           <a:srcRect/>
@@ -4624,7 +4624,7 @@
       <p:bgPr>
         <a:blipFill dpi="0" rotWithShape="1">
           <a:blip r:embed="rId2">
-            <a:alphaModFix amt="50000"/>
+            <a:alphaModFix amt="40000"/>
             <a:lum/>
           </a:blip>
           <a:srcRect/>
@@ -4741,7 +4741,7 @@
       <p:bgPr>
         <a:blipFill dpi="0" rotWithShape="1">
           <a:blip r:embed="rId2">
-            <a:alphaModFix amt="50000"/>
+            <a:alphaModFix amt="40000"/>
             <a:lum/>
           </a:blip>
           <a:srcRect/>
@@ -4858,7 +4858,7 @@
       <p:bgPr>
         <a:blipFill dpi="0" rotWithShape="1">
           <a:blip r:embed="rId2">
-            <a:alphaModFix amt="50000"/>
+            <a:alphaModFix amt="40000"/>
             <a:lum/>
           </a:blip>
           <a:srcRect/>
@@ -5160,7 +5160,7 @@
       <p:bgPr>
         <a:blipFill dpi="0" rotWithShape="1">
           <a:blip r:embed="rId2">
-            <a:alphaModFix amt="50000"/>
+            <a:alphaModFix amt="40000"/>
             <a:lum/>
           </a:blip>
           <a:srcRect/>
@@ -5507,7 +5507,7 @@
       <p:bgPr>
         <a:blipFill dpi="0" rotWithShape="1">
           <a:blip r:embed="rId2">
-            <a:alphaModFix amt="50000"/>
+            <a:alphaModFix amt="40000"/>
             <a:lum/>
           </a:blip>
           <a:srcRect/>
@@ -5773,7 +5773,7 @@
       <p:bgPr>
         <a:blipFill dpi="0" rotWithShape="1">
           <a:blip r:embed="rId2">
-            <a:alphaModFix amt="50000"/>
+            <a:alphaModFix amt="40000"/>
             <a:lum/>
           </a:blip>
           <a:srcRect/>
@@ -6226,7 +6226,7 @@
       <p:bgPr>
         <a:blipFill dpi="0" rotWithShape="1">
           <a:blip r:embed="rId3">
-            <a:alphaModFix amt="50000"/>
+            <a:alphaModFix amt="40000"/>
             <a:lum/>
           </a:blip>
           <a:srcRect/>
@@ -6741,7 +6741,7 @@
       <p:bgPr>
         <a:blipFill dpi="0" rotWithShape="1">
           <a:blip r:embed="rId2">
-            <a:alphaModFix amt="50000"/>
+            <a:alphaModFix amt="40000"/>
             <a:lum/>
           </a:blip>
           <a:srcRect/>
@@ -6893,7 +6893,7 @@
       <p:bgPr>
         <a:blipFill dpi="0" rotWithShape="1">
           <a:blip r:embed="rId2">
-            <a:alphaModFix amt="50000"/>
+            <a:alphaModFix amt="40000"/>
             <a:lum/>
           </a:blip>
           <a:srcRect/>
@@ -7010,7 +7010,7 @@
       <p:bgPr>
         <a:blipFill dpi="0" rotWithShape="1">
           <a:blip r:embed="rId2">
-            <a:alphaModFix amt="50000"/>
+            <a:alphaModFix amt="40000"/>
             <a:lum/>
           </a:blip>
           <a:srcRect/>
@@ -7127,7 +7127,7 @@
       <p:bgPr>
         <a:blipFill dpi="0" rotWithShape="1">
           <a:blip r:embed="rId2">
-            <a:alphaModFix amt="50000"/>
+            <a:alphaModFix amt="40000"/>
             <a:lum/>
           </a:blip>
           <a:srcRect/>
@@ -7279,7 +7279,7 @@
       <p:bgPr>
         <a:blipFill dpi="0" rotWithShape="1">
           <a:blip r:embed="rId2">
-            <a:alphaModFix amt="50000"/>
+            <a:alphaModFix amt="40000"/>
             <a:lum/>
           </a:blip>
           <a:srcRect/>

--- a/Presentation.pptx
+++ b/Presentation.pptx
@@ -6206,6 +6206,36 @@
           </a:p>
         </p:txBody>
       </p:sp>
+      <p:pic>
+        <p:nvPicPr>
+          <p:cNvPr id="5" name="Picture 4">
+            <a:extLst>
+              <a:ext uri="{FF2B5EF4-FFF2-40B4-BE49-F238E27FC236}">
+                <a16:creationId xmlns:a16="http://schemas.microsoft.com/office/drawing/2014/main" id="{0C94BD15-14C5-1374-709E-DCFB412B35BF}"/>
+              </a:ext>
+            </a:extLst>
+          </p:cNvPr>
+          <p:cNvPicPr>
+            <a:picLocks noChangeAspect="1"/>
+          </p:cNvPicPr>
+          <p:nvPr/>
+        </p:nvPicPr>
+        <p:blipFill>
+          <a:blip r:embed="rId3"/>
+          <a:stretch>
+            <a:fillRect/>
+          </a:stretch>
+        </p:blipFill>
+        <p:spPr>
+          <a:xfrm>
+            <a:off x="0" y="5487340"/>
+            <a:ext cx="12192000" cy="1365296"/>
+          </a:xfrm>
+          <a:prstGeom prst="rect">
+            <a:avLst/>
+          </a:prstGeom>
+        </p:spPr>
+      </p:pic>
     </p:spTree>
     <p:extLst>
       <p:ext uri="{BB962C8B-B14F-4D97-AF65-F5344CB8AC3E}">

--- a/Presentation.pptx
+++ b/Presentation.pptx
@@ -12,18 +12,18 @@
     <p:sldId id="268" r:id="rId3"/>
     <p:sldId id="272" r:id="rId4"/>
     <p:sldId id="270" r:id="rId5"/>
-    <p:sldId id="264" r:id="rId6"/>
-    <p:sldId id="263" r:id="rId7"/>
-    <p:sldId id="265" r:id="rId8"/>
-    <p:sldId id="262" r:id="rId9"/>
-    <p:sldId id="261" r:id="rId10"/>
-    <p:sldId id="266" r:id="rId11"/>
-    <p:sldId id="258" r:id="rId12"/>
-    <p:sldId id="271" r:id="rId13"/>
-    <p:sldId id="257" r:id="rId14"/>
-    <p:sldId id="259" r:id="rId15"/>
-    <p:sldId id="260" r:id="rId16"/>
-    <p:sldId id="267" r:id="rId17"/>
+    <p:sldId id="267" r:id="rId6"/>
+    <p:sldId id="264" r:id="rId7"/>
+    <p:sldId id="263" r:id="rId8"/>
+    <p:sldId id="265" r:id="rId9"/>
+    <p:sldId id="262" r:id="rId10"/>
+    <p:sldId id="261" r:id="rId11"/>
+    <p:sldId id="266" r:id="rId12"/>
+    <p:sldId id="258" r:id="rId13"/>
+    <p:sldId id="271" r:id="rId14"/>
+    <p:sldId id="257" r:id="rId15"/>
+    <p:sldId id="259" r:id="rId16"/>
+    <p:sldId id="260" r:id="rId17"/>
     <p:sldId id="269" r:id="rId18"/>
     <p:sldId id="273" r:id="rId19"/>
   </p:sldIdLst>
@@ -4000,12 +4000,48 @@
           <a:chExt cx="0" cy="0"/>
         </a:xfrm>
       </p:grpSpPr>
+      <p:pic>
+        <p:nvPicPr>
+          <p:cNvPr id="3" name="Picture 2" descr="A network graph of the origin and responder ips&#10;&#10;Description automatically generated">
+            <a:extLst>
+              <a:ext uri="{FF2B5EF4-FFF2-40B4-BE49-F238E27FC236}">
+                <a16:creationId xmlns:a16="http://schemas.microsoft.com/office/drawing/2014/main" id="{F60955E7-1333-DD69-392F-A2749C6E9EAB}"/>
+              </a:ext>
+            </a:extLst>
+          </p:cNvPr>
+          <p:cNvPicPr>
+            <a:picLocks noChangeAspect="1"/>
+          </p:cNvPicPr>
+          <p:nvPr/>
+        </p:nvPicPr>
+        <p:blipFill>
+          <a:blip r:embed="rId3">
+            <a:extLst>
+              <a:ext uri="{28A0092B-C50C-407E-A947-70E740481C1C}">
+                <a14:useLocalDpi xmlns:a14="http://schemas.microsoft.com/office/drawing/2010/main" val="0"/>
+              </a:ext>
+            </a:extLst>
+          </a:blip>
+          <a:stretch>
+            <a:fillRect/>
+          </a:stretch>
+        </p:blipFill>
+        <p:spPr>
+          <a:xfrm>
+            <a:off x="1437123" y="960115"/>
+            <a:ext cx="9317754" cy="4937770"/>
+          </a:xfrm>
+          <a:prstGeom prst="rect">
+            <a:avLst/>
+          </a:prstGeom>
+        </p:spPr>
+      </p:pic>
       <p:sp>
         <p:nvSpPr>
           <p:cNvPr id="4" name="TextBox 3">
             <a:extLst>
               <a:ext uri="{FF2B5EF4-FFF2-40B4-BE49-F238E27FC236}">
-                <a16:creationId xmlns:a16="http://schemas.microsoft.com/office/drawing/2014/main" id="{0789D89C-CDB4-0E3A-9157-97647D99869B}"/>
+                <a16:creationId xmlns:a16="http://schemas.microsoft.com/office/drawing/2014/main" id="{7F3E1B0E-E635-F3D0-168A-74ED8B812BDB}"/>
               </a:ext>
             </a:extLst>
           </p:cNvPr>
@@ -4031,51 +4067,15 @@
             <a:pPr algn="r"/>
             <a:r>
               <a:rPr lang="en-US" sz="3200" dirty="0"/>
-              <a:t>Targeted IP Addresses</a:t>
-            </a:r>
-          </a:p>
-        </p:txBody>
-      </p:sp>
-      <p:pic>
-        <p:nvPicPr>
-          <p:cNvPr id="5" name="Picture 4" descr="A graph with numbers and a bar">
-            <a:extLst>
-              <a:ext uri="{FF2B5EF4-FFF2-40B4-BE49-F238E27FC236}">
-                <a16:creationId xmlns:a16="http://schemas.microsoft.com/office/drawing/2014/main" id="{58DC8854-B5A1-67D7-8235-71D2CBFD270C}"/>
-              </a:ext>
-            </a:extLst>
-          </p:cNvPr>
-          <p:cNvPicPr>
-            <a:picLocks noChangeAspect="1"/>
-          </p:cNvPicPr>
-          <p:nvPr/>
-        </p:nvPicPr>
-        <p:blipFill>
-          <a:blip r:embed="rId3">
-            <a:extLst>
-              <a:ext uri="{28A0092B-C50C-407E-A947-70E740481C1C}">
-                <a14:useLocalDpi xmlns:a14="http://schemas.microsoft.com/office/drawing/2010/main" val="0"/>
-              </a:ext>
-            </a:extLst>
-          </a:blip>
-          <a:stretch>
-            <a:fillRect/>
-          </a:stretch>
-        </p:blipFill>
-        <p:spPr>
-          <a:xfrm>
-            <a:off x="1834269" y="584775"/>
-            <a:ext cx="8523462" cy="5322254"/>
-          </a:xfrm>
-          <a:prstGeom prst="rect">
-            <a:avLst/>
-          </a:prstGeom>
-        </p:spPr>
-      </p:pic>
+              <a:t>Data Flow</a:t>
+            </a:r>
+          </a:p>
+        </p:txBody>
+      </p:sp>
     </p:spTree>
     <p:extLst>
       <p:ext uri="{BB962C8B-B14F-4D97-AF65-F5344CB8AC3E}">
-        <p14:creationId xmlns:p14="http://schemas.microsoft.com/office/powerpoint/2010/main" val="1146859810"/>
+        <p14:creationId xmlns:p14="http://schemas.microsoft.com/office/powerpoint/2010/main" val="3240801178"/>
       </p:ext>
     </p:extLst>
   </p:cSld>
@@ -4117,48 +4117,12 @@
           <a:chExt cx="0" cy="0"/>
         </a:xfrm>
       </p:grpSpPr>
-      <p:pic>
-        <p:nvPicPr>
-          <p:cNvPr id="11" name="Picture 10" descr="A screen shot of a graph&#10;&#10;Description automatically generated">
-            <a:extLst>
-              <a:ext uri="{FF2B5EF4-FFF2-40B4-BE49-F238E27FC236}">
-                <a16:creationId xmlns:a16="http://schemas.microsoft.com/office/drawing/2014/main" id="{3EF94B1B-AE61-D475-45C7-C999BD101ECC}"/>
-              </a:ext>
-            </a:extLst>
-          </p:cNvPr>
-          <p:cNvPicPr>
-            <a:picLocks noChangeAspect="1"/>
-          </p:cNvPicPr>
-          <p:nvPr/>
-        </p:nvPicPr>
-        <p:blipFill>
-          <a:blip r:embed="rId3">
-            <a:extLst>
-              <a:ext uri="{28A0092B-C50C-407E-A947-70E740481C1C}">
-                <a14:useLocalDpi xmlns:a14="http://schemas.microsoft.com/office/drawing/2010/main" val="0"/>
-              </a:ext>
-            </a:extLst>
-          </a:blip>
-          <a:stretch>
-            <a:fillRect/>
-          </a:stretch>
-        </p:blipFill>
-        <p:spPr>
-          <a:xfrm>
-            <a:off x="1692293" y="584775"/>
-            <a:ext cx="8807413" cy="4849258"/>
-          </a:xfrm>
-          <a:prstGeom prst="rect">
-            <a:avLst/>
-          </a:prstGeom>
-        </p:spPr>
-      </p:pic>
-      <p:sp>
-        <p:nvSpPr>
-          <p:cNvPr id="12" name="TextBox 11">
-            <a:extLst>
-              <a:ext uri="{FF2B5EF4-FFF2-40B4-BE49-F238E27FC236}">
-                <a16:creationId xmlns:a16="http://schemas.microsoft.com/office/drawing/2014/main" id="{E4C1EA69-5187-11FE-7413-A1D24A036776}"/>
+      <p:sp>
+        <p:nvSpPr>
+          <p:cNvPr id="4" name="TextBox 3">
+            <a:extLst>
+              <a:ext uri="{FF2B5EF4-FFF2-40B4-BE49-F238E27FC236}">
+                <a16:creationId xmlns:a16="http://schemas.microsoft.com/office/drawing/2014/main" id="{0789D89C-CDB4-0E3A-9157-97647D99869B}"/>
               </a:ext>
             </a:extLst>
           </p:cNvPr>
@@ -4184,15 +4148,51 @@
             <a:pPr algn="r"/>
             <a:r>
               <a:rPr lang="en-US" sz="3200" dirty="0"/>
-              <a:t>Time on Network per Event</a:t>
-            </a:r>
-          </a:p>
-        </p:txBody>
-      </p:sp>
+              <a:t>Targeted IP Addresses</a:t>
+            </a:r>
+          </a:p>
+        </p:txBody>
+      </p:sp>
+      <p:pic>
+        <p:nvPicPr>
+          <p:cNvPr id="5" name="Picture 4" descr="A graph with numbers and a bar">
+            <a:extLst>
+              <a:ext uri="{FF2B5EF4-FFF2-40B4-BE49-F238E27FC236}">
+                <a16:creationId xmlns:a16="http://schemas.microsoft.com/office/drawing/2014/main" id="{58DC8854-B5A1-67D7-8235-71D2CBFD270C}"/>
+              </a:ext>
+            </a:extLst>
+          </p:cNvPr>
+          <p:cNvPicPr>
+            <a:picLocks noChangeAspect="1"/>
+          </p:cNvPicPr>
+          <p:nvPr/>
+        </p:nvPicPr>
+        <p:blipFill>
+          <a:blip r:embed="rId3">
+            <a:extLst>
+              <a:ext uri="{28A0092B-C50C-407E-A947-70E740481C1C}">
+                <a14:useLocalDpi xmlns:a14="http://schemas.microsoft.com/office/drawing/2010/main" val="0"/>
+              </a:ext>
+            </a:extLst>
+          </a:blip>
+          <a:stretch>
+            <a:fillRect/>
+          </a:stretch>
+        </p:blipFill>
+        <p:spPr>
+          <a:xfrm>
+            <a:off x="1834269" y="584775"/>
+            <a:ext cx="8523462" cy="5322254"/>
+          </a:xfrm>
+          <a:prstGeom prst="rect">
+            <a:avLst/>
+          </a:prstGeom>
+        </p:spPr>
+      </p:pic>
     </p:spTree>
     <p:extLst>
       <p:ext uri="{BB962C8B-B14F-4D97-AF65-F5344CB8AC3E}">
-        <p14:creationId xmlns:p14="http://schemas.microsoft.com/office/powerpoint/2010/main" val="4292689424"/>
+        <p14:creationId xmlns:p14="http://schemas.microsoft.com/office/powerpoint/2010/main" val="1146859810"/>
       </p:ext>
     </p:extLst>
   </p:cSld>
@@ -4234,12 +4234,48 @@
           <a:chExt cx="0" cy="0"/>
         </a:xfrm>
       </p:grpSpPr>
-      <p:sp>
-        <p:nvSpPr>
-          <p:cNvPr id="4" name="TextBox 3">
-            <a:extLst>
-              <a:ext uri="{FF2B5EF4-FFF2-40B4-BE49-F238E27FC236}">
-                <a16:creationId xmlns:a16="http://schemas.microsoft.com/office/drawing/2014/main" id="{A12B2E20-FC2A-4256-EB50-C49C2B2C74C2}"/>
+      <p:pic>
+        <p:nvPicPr>
+          <p:cNvPr id="11" name="Picture 10" descr="A screen shot of a graph&#10;&#10;Description automatically generated">
+            <a:extLst>
+              <a:ext uri="{FF2B5EF4-FFF2-40B4-BE49-F238E27FC236}">
+                <a16:creationId xmlns:a16="http://schemas.microsoft.com/office/drawing/2014/main" id="{3EF94B1B-AE61-D475-45C7-C999BD101ECC}"/>
+              </a:ext>
+            </a:extLst>
+          </p:cNvPr>
+          <p:cNvPicPr>
+            <a:picLocks noChangeAspect="1"/>
+          </p:cNvPicPr>
+          <p:nvPr/>
+        </p:nvPicPr>
+        <p:blipFill>
+          <a:blip r:embed="rId3">
+            <a:extLst>
+              <a:ext uri="{28A0092B-C50C-407E-A947-70E740481C1C}">
+                <a14:useLocalDpi xmlns:a14="http://schemas.microsoft.com/office/drawing/2010/main" val="0"/>
+              </a:ext>
+            </a:extLst>
+          </a:blip>
+          <a:stretch>
+            <a:fillRect/>
+          </a:stretch>
+        </p:blipFill>
+        <p:spPr>
+          <a:xfrm>
+            <a:off x="1692293" y="584775"/>
+            <a:ext cx="8807413" cy="4849258"/>
+          </a:xfrm>
+          <a:prstGeom prst="rect">
+            <a:avLst/>
+          </a:prstGeom>
+        </p:spPr>
+      </p:pic>
+      <p:sp>
+        <p:nvSpPr>
+          <p:cNvPr id="12" name="TextBox 11">
+            <a:extLst>
+              <a:ext uri="{FF2B5EF4-FFF2-40B4-BE49-F238E27FC236}">
+                <a16:creationId xmlns:a16="http://schemas.microsoft.com/office/drawing/2014/main" id="{E4C1EA69-5187-11FE-7413-A1D24A036776}"/>
               </a:ext>
             </a:extLst>
           </p:cNvPr>
@@ -4262,83 +4298,18 @@
           </a:bodyPr>
           <a:lstStyle/>
           <a:p>
-            <a:pPr marL="0" marR="0" lvl="0" indent="0" algn="r" defTabSz="914400" rtl="0" eaLnBrk="1" fontAlgn="auto" latinLnBrk="0" hangingPunct="1">
-              <a:lnSpc>
-                <a:spcPct val="100000"/>
-              </a:lnSpc>
-              <a:spcBef>
-                <a:spcPts val="0"/>
-              </a:spcBef>
-              <a:spcAft>
-                <a:spcPts val="0"/>
-              </a:spcAft>
-              <a:buClrTx/>
-              <a:buSzTx/>
-              <a:buFontTx/>
-              <a:buNone/>
-              <a:tabLst/>
-              <a:defRPr/>
-            </a:pPr>
-            <a:r>
-              <a:rPr kumimoji="0" lang="en-US" sz="3200" b="0" i="0" u="none" strike="noStrike" kern="1200" cap="none" spc="0" normalizeH="0" baseline="0" noProof="0" dirty="0">
-                <a:ln>
-                  <a:noFill/>
-                </a:ln>
-                <a:solidFill>
-                  <a:prstClr val="black"/>
-                </a:solidFill>
-                <a:effectLst/>
-                <a:uLnTx/>
-                <a:uFillTx/>
-                <a:latin typeface="Aptos" panose="02110004020202020204"/>
-                <a:ea typeface="+mn-ea"/>
-                <a:cs typeface="+mn-cs"/>
-              </a:rPr>
-              <a:t>IP of 13 Hour Event</a:t>
-            </a:r>
-          </a:p>
-        </p:txBody>
-      </p:sp>
-      <p:pic>
-        <p:nvPicPr>
-          <p:cNvPr id="5" name="Picture 4" descr="A screen shot of a graph">
-            <a:extLst>
-              <a:ext uri="{FF2B5EF4-FFF2-40B4-BE49-F238E27FC236}">
-                <a16:creationId xmlns:a16="http://schemas.microsoft.com/office/drawing/2014/main" id="{6CFB35BC-DB86-1BF0-21FF-A77E7B6498B7}"/>
-              </a:ext>
-            </a:extLst>
-          </p:cNvPr>
-          <p:cNvPicPr>
-            <a:picLocks noChangeAspect="1"/>
-          </p:cNvPicPr>
-          <p:nvPr/>
-        </p:nvPicPr>
-        <p:blipFill>
-          <a:blip r:embed="rId3">
-            <a:extLst>
-              <a:ext uri="{28A0092B-C50C-407E-A947-70E740481C1C}">
-                <a14:useLocalDpi xmlns:a14="http://schemas.microsoft.com/office/drawing/2010/main" val="0"/>
-              </a:ext>
-            </a:extLst>
-          </a:blip>
-          <a:stretch>
-            <a:fillRect/>
-          </a:stretch>
-        </p:blipFill>
-        <p:spPr>
-          <a:xfrm>
-            <a:off x="1592839" y="584775"/>
-            <a:ext cx="9006322" cy="4958775"/>
-          </a:xfrm>
-          <a:prstGeom prst="rect">
-            <a:avLst/>
-          </a:prstGeom>
-        </p:spPr>
-      </p:pic>
+            <a:pPr algn="r"/>
+            <a:r>
+              <a:rPr lang="en-US" sz="3200" dirty="0"/>
+              <a:t>Time on Network per Event</a:t>
+            </a:r>
+          </a:p>
+        </p:txBody>
+      </p:sp>
     </p:spTree>
     <p:extLst>
       <p:ext uri="{BB962C8B-B14F-4D97-AF65-F5344CB8AC3E}">
-        <p14:creationId xmlns:p14="http://schemas.microsoft.com/office/powerpoint/2010/main" val="230164717"/>
+        <p14:creationId xmlns:p14="http://schemas.microsoft.com/office/powerpoint/2010/main" val="4292689424"/>
       </p:ext>
     </p:extLst>
   </p:cSld>
@@ -4380,48 +4351,12 @@
           <a:chExt cx="0" cy="0"/>
         </a:xfrm>
       </p:grpSpPr>
-      <p:pic>
-        <p:nvPicPr>
-          <p:cNvPr id="9" name="Picture 8" descr="A graph of a number of people&#10;&#10;Description automatically generated">
-            <a:extLst>
-              <a:ext uri="{FF2B5EF4-FFF2-40B4-BE49-F238E27FC236}">
-                <a16:creationId xmlns:a16="http://schemas.microsoft.com/office/drawing/2014/main" id="{ECDF3599-9922-4F6B-6420-804F98475DAC}"/>
-              </a:ext>
-            </a:extLst>
-          </p:cNvPr>
-          <p:cNvPicPr>
-            <a:picLocks noChangeAspect="1"/>
-          </p:cNvPicPr>
-          <p:nvPr/>
-        </p:nvPicPr>
-        <p:blipFill>
-          <a:blip r:embed="rId3">
-            <a:extLst>
-              <a:ext uri="{28A0092B-C50C-407E-A947-70E740481C1C}">
-                <a14:useLocalDpi xmlns:a14="http://schemas.microsoft.com/office/drawing/2010/main" val="0"/>
-              </a:ext>
-            </a:extLst>
-          </a:blip>
-          <a:stretch>
-            <a:fillRect/>
-          </a:stretch>
-        </p:blipFill>
-        <p:spPr>
-          <a:xfrm>
-            <a:off x="2127496" y="1108211"/>
-            <a:ext cx="7937008" cy="4279400"/>
-          </a:xfrm>
-          <a:prstGeom prst="rect">
-            <a:avLst/>
-          </a:prstGeom>
-        </p:spPr>
-      </p:pic>
-      <p:sp>
-        <p:nvSpPr>
-          <p:cNvPr id="10" name="TextBox 9">
-            <a:extLst>
-              <a:ext uri="{FF2B5EF4-FFF2-40B4-BE49-F238E27FC236}">
-                <a16:creationId xmlns:a16="http://schemas.microsoft.com/office/drawing/2014/main" id="{9E13141A-741B-7438-5901-6334A090B175}"/>
+      <p:sp>
+        <p:nvSpPr>
+          <p:cNvPr id="4" name="TextBox 3">
+            <a:extLst>
+              <a:ext uri="{FF2B5EF4-FFF2-40B4-BE49-F238E27FC236}">
+                <a16:creationId xmlns:a16="http://schemas.microsoft.com/office/drawing/2014/main" id="{A12B2E20-FC2A-4256-EB50-C49C2B2C74C2}"/>
               </a:ext>
             </a:extLst>
           </p:cNvPr>
@@ -4444,18 +4379,83 @@
           </a:bodyPr>
           <a:lstStyle/>
           <a:p>
-            <a:pPr algn="r"/>
-            <a:r>
-              <a:rPr lang="en-US" sz="3200" dirty="0"/>
-              <a:t>Connection States</a:t>
-            </a:r>
-          </a:p>
-        </p:txBody>
-      </p:sp>
+            <a:pPr marL="0" marR="0" lvl="0" indent="0" algn="r" defTabSz="914400" rtl="0" eaLnBrk="1" fontAlgn="auto" latinLnBrk="0" hangingPunct="1">
+              <a:lnSpc>
+                <a:spcPct val="100000"/>
+              </a:lnSpc>
+              <a:spcBef>
+                <a:spcPts val="0"/>
+              </a:spcBef>
+              <a:spcAft>
+                <a:spcPts val="0"/>
+              </a:spcAft>
+              <a:buClrTx/>
+              <a:buSzTx/>
+              <a:buFontTx/>
+              <a:buNone/>
+              <a:tabLst/>
+              <a:defRPr/>
+            </a:pPr>
+            <a:r>
+              <a:rPr kumimoji="0" lang="en-US" sz="3200" b="0" i="0" u="none" strike="noStrike" kern="1200" cap="none" spc="0" normalizeH="0" baseline="0" noProof="0" dirty="0">
+                <a:ln>
+                  <a:noFill/>
+                </a:ln>
+                <a:solidFill>
+                  <a:prstClr val="black"/>
+                </a:solidFill>
+                <a:effectLst/>
+                <a:uLnTx/>
+                <a:uFillTx/>
+                <a:latin typeface="Aptos" panose="02110004020202020204"/>
+                <a:ea typeface="+mn-ea"/>
+                <a:cs typeface="+mn-cs"/>
+              </a:rPr>
+              <a:t>IP of 13 Hour Event</a:t>
+            </a:r>
+          </a:p>
+        </p:txBody>
+      </p:sp>
+      <p:pic>
+        <p:nvPicPr>
+          <p:cNvPr id="5" name="Picture 4" descr="A screen shot of a graph">
+            <a:extLst>
+              <a:ext uri="{FF2B5EF4-FFF2-40B4-BE49-F238E27FC236}">
+                <a16:creationId xmlns:a16="http://schemas.microsoft.com/office/drawing/2014/main" id="{6CFB35BC-DB86-1BF0-21FF-A77E7B6498B7}"/>
+              </a:ext>
+            </a:extLst>
+          </p:cNvPr>
+          <p:cNvPicPr>
+            <a:picLocks noChangeAspect="1"/>
+          </p:cNvPicPr>
+          <p:nvPr/>
+        </p:nvPicPr>
+        <p:blipFill>
+          <a:blip r:embed="rId3">
+            <a:extLst>
+              <a:ext uri="{28A0092B-C50C-407E-A947-70E740481C1C}">
+                <a14:useLocalDpi xmlns:a14="http://schemas.microsoft.com/office/drawing/2010/main" val="0"/>
+              </a:ext>
+            </a:extLst>
+          </a:blip>
+          <a:stretch>
+            <a:fillRect/>
+          </a:stretch>
+        </p:blipFill>
+        <p:spPr>
+          <a:xfrm>
+            <a:off x="1592839" y="584775"/>
+            <a:ext cx="9006322" cy="4958775"/>
+          </a:xfrm>
+          <a:prstGeom prst="rect">
+            <a:avLst/>
+          </a:prstGeom>
+        </p:spPr>
+      </p:pic>
     </p:spTree>
     <p:extLst>
       <p:ext uri="{BB962C8B-B14F-4D97-AF65-F5344CB8AC3E}">
-        <p14:creationId xmlns:p14="http://schemas.microsoft.com/office/powerpoint/2010/main" val="4093397396"/>
+        <p14:creationId xmlns:p14="http://schemas.microsoft.com/office/powerpoint/2010/main" val="230164717"/>
       </p:ext>
     </p:extLst>
   </p:cSld>
@@ -4499,10 +4499,10 @@
       </p:grpSpPr>
       <p:pic>
         <p:nvPicPr>
-          <p:cNvPr id="9" name="Picture 8" descr="A screen shot of a graph&#10;&#10;Description automatically generated">
-            <a:extLst>
-              <a:ext uri="{FF2B5EF4-FFF2-40B4-BE49-F238E27FC236}">
-                <a16:creationId xmlns:a16="http://schemas.microsoft.com/office/drawing/2014/main" id="{12FBFF7E-9285-254D-06A0-1473404786C2}"/>
+          <p:cNvPr id="9" name="Picture 8" descr="A graph of a number of people&#10;&#10;Description automatically generated">
+            <a:extLst>
+              <a:ext uri="{FF2B5EF4-FFF2-40B4-BE49-F238E27FC236}">
+                <a16:creationId xmlns:a16="http://schemas.microsoft.com/office/drawing/2014/main" id="{ECDF3599-9922-4F6B-6420-804F98475DAC}"/>
               </a:ext>
             </a:extLst>
           </p:cNvPr>
@@ -4525,7 +4525,7 @@
         </p:blipFill>
         <p:spPr>
           <a:xfrm>
-            <a:off x="2127496" y="1289300"/>
+            <a:off x="2127496" y="1108211"/>
             <a:ext cx="7937008" cy="4279400"/>
           </a:xfrm>
           <a:prstGeom prst="rect">
@@ -4538,7 +4538,7 @@
           <p:cNvPr id="10" name="TextBox 9">
             <a:extLst>
               <a:ext uri="{FF2B5EF4-FFF2-40B4-BE49-F238E27FC236}">
-                <a16:creationId xmlns:a16="http://schemas.microsoft.com/office/drawing/2014/main" id="{9006C6B3-9430-70CB-F7FD-E05698FD41AB}"/>
+                <a16:creationId xmlns:a16="http://schemas.microsoft.com/office/drawing/2014/main" id="{9E13141A-741B-7438-5901-6334A090B175}"/>
               </a:ext>
             </a:extLst>
           </p:cNvPr>
@@ -4564,42 +4564,7 @@
             <a:pPr algn="r"/>
             <a:r>
               <a:rPr lang="en-US" sz="3200" dirty="0"/>
-              <a:t>Amount of Data from Origin</a:t>
-            </a:r>
-          </a:p>
-        </p:txBody>
-      </p:sp>
-      <p:sp>
-        <p:nvSpPr>
-          <p:cNvPr id="2" name="TextBox 1">
-            <a:extLst>
-              <a:ext uri="{FF2B5EF4-FFF2-40B4-BE49-F238E27FC236}">
-                <a16:creationId xmlns:a16="http://schemas.microsoft.com/office/drawing/2014/main" id="{47432CE9-D12A-56F0-6A60-36D79314D529}"/>
-              </a:ext>
-            </a:extLst>
-          </p:cNvPr>
-          <p:cNvSpPr txBox="1"/>
-          <p:nvPr/>
-        </p:nvSpPr>
-        <p:spPr>
-          <a:xfrm>
-            <a:off x="1200150" y="5568700"/>
-            <a:ext cx="9791700" cy="369332"/>
-          </a:xfrm>
-          <a:prstGeom prst="rect">
-            <a:avLst/>
-          </a:prstGeom>
-          <a:noFill/>
-        </p:spPr>
-        <p:txBody>
-          <a:bodyPr wrap="square" rtlCol="0">
-            <a:spAutoFit/>
-          </a:bodyPr>
-          <a:lstStyle/>
-          <a:p>
-            <a:r>
-              <a:rPr lang="en-US" dirty="0"/>
-              <a:t>The 72.05 MB event is targeting IP 74.91.117.248 and is the only time this IP is seen in the IDS data.</a:t>
+              <a:t>Connection States</a:t>
             </a:r>
           </a:p>
         </p:txBody>
@@ -4607,7 +4572,7 @@
     </p:spTree>
     <p:extLst>
       <p:ext uri="{BB962C8B-B14F-4D97-AF65-F5344CB8AC3E}">
-        <p14:creationId xmlns:p14="http://schemas.microsoft.com/office/powerpoint/2010/main" val="1625971353"/>
+        <p14:creationId xmlns:p14="http://schemas.microsoft.com/office/powerpoint/2010/main" val="4093397396"/>
       </p:ext>
     </p:extLst>
   </p:cSld>
@@ -4651,10 +4616,10 @@
       </p:grpSpPr>
       <p:pic>
         <p:nvPicPr>
-          <p:cNvPr id="3" name="Picture 2" descr="A screen shot of a graph&#10;&#10;Description automatically generated">
-            <a:extLst>
-              <a:ext uri="{FF2B5EF4-FFF2-40B4-BE49-F238E27FC236}">
-                <a16:creationId xmlns:a16="http://schemas.microsoft.com/office/drawing/2014/main" id="{DDD7EEFD-1122-97D8-B7D8-D920D5917250}"/>
+          <p:cNvPr id="9" name="Picture 8" descr="A screen shot of a graph&#10;&#10;Description automatically generated">
+            <a:extLst>
+              <a:ext uri="{FF2B5EF4-FFF2-40B4-BE49-F238E27FC236}">
+                <a16:creationId xmlns:a16="http://schemas.microsoft.com/office/drawing/2014/main" id="{12FBFF7E-9285-254D-06A0-1473404786C2}"/>
               </a:ext>
             </a:extLst>
           </p:cNvPr>
@@ -4677,8 +4642,8 @@
         </p:blipFill>
         <p:spPr>
           <a:xfrm>
-            <a:off x="2093591" y="584775"/>
-            <a:ext cx="8004818" cy="4381584"/>
+            <a:off x="2127496" y="1289300"/>
+            <a:ext cx="7937008" cy="4279400"/>
           </a:xfrm>
           <a:prstGeom prst="rect">
             <a:avLst/>
@@ -4687,10 +4652,10 @@
       </p:pic>
       <p:sp>
         <p:nvSpPr>
-          <p:cNvPr id="4" name="TextBox 3">
-            <a:extLst>
-              <a:ext uri="{FF2B5EF4-FFF2-40B4-BE49-F238E27FC236}">
-                <a16:creationId xmlns:a16="http://schemas.microsoft.com/office/drawing/2014/main" id="{FC5E9211-37FD-FDB4-5D18-F8F5F04399B6}"/>
+          <p:cNvPr id="10" name="TextBox 9">
+            <a:extLst>
+              <a:ext uri="{FF2B5EF4-FFF2-40B4-BE49-F238E27FC236}">
+                <a16:creationId xmlns:a16="http://schemas.microsoft.com/office/drawing/2014/main" id="{9006C6B3-9430-70CB-F7FD-E05698FD41AB}"/>
               </a:ext>
             </a:extLst>
           </p:cNvPr>
@@ -4716,7 +4681,42 @@
             <a:pPr algn="r"/>
             <a:r>
               <a:rPr lang="en-US" sz="3200" dirty="0"/>
-              <a:t>Data Sent</a:t>
+              <a:t>Amount of Data from Origin</a:t>
+            </a:r>
+          </a:p>
+        </p:txBody>
+      </p:sp>
+      <p:sp>
+        <p:nvSpPr>
+          <p:cNvPr id="2" name="TextBox 1">
+            <a:extLst>
+              <a:ext uri="{FF2B5EF4-FFF2-40B4-BE49-F238E27FC236}">
+                <a16:creationId xmlns:a16="http://schemas.microsoft.com/office/drawing/2014/main" id="{47432CE9-D12A-56F0-6A60-36D79314D529}"/>
+              </a:ext>
+            </a:extLst>
+          </p:cNvPr>
+          <p:cNvSpPr txBox="1"/>
+          <p:nvPr/>
+        </p:nvSpPr>
+        <p:spPr>
+          <a:xfrm>
+            <a:off x="1200150" y="5568700"/>
+            <a:ext cx="9791700" cy="369332"/>
+          </a:xfrm>
+          <a:prstGeom prst="rect">
+            <a:avLst/>
+          </a:prstGeom>
+          <a:noFill/>
+        </p:spPr>
+        <p:txBody>
+          <a:bodyPr wrap="square" rtlCol="0">
+            <a:spAutoFit/>
+          </a:bodyPr>
+          <a:lstStyle/>
+          <a:p>
+            <a:r>
+              <a:rPr lang="en-US" dirty="0"/>
+              <a:t>The 72.05 MB event is targeting IP 74.91.117.248 and is the only time this IP is seen in the IDS data.</a:t>
             </a:r>
           </a:p>
         </p:txBody>
@@ -4724,7 +4724,7 @@
     </p:spTree>
     <p:extLst>
       <p:ext uri="{BB962C8B-B14F-4D97-AF65-F5344CB8AC3E}">
-        <p14:creationId xmlns:p14="http://schemas.microsoft.com/office/powerpoint/2010/main" val="4238325430"/>
+        <p14:creationId xmlns:p14="http://schemas.microsoft.com/office/powerpoint/2010/main" val="1625971353"/>
       </p:ext>
     </p:extLst>
   </p:cSld>
@@ -4735,7 +4735,7 @@
 </file>
 
 <file path=ppt/slides/slide16.xml><?xml version="1.0" encoding="utf-8"?>
-<p:sld xmlns:a="http://schemas.openxmlformats.org/drawingml/2006/main" xmlns:r="http://schemas.openxmlformats.org/officeDocument/2006/relationships" xmlns:p="http://schemas.openxmlformats.org/presentationml/2006/main" show="0">
+<p:sld xmlns:a="http://schemas.openxmlformats.org/drawingml/2006/main" xmlns:r="http://schemas.openxmlformats.org/officeDocument/2006/relationships" xmlns:p="http://schemas.openxmlformats.org/presentationml/2006/main">
   <p:cSld>
     <p:bg>
       <p:bgPr>
@@ -4768,10 +4768,10 @@
       </p:grpSpPr>
       <p:pic>
         <p:nvPicPr>
-          <p:cNvPr id="3" name="Picture 2" descr="A blue and red triangle with black text&#10;&#10;Description automatically generated">
-            <a:extLst>
-              <a:ext uri="{FF2B5EF4-FFF2-40B4-BE49-F238E27FC236}">
-                <a16:creationId xmlns:a16="http://schemas.microsoft.com/office/drawing/2014/main" id="{0205A250-5A65-925B-C053-D0E5F46A09D2}"/>
+          <p:cNvPr id="3" name="Picture 2" descr="A screen shot of a graph&#10;&#10;Description automatically generated">
+            <a:extLst>
+              <a:ext uri="{FF2B5EF4-FFF2-40B4-BE49-F238E27FC236}">
+                <a16:creationId xmlns:a16="http://schemas.microsoft.com/office/drawing/2014/main" id="{DDD7EEFD-1122-97D8-B7D8-D920D5917250}"/>
               </a:ext>
             </a:extLst>
           </p:cNvPr>
@@ -4794,8 +4794,8 @@
         </p:blipFill>
         <p:spPr>
           <a:xfrm>
-            <a:off x="1435607" y="584775"/>
-            <a:ext cx="8249421" cy="6096297"/>
+            <a:off x="2093591" y="584775"/>
+            <a:ext cx="8004818" cy="4381584"/>
           </a:xfrm>
           <a:prstGeom prst="rect">
             <a:avLst/>
@@ -4807,7 +4807,7 @@
           <p:cNvPr id="4" name="TextBox 3">
             <a:extLst>
               <a:ext uri="{FF2B5EF4-FFF2-40B4-BE49-F238E27FC236}">
-                <a16:creationId xmlns:a16="http://schemas.microsoft.com/office/drawing/2014/main" id="{43D7442B-C35C-FE87-F727-D0012A58A167}"/>
+                <a16:creationId xmlns:a16="http://schemas.microsoft.com/office/drawing/2014/main" id="{FC5E9211-37FD-FDB4-5D18-F8F5F04399B6}"/>
               </a:ext>
             </a:extLst>
           </p:cNvPr>
@@ -4833,7 +4833,7 @@
             <a:pPr algn="r"/>
             <a:r>
               <a:rPr lang="en-US" sz="3200" dirty="0"/>
-              <a:t>IDS Network Traffic</a:t>
+              <a:t>Data Sent</a:t>
             </a:r>
           </a:p>
         </p:txBody>
@@ -4841,7 +4841,7 @@
     </p:spTree>
     <p:extLst>
       <p:ext uri="{BB962C8B-B14F-4D97-AF65-F5344CB8AC3E}">
-        <p14:creationId xmlns:p14="http://schemas.microsoft.com/office/powerpoint/2010/main" val="2982330851"/>
+        <p14:creationId xmlns:p14="http://schemas.microsoft.com/office/powerpoint/2010/main" val="4238325430"/>
       </p:ext>
     </p:extLst>
   </p:cSld>
@@ -6798,10 +6798,10 @@
       </p:grpSpPr>
       <p:pic>
         <p:nvPicPr>
-          <p:cNvPr id="3" name="Picture 2" descr="A screenshot of a graph&#10;&#10;Description automatically generated">
-            <a:extLst>
-              <a:ext uri="{FF2B5EF4-FFF2-40B4-BE49-F238E27FC236}">
-                <a16:creationId xmlns:a16="http://schemas.microsoft.com/office/drawing/2014/main" id="{CF38A32D-B412-56B1-15AE-82CD4098A9D2}"/>
+          <p:cNvPr id="3" name="Picture 2" descr="A blue and red triangle with black text&#10;&#10;Description automatically generated">
+            <a:extLst>
+              <a:ext uri="{FF2B5EF4-FFF2-40B4-BE49-F238E27FC236}">
+                <a16:creationId xmlns:a16="http://schemas.microsoft.com/office/drawing/2014/main" id="{0205A250-5A65-925B-C053-D0E5F46A09D2}"/>
               </a:ext>
             </a:extLst>
           </p:cNvPr>
@@ -6824,8 +6824,8 @@
         </p:blipFill>
         <p:spPr>
           <a:xfrm>
-            <a:off x="1307691" y="698007"/>
-            <a:ext cx="9061505" cy="5042289"/>
+            <a:off x="1435607" y="584775"/>
+            <a:ext cx="8249421" cy="6096297"/>
           </a:xfrm>
           <a:prstGeom prst="rect">
             <a:avLst/>
@@ -6837,7 +6837,7 @@
           <p:cNvPr id="4" name="TextBox 3">
             <a:extLst>
               <a:ext uri="{FF2B5EF4-FFF2-40B4-BE49-F238E27FC236}">
-                <a16:creationId xmlns:a16="http://schemas.microsoft.com/office/drawing/2014/main" id="{A12B2E20-FC2A-4256-EB50-C49C2B2C74C2}"/>
+                <a16:creationId xmlns:a16="http://schemas.microsoft.com/office/drawing/2014/main" id="{43D7442B-C35C-FE87-F727-D0012A58A167}"/>
               </a:ext>
             </a:extLst>
           </p:cNvPr>
@@ -6863,50 +6863,67 @@
             <a:pPr algn="r"/>
             <a:r>
               <a:rPr lang="en-US" sz="3200" dirty="0"/>
-              <a:t>All Traffic – Protocol Use</a:t>
-            </a:r>
-          </a:p>
-        </p:txBody>
-      </p:sp>
-      <p:sp>
-        <p:nvSpPr>
-          <p:cNvPr id="6" name="TextBox 5">
-            <a:extLst>
-              <a:ext uri="{FF2B5EF4-FFF2-40B4-BE49-F238E27FC236}">
-                <a16:creationId xmlns:a16="http://schemas.microsoft.com/office/drawing/2014/main" id="{86B1DA74-7043-6A59-40AE-DA2FF8DC0D8D}"/>
-              </a:ext>
-            </a:extLst>
-          </p:cNvPr>
-          <p:cNvSpPr txBox="1"/>
+              <a:t>IDS Network Traffic</a:t>
+            </a:r>
+          </a:p>
+        </p:txBody>
+      </p:sp>
+      <p:sp>
+        <p:nvSpPr>
+          <p:cNvPr id="2" name="Oval 1">
+            <a:extLst>
+              <a:ext uri="{FF2B5EF4-FFF2-40B4-BE49-F238E27FC236}">
+                <a16:creationId xmlns:a16="http://schemas.microsoft.com/office/drawing/2014/main" id="{A920E684-1B01-CF28-F454-7945F3E718AC}"/>
+              </a:ext>
+            </a:extLst>
+          </p:cNvPr>
+          <p:cNvSpPr/>
           <p:nvPr/>
         </p:nvSpPr>
         <p:spPr>
           <a:xfrm>
-            <a:off x="1034796" y="5740296"/>
-            <a:ext cx="11402568" cy="369332"/>
+            <a:off x="3257550" y="5219700"/>
+            <a:ext cx="885825" cy="819150"/>
           </a:xfrm>
-          <a:prstGeom prst="rect">
+          <a:prstGeom prst="ellipse">
             <a:avLst/>
           </a:prstGeom>
           <a:noFill/>
+          <a:ln w="28575">
+            <a:solidFill>
+              <a:srgbClr val="FF0000"/>
+            </a:solidFill>
+          </a:ln>
         </p:spPr>
-        <p:txBody>
-          <a:bodyPr wrap="square" rtlCol="0">
-            <a:spAutoFit/>
-          </a:bodyPr>
+        <p:style>
+          <a:lnRef idx="2">
+            <a:schemeClr val="accent1">
+              <a:shade val="15000"/>
+            </a:schemeClr>
+          </a:lnRef>
+          <a:fillRef idx="1">
+            <a:schemeClr val="accent1"/>
+          </a:fillRef>
+          <a:effectRef idx="0">
+            <a:schemeClr val="accent1"/>
+          </a:effectRef>
+          <a:fontRef idx="minor">
+            <a:schemeClr val="lt1"/>
+          </a:fontRef>
+        </p:style>
+        <p:txBody>
+          <a:bodyPr rtlCol="0" anchor="ctr"/>
           <a:lstStyle/>
           <a:p>
-            <a:r>
-              <a:rPr lang="en-US" dirty="0"/>
-              <a:t>This network traffic typically uses UDP, while the malicious traffic almost always comes over TCP.</a:t>
-            </a:r>
+            <a:pPr algn="ctr"/>
+            <a:endParaRPr lang="en-US"/>
           </a:p>
         </p:txBody>
       </p:sp>
     </p:spTree>
     <p:extLst>
       <p:ext uri="{BB962C8B-B14F-4D97-AF65-F5344CB8AC3E}">
-        <p14:creationId xmlns:p14="http://schemas.microsoft.com/office/powerpoint/2010/main" val="2057067485"/>
+        <p14:creationId xmlns:p14="http://schemas.microsoft.com/office/powerpoint/2010/main" val="2982330851"/>
       </p:ext>
     </p:extLst>
   </p:cSld>
@@ -6950,10 +6967,10 @@
       </p:grpSpPr>
       <p:pic>
         <p:nvPicPr>
-          <p:cNvPr id="3" name="Picture 2" descr="A green and blue bar graph&#10;&#10;Description automatically generated">
-            <a:extLst>
-              <a:ext uri="{FF2B5EF4-FFF2-40B4-BE49-F238E27FC236}">
-                <a16:creationId xmlns:a16="http://schemas.microsoft.com/office/drawing/2014/main" id="{522099FF-8098-F4B2-3F36-A248A56E082D}"/>
+          <p:cNvPr id="3" name="Picture 2" descr="A screenshot of a graph&#10;&#10;Description automatically generated">
+            <a:extLst>
+              <a:ext uri="{FF2B5EF4-FFF2-40B4-BE49-F238E27FC236}">
+                <a16:creationId xmlns:a16="http://schemas.microsoft.com/office/drawing/2014/main" id="{CF38A32D-B412-56B1-15AE-82CD4098A9D2}"/>
               </a:ext>
             </a:extLst>
           </p:cNvPr>
@@ -6976,8 +6993,8 @@
         </p:blipFill>
         <p:spPr>
           <a:xfrm>
-            <a:off x="2168644" y="868675"/>
-            <a:ext cx="7854712" cy="5120650"/>
+            <a:off x="1307691" y="698007"/>
+            <a:ext cx="9061505" cy="5042289"/>
           </a:xfrm>
           <a:prstGeom prst="rect">
             <a:avLst/>
@@ -6989,7 +7006,7 @@
           <p:cNvPr id="4" name="TextBox 3">
             <a:extLst>
               <a:ext uri="{FF2B5EF4-FFF2-40B4-BE49-F238E27FC236}">
-                <a16:creationId xmlns:a16="http://schemas.microsoft.com/office/drawing/2014/main" id="{86CE8543-3EA0-424F-4401-8930EF42694E}"/>
+                <a16:creationId xmlns:a16="http://schemas.microsoft.com/office/drawing/2014/main" id="{A12B2E20-FC2A-4256-EB50-C49C2B2C74C2}"/>
               </a:ext>
             </a:extLst>
           </p:cNvPr>
@@ -7015,7 +7032,42 @@
             <a:pPr algn="r"/>
             <a:r>
               <a:rPr lang="en-US" sz="3200" dirty="0"/>
-              <a:t>Benign Traffic - Protocol</a:t>
+              <a:t>All Traffic – Protocol Use</a:t>
+            </a:r>
+          </a:p>
+        </p:txBody>
+      </p:sp>
+      <p:sp>
+        <p:nvSpPr>
+          <p:cNvPr id="6" name="TextBox 5">
+            <a:extLst>
+              <a:ext uri="{FF2B5EF4-FFF2-40B4-BE49-F238E27FC236}">
+                <a16:creationId xmlns:a16="http://schemas.microsoft.com/office/drawing/2014/main" id="{86B1DA74-7043-6A59-40AE-DA2FF8DC0D8D}"/>
+              </a:ext>
+            </a:extLst>
+          </p:cNvPr>
+          <p:cNvSpPr txBox="1"/>
+          <p:nvPr/>
+        </p:nvSpPr>
+        <p:spPr>
+          <a:xfrm>
+            <a:off x="1034796" y="5740296"/>
+            <a:ext cx="11402568" cy="369332"/>
+          </a:xfrm>
+          <a:prstGeom prst="rect">
+            <a:avLst/>
+          </a:prstGeom>
+          <a:noFill/>
+        </p:spPr>
+        <p:txBody>
+          <a:bodyPr wrap="square" rtlCol="0">
+            <a:spAutoFit/>
+          </a:bodyPr>
+          <a:lstStyle/>
+          <a:p>
+            <a:r>
+              <a:rPr lang="en-US" dirty="0"/>
+              <a:t>This network traffic typically uses UDP, while the malicious traffic almost always comes over TCP.</a:t>
             </a:r>
           </a:p>
         </p:txBody>
@@ -7023,7 +7075,7 @@
     </p:spTree>
     <p:extLst>
       <p:ext uri="{BB962C8B-B14F-4D97-AF65-F5344CB8AC3E}">
-        <p14:creationId xmlns:p14="http://schemas.microsoft.com/office/powerpoint/2010/main" val="3926141449"/>
+        <p14:creationId xmlns:p14="http://schemas.microsoft.com/office/powerpoint/2010/main" val="2057067485"/>
       </p:ext>
     </p:extLst>
   </p:cSld>
@@ -7067,10 +7119,10 @@
       </p:grpSpPr>
       <p:pic>
         <p:nvPicPr>
-          <p:cNvPr id="3" name="Picture 2" descr="A blue rectangular graph with text&#10;&#10;Description automatically generated">
-            <a:extLst>
-              <a:ext uri="{FF2B5EF4-FFF2-40B4-BE49-F238E27FC236}">
-                <a16:creationId xmlns:a16="http://schemas.microsoft.com/office/drawing/2014/main" id="{28F99F70-E489-B5AB-D1A4-95D3E8720BB0}"/>
+          <p:cNvPr id="3" name="Picture 2" descr="A green and blue bar graph&#10;&#10;Description automatically generated">
+            <a:extLst>
+              <a:ext uri="{FF2B5EF4-FFF2-40B4-BE49-F238E27FC236}">
+                <a16:creationId xmlns:a16="http://schemas.microsoft.com/office/drawing/2014/main" id="{522099FF-8098-F4B2-3F36-A248A56E082D}"/>
               </a:ext>
             </a:extLst>
           </p:cNvPr>
@@ -7093,8 +7145,8 @@
         </p:blipFill>
         <p:spPr>
           <a:xfrm>
-            <a:off x="2127496" y="868675"/>
-            <a:ext cx="7937008" cy="5120650"/>
+            <a:off x="2168644" y="868675"/>
+            <a:ext cx="7854712" cy="5120650"/>
           </a:xfrm>
           <a:prstGeom prst="rect">
             <a:avLst/>
@@ -7106,7 +7158,7 @@
           <p:cNvPr id="4" name="TextBox 3">
             <a:extLst>
               <a:ext uri="{FF2B5EF4-FFF2-40B4-BE49-F238E27FC236}">
-                <a16:creationId xmlns:a16="http://schemas.microsoft.com/office/drawing/2014/main" id="{966EEFD9-F97B-D703-C7F7-BFC52B695EE8}"/>
+                <a16:creationId xmlns:a16="http://schemas.microsoft.com/office/drawing/2014/main" id="{86CE8543-3EA0-424F-4401-8930EF42694E}"/>
               </a:ext>
             </a:extLst>
           </p:cNvPr>
@@ -7132,7 +7184,7 @@
             <a:pPr algn="r"/>
             <a:r>
               <a:rPr lang="en-US" sz="3200" dirty="0"/>
-              <a:t>Malicious Traffic Protocol</a:t>
+              <a:t>Benign Traffic - Protocol</a:t>
             </a:r>
           </a:p>
         </p:txBody>
@@ -7140,7 +7192,7 @@
     </p:spTree>
     <p:extLst>
       <p:ext uri="{BB962C8B-B14F-4D97-AF65-F5344CB8AC3E}">
-        <p14:creationId xmlns:p14="http://schemas.microsoft.com/office/powerpoint/2010/main" val="3828460752"/>
+        <p14:creationId xmlns:p14="http://schemas.microsoft.com/office/powerpoint/2010/main" val="3926141449"/>
       </p:ext>
     </p:extLst>
   </p:cSld>
@@ -7184,10 +7236,10 @@
       </p:grpSpPr>
       <p:pic>
         <p:nvPicPr>
-          <p:cNvPr id="3" name="Picture 2" descr="A blue circle with black text&#10;&#10;Description automatically generated">
-            <a:extLst>
-              <a:ext uri="{FF2B5EF4-FFF2-40B4-BE49-F238E27FC236}">
-                <a16:creationId xmlns:a16="http://schemas.microsoft.com/office/drawing/2014/main" id="{D68C9B1C-28FB-28C3-6791-6B3692F12D56}"/>
+          <p:cNvPr id="3" name="Picture 2" descr="A blue rectangular graph with text&#10;&#10;Description automatically generated">
+            <a:extLst>
+              <a:ext uri="{FF2B5EF4-FFF2-40B4-BE49-F238E27FC236}">
+                <a16:creationId xmlns:a16="http://schemas.microsoft.com/office/drawing/2014/main" id="{28F99F70-E489-B5AB-D1A4-95D3E8720BB0}"/>
               </a:ext>
             </a:extLst>
           </p:cNvPr>
@@ -7210,8 +7262,8 @@
         </p:blipFill>
         <p:spPr>
           <a:xfrm>
-            <a:off x="2465825" y="1426460"/>
-            <a:ext cx="7260350" cy="4005080"/>
+            <a:off x="2127496" y="868675"/>
+            <a:ext cx="7937008" cy="5120650"/>
           </a:xfrm>
           <a:prstGeom prst="rect">
             <a:avLst/>
@@ -7223,7 +7275,7 @@
           <p:cNvPr id="4" name="TextBox 3">
             <a:extLst>
               <a:ext uri="{FF2B5EF4-FFF2-40B4-BE49-F238E27FC236}">
-                <a16:creationId xmlns:a16="http://schemas.microsoft.com/office/drawing/2014/main" id="{0CD8AB53-C586-0893-4C0F-83AC5E639000}"/>
+                <a16:creationId xmlns:a16="http://schemas.microsoft.com/office/drawing/2014/main" id="{966EEFD9-F97B-D703-C7F7-BFC52B695EE8}"/>
               </a:ext>
             </a:extLst>
           </p:cNvPr>
@@ -7249,42 +7301,7 @@
             <a:pPr algn="r"/>
             <a:r>
               <a:rPr lang="en-US" sz="3200" dirty="0"/>
-              <a:t>All Traffic – Protocol Use</a:t>
-            </a:r>
-          </a:p>
-        </p:txBody>
-      </p:sp>
-      <p:sp>
-        <p:nvSpPr>
-          <p:cNvPr id="5" name="TextBox 4">
-            <a:extLst>
-              <a:ext uri="{FF2B5EF4-FFF2-40B4-BE49-F238E27FC236}">
-                <a16:creationId xmlns:a16="http://schemas.microsoft.com/office/drawing/2014/main" id="{850F1EF8-69BE-4A1F-2D66-D9A30DE2E4B4}"/>
-              </a:ext>
-            </a:extLst>
-          </p:cNvPr>
-          <p:cNvSpPr txBox="1"/>
-          <p:nvPr/>
-        </p:nvSpPr>
-        <p:spPr>
-          <a:xfrm>
-            <a:off x="2417062" y="5431540"/>
-            <a:ext cx="7357876" cy="369332"/>
-          </a:xfrm>
-          <a:prstGeom prst="rect">
-            <a:avLst/>
-          </a:prstGeom>
-          <a:noFill/>
-        </p:spPr>
-        <p:txBody>
-          <a:bodyPr wrap="square" rtlCol="0">
-            <a:spAutoFit/>
-          </a:bodyPr>
-          <a:lstStyle/>
-          <a:p>
-            <a:r>
-              <a:rPr lang="en-US" dirty="0"/>
-              <a:t>May be wise to limit, if not eliminate, TCP traffic for targeted IoT devices.</a:t>
+              <a:t>Malicious Traffic Protocol</a:t>
             </a:r>
           </a:p>
         </p:txBody>
@@ -7292,7 +7309,7 @@
     </p:spTree>
     <p:extLst>
       <p:ext uri="{BB962C8B-B14F-4D97-AF65-F5344CB8AC3E}">
-        <p14:creationId xmlns:p14="http://schemas.microsoft.com/office/powerpoint/2010/main" val="209897682"/>
+        <p14:creationId xmlns:p14="http://schemas.microsoft.com/office/powerpoint/2010/main" val="3828460752"/>
       </p:ext>
     </p:extLst>
   </p:cSld>
@@ -7336,10 +7353,10 @@
       </p:grpSpPr>
       <p:pic>
         <p:nvPicPr>
-          <p:cNvPr id="3" name="Picture 2" descr="A network graph of the origin and responder ips&#10;&#10;Description automatically generated">
-            <a:extLst>
-              <a:ext uri="{FF2B5EF4-FFF2-40B4-BE49-F238E27FC236}">
-                <a16:creationId xmlns:a16="http://schemas.microsoft.com/office/drawing/2014/main" id="{F60955E7-1333-DD69-392F-A2749C6E9EAB}"/>
+          <p:cNvPr id="3" name="Picture 2" descr="A blue circle with black text&#10;&#10;Description automatically generated">
+            <a:extLst>
+              <a:ext uri="{FF2B5EF4-FFF2-40B4-BE49-F238E27FC236}">
+                <a16:creationId xmlns:a16="http://schemas.microsoft.com/office/drawing/2014/main" id="{D68C9B1C-28FB-28C3-6791-6B3692F12D56}"/>
               </a:ext>
             </a:extLst>
           </p:cNvPr>
@@ -7362,8 +7379,8 @@
         </p:blipFill>
         <p:spPr>
           <a:xfrm>
-            <a:off x="1437123" y="960115"/>
-            <a:ext cx="9317754" cy="4937770"/>
+            <a:off x="2465825" y="1426460"/>
+            <a:ext cx="7260350" cy="4005080"/>
           </a:xfrm>
           <a:prstGeom prst="rect">
             <a:avLst/>
@@ -7375,7 +7392,7 @@
           <p:cNvPr id="4" name="TextBox 3">
             <a:extLst>
               <a:ext uri="{FF2B5EF4-FFF2-40B4-BE49-F238E27FC236}">
-                <a16:creationId xmlns:a16="http://schemas.microsoft.com/office/drawing/2014/main" id="{7F3E1B0E-E635-F3D0-168A-74ED8B812BDB}"/>
+                <a16:creationId xmlns:a16="http://schemas.microsoft.com/office/drawing/2014/main" id="{0CD8AB53-C586-0893-4C0F-83AC5E639000}"/>
               </a:ext>
             </a:extLst>
           </p:cNvPr>
@@ -7401,7 +7418,42 @@
             <a:pPr algn="r"/>
             <a:r>
               <a:rPr lang="en-US" sz="3200" dirty="0"/>
-              <a:t>Data Flow</a:t>
+              <a:t>All Traffic – Protocol Use</a:t>
+            </a:r>
+          </a:p>
+        </p:txBody>
+      </p:sp>
+      <p:sp>
+        <p:nvSpPr>
+          <p:cNvPr id="5" name="TextBox 4">
+            <a:extLst>
+              <a:ext uri="{FF2B5EF4-FFF2-40B4-BE49-F238E27FC236}">
+                <a16:creationId xmlns:a16="http://schemas.microsoft.com/office/drawing/2014/main" id="{850F1EF8-69BE-4A1F-2D66-D9A30DE2E4B4}"/>
+              </a:ext>
+            </a:extLst>
+          </p:cNvPr>
+          <p:cNvSpPr txBox="1"/>
+          <p:nvPr/>
+        </p:nvSpPr>
+        <p:spPr>
+          <a:xfrm>
+            <a:off x="2417062" y="5431540"/>
+            <a:ext cx="7357876" cy="369332"/>
+          </a:xfrm>
+          <a:prstGeom prst="rect">
+            <a:avLst/>
+          </a:prstGeom>
+          <a:noFill/>
+        </p:spPr>
+        <p:txBody>
+          <a:bodyPr wrap="square" rtlCol="0">
+            <a:spAutoFit/>
+          </a:bodyPr>
+          <a:lstStyle/>
+          <a:p>
+            <a:r>
+              <a:rPr lang="en-US" dirty="0"/>
+              <a:t>May be wise to limit, if not eliminate, TCP traffic for targeted IoT devices.</a:t>
             </a:r>
           </a:p>
         </p:txBody>
@@ -7409,7 +7461,7 @@
     </p:spTree>
     <p:extLst>
       <p:ext uri="{BB962C8B-B14F-4D97-AF65-F5344CB8AC3E}">
-        <p14:creationId xmlns:p14="http://schemas.microsoft.com/office/powerpoint/2010/main" val="3240801178"/>
+        <p14:creationId xmlns:p14="http://schemas.microsoft.com/office/powerpoint/2010/main" val="209897682"/>
       </p:ext>
     </p:extLst>
   </p:cSld>

--- a/Presentation.pptx
+++ b/Presentation.pptx
@@ -7086,7 +7086,7 @@
 </file>
 
 <file path=ppt/slides/slide7.xml><?xml version="1.0" encoding="utf-8"?>
-<p:sld xmlns:a="http://schemas.openxmlformats.org/drawingml/2006/main" xmlns:r="http://schemas.openxmlformats.org/officeDocument/2006/relationships" xmlns:p="http://schemas.openxmlformats.org/presentationml/2006/main">
+<p:sld xmlns:a="http://schemas.openxmlformats.org/drawingml/2006/main" xmlns:r="http://schemas.openxmlformats.org/officeDocument/2006/relationships" xmlns:p="http://schemas.openxmlformats.org/presentationml/2006/main" show="0">
   <p:cSld>
     <p:bg>
       <p:bgPr>
@@ -7203,7 +7203,7 @@
 </file>
 
 <file path=ppt/slides/slide8.xml><?xml version="1.0" encoding="utf-8"?>
-<p:sld xmlns:a="http://schemas.openxmlformats.org/drawingml/2006/main" xmlns:r="http://schemas.openxmlformats.org/officeDocument/2006/relationships" xmlns:p="http://schemas.openxmlformats.org/presentationml/2006/main">
+<p:sld xmlns:a="http://schemas.openxmlformats.org/drawingml/2006/main" xmlns:r="http://schemas.openxmlformats.org/officeDocument/2006/relationships" xmlns:p="http://schemas.openxmlformats.org/presentationml/2006/main" show="0">
   <p:cSld>
     <p:bg>
       <p:bgPr>

--- a/Presentation.pptx
+++ b/Presentation.pptx
@@ -5395,9 +5395,10 @@
               <a:rPr lang="en-US" dirty="0"/>
             </a:br>
             <a:r>
-              <a:rPr lang="en-US" dirty="0"/>
-              <a:t>network</a:t>
-            </a:r>
+              <a:rPr lang="en-US" dirty="0" err="1"/>
+              <a:t>networkx</a:t>
+            </a:r>
+            <a:endParaRPr lang="en-US" dirty="0"/>
           </a:p>
           <a:p>
             <a:r>
@@ -5501,7 +5502,7 @@
 </file>
 
 <file path=ppt/slides/slide2.xml><?xml version="1.0" encoding="utf-8"?>
-<p:sld xmlns:a="http://schemas.openxmlformats.org/drawingml/2006/main" xmlns:r="http://schemas.openxmlformats.org/officeDocument/2006/relationships" xmlns:p="http://schemas.openxmlformats.org/presentationml/2006/main">
+<p:sld xmlns:a="http://schemas.openxmlformats.org/drawingml/2006/main" xmlns:r="http://schemas.openxmlformats.org/officeDocument/2006/relationships" xmlns:p="http://schemas.openxmlformats.org/presentationml/2006/main" show="0">
   <p:cSld>
     <p:bg>
       <p:bgPr>
